--- a/Proyecto final - Offline Reinforcement Learning/Presentación final.pptx
+++ b/Proyecto final - Offline Reinforcement Learning/Presentación final.pptx
@@ -5,19 +5,22 @@
     <p:sldMasterId id="2147483729" r:id="rId1"/>
   </p:sldMasterIdLst>
   <p:notesMasterIdLst>
-    <p:notesMasterId r:id="rId12"/>
+    <p:notesMasterId r:id="rId15"/>
   </p:notesMasterIdLst>
   <p:sldIdLst>
     <p:sldId id="260" r:id="rId2"/>
     <p:sldId id="262" r:id="rId3"/>
     <p:sldId id="259" r:id="rId4"/>
-    <p:sldId id="266" r:id="rId5"/>
-    <p:sldId id="268" r:id="rId6"/>
-    <p:sldId id="270" r:id="rId7"/>
-    <p:sldId id="269" r:id="rId8"/>
-    <p:sldId id="271" r:id="rId9"/>
-    <p:sldId id="258" r:id="rId10"/>
-    <p:sldId id="265" r:id="rId11"/>
+    <p:sldId id="273" r:id="rId5"/>
+    <p:sldId id="266" r:id="rId6"/>
+    <p:sldId id="272" r:id="rId7"/>
+    <p:sldId id="268" r:id="rId8"/>
+    <p:sldId id="274" r:id="rId9"/>
+    <p:sldId id="278" r:id="rId10"/>
+    <p:sldId id="275" r:id="rId11"/>
+    <p:sldId id="276" r:id="rId12"/>
+    <p:sldId id="258" r:id="rId13"/>
+    <p:sldId id="265" r:id="rId14"/>
   </p:sldIdLst>
   <p:sldSz cx="12192000" cy="6858000"/>
   <p:notesSz cx="6858000" cy="9144000"/>
@@ -206,7 +209,7 @@
           <a:p>
             <a:fld id="{C636061B-4BA4-488D-B7EB-FF95CE14C45F}" type="datetimeFigureOut">
               <a:rPr lang="en-US" smtClean="0"/>
-              <a:t>7/23/2023</a:t>
+              <a:t>7/24/2023</a:t>
             </a:fld>
             <a:endParaRPr lang="en-US"/>
           </a:p>
@@ -658,7 +661,7 @@
           <a:p>
             <a:fld id="{E9117026-98EC-4A4B-8473-85569B2EAFA8}" type="datetime1">
               <a:rPr lang="en-US" smtClean="0"/>
-              <a:t>7/23/2023</a:t>
+              <a:t>7/24/2023</a:t>
             </a:fld>
             <a:endParaRPr lang="en-US"/>
           </a:p>
@@ -956,7 +959,7 @@
           <a:p>
             <a:fld id="{4DBDCD4F-E8EB-49F8-88DA-2F3C17B0E2EC}" type="datetime1">
               <a:rPr lang="en-US" smtClean="0"/>
-              <a:t>7/23/2023</a:t>
+              <a:t>7/24/2023</a:t>
             </a:fld>
             <a:endParaRPr lang="en-US"/>
           </a:p>
@@ -1148,7 +1151,7 @@
           <a:p>
             <a:fld id="{E4B545BB-2AF9-49C1-8095-E0D08D0898EF}" type="datetime1">
               <a:rPr lang="en-US" smtClean="0"/>
-              <a:t>7/23/2023</a:t>
+              <a:t>7/24/2023</a:t>
             </a:fld>
             <a:endParaRPr lang="en-US"/>
           </a:p>
@@ -1409,7 +1412,7 @@
           <a:p>
             <a:fld id="{8FEC91EB-1C34-4B97-9BB9-BCDFBF2F3EEF}" type="datetime1">
               <a:rPr lang="en-US" smtClean="0"/>
-              <a:t>7/23/2023</a:t>
+              <a:t>7/24/2023</a:t>
             </a:fld>
             <a:endParaRPr lang="en-US"/>
           </a:p>
@@ -1833,7 +1836,7 @@
           <a:p>
             <a:fld id="{1F1C0532-2A48-45C0-87A7-56E0321F8C83}" type="datetime1">
               <a:rPr lang="en-US" smtClean="0"/>
-              <a:t>7/23/2023</a:t>
+              <a:t>7/24/2023</a:t>
             </a:fld>
             <a:endParaRPr lang="en-US"/>
           </a:p>
@@ -2370,7 +2373,7 @@
           <a:p>
             <a:fld id="{EA58C14B-502F-4B1E-8000-B431A90E097E}" type="datetime1">
               <a:rPr lang="en-US" smtClean="0"/>
-              <a:t>7/23/2023</a:t>
+              <a:t>7/24/2023</a:t>
             </a:fld>
             <a:endParaRPr lang="en-US"/>
           </a:p>
@@ -3234,7 +3237,7 @@
           <a:p>
             <a:fld id="{FE44C911-2D9B-4221-BF83-56A84D0B7418}" type="datetime1">
               <a:rPr lang="en-US" smtClean="0"/>
-              <a:t>7/23/2023</a:t>
+              <a:t>7/24/2023</a:t>
             </a:fld>
             <a:endParaRPr lang="en-US"/>
           </a:p>
@@ -3404,7 +3407,7 @@
           <a:p>
             <a:fld id="{9A52F5B7-F360-4953-A7BA-ABFB6E80178F}" type="datetime1">
               <a:rPr lang="en-US" smtClean="0"/>
-              <a:t>7/23/2023</a:t>
+              <a:t>7/24/2023</a:t>
             </a:fld>
             <a:endParaRPr lang="en-US"/>
           </a:p>
@@ -3588,7 +3591,7 @@
           <a:p>
             <a:fld id="{CAE266BA-FF50-4486-B30D-CD1225F0F315}" type="datetime1">
               <a:rPr lang="en-US" smtClean="0"/>
-              <a:t>7/23/2023</a:t>
+              <a:t>7/24/2023</a:t>
             </a:fld>
             <a:endParaRPr lang="en-US"/>
           </a:p>
@@ -3763,7 +3766,7 @@
           <a:p>
             <a:fld id="{BE231694-BB54-4303-9378-51289E65F0DF}" type="datetime1">
               <a:rPr lang="en-US" smtClean="0"/>
-              <a:t>7/23/2023</a:t>
+              <a:t>7/24/2023</a:t>
             </a:fld>
             <a:endParaRPr lang="en-US"/>
           </a:p>
@@ -3933,7 +3936,7 @@
           <a:p>
             <a:fld id="{0E90F3EB-6B9C-470E-ACF2-5849F0B066E3}" type="datetime1">
               <a:rPr lang="en-US" smtClean="0"/>
-              <a:t>7/23/2023</a:t>
+              <a:t>7/24/2023</a:t>
             </a:fld>
             <a:endParaRPr lang="en-US"/>
           </a:p>
@@ -4177,7 +4180,7 @@
           <a:p>
             <a:fld id="{6C2A679F-FA29-47F1-8B8F-6A456EA43F46}" type="datetime1">
               <a:rPr lang="en-US" smtClean="0"/>
-              <a:t>7/23/2023</a:t>
+              <a:t>7/24/2023</a:t>
             </a:fld>
             <a:endParaRPr lang="en-US"/>
           </a:p>
@@ -4413,7 +4416,7 @@
           <a:p>
             <a:fld id="{E54616ED-252A-4187-8BE5-DB6D795C5FDA}" type="datetime1">
               <a:rPr lang="en-US" smtClean="0"/>
-              <a:t>7/23/2023</a:t>
+              <a:t>7/24/2023</a:t>
             </a:fld>
             <a:endParaRPr lang="en-US"/>
           </a:p>
@@ -4879,7 +4882,7 @@
           <a:p>
             <a:fld id="{D6D7E280-8A0D-449B-9E02-BBFABC56D1E0}" type="datetime1">
               <a:rPr lang="en-US" smtClean="0"/>
-              <a:t>7/23/2023</a:t>
+              <a:t>7/24/2023</a:t>
             </a:fld>
             <a:endParaRPr lang="en-US"/>
           </a:p>
@@ -4997,7 +5000,7 @@
           <a:p>
             <a:fld id="{32C4148F-9C9B-4B9E-8451-D231156EE280}" type="datetime1">
               <a:rPr lang="en-US" smtClean="0"/>
-              <a:t>7/23/2023</a:t>
+              <a:t>7/24/2023</a:t>
             </a:fld>
             <a:endParaRPr lang="en-US"/>
           </a:p>
@@ -5092,7 +5095,7 @@
           <a:p>
             <a:fld id="{F7D8736F-BE75-4BF5-BDE8-98067B984548}" type="datetime1">
               <a:rPr lang="en-US" smtClean="0"/>
-              <a:t>7/23/2023</a:t>
+              <a:t>7/24/2023</a:t>
             </a:fld>
             <a:endParaRPr lang="en-US"/>
           </a:p>
@@ -5347,7 +5350,7 @@
           <a:p>
             <a:fld id="{56F38276-402C-485B-AB75-788F89A0ACB6}" type="datetime1">
               <a:rPr lang="en-US" smtClean="0"/>
-              <a:t>7/23/2023</a:t>
+              <a:t>7/24/2023</a:t>
             </a:fld>
             <a:endParaRPr lang="en-US"/>
           </a:p>
@@ -5647,7 +5650,7 @@
           <a:p>
             <a:fld id="{15F578FD-892C-4BA5-85D9-006891BB1748}" type="datetime1">
               <a:rPr lang="en-US" smtClean="0"/>
-              <a:t>7/23/2023</a:t>
+              <a:t>7/24/2023</a:t>
             </a:fld>
             <a:endParaRPr lang="en-US"/>
           </a:p>
@@ -5881,7 +5884,7 @@
           <a:p>
             <a:fld id="{DA8378F8-17BB-4A43-8ABE-6482B10306CD}" type="datetime1">
               <a:rPr lang="en-US" smtClean="0"/>
-              <a:t>7/23/2023</a:t>
+              <a:t>7/24/2023</a:t>
             </a:fld>
             <a:endParaRPr lang="en-US"/>
           </a:p>
@@ -6888,6 +6891,1440 @@
           <p:cNvPr id="2" name="Title 1">
             <a:extLst>
               <a:ext uri="{FF2B5EF4-FFF2-40B4-BE49-F238E27FC236}">
+                <a16:creationId xmlns:a16="http://schemas.microsoft.com/office/drawing/2014/main" id="{013F6081-C83A-239E-28BC-8C851836D7BE}"/>
+              </a:ext>
+            </a:extLst>
+          </p:cNvPr>
+          <p:cNvSpPr>
+            <a:spLocks noGrp="1"/>
+          </p:cNvSpPr>
+          <p:nvPr>
+            <p:ph type="title"/>
+          </p:nvPr>
+        </p:nvSpPr>
+        <p:spPr/>
+        <p:txBody>
+          <a:bodyPr>
+            <a:normAutofit fontScale="90000"/>
+          </a:bodyPr>
+          <a:lstStyle/>
+          <a:p>
+            <a:r>
+              <a:rPr lang="es-ES" dirty="0"/>
+              <a:t>“Estabilización de TPH mediante recomendación de su nivel de carga” </a:t>
+            </a:r>
+            <a:endParaRPr lang="en-US" dirty="0"/>
+          </a:p>
+        </p:txBody>
+      </p:sp>
+      <p:sp>
+        <p:nvSpPr>
+          <p:cNvPr id="4" name="Slide Number Placeholder 3">
+            <a:extLst>
+              <a:ext uri="{FF2B5EF4-FFF2-40B4-BE49-F238E27FC236}">
+                <a16:creationId xmlns:a16="http://schemas.microsoft.com/office/drawing/2014/main" id="{9E34ED41-BA2A-A5B3-3114-8B1877DE832A}"/>
+              </a:ext>
+            </a:extLst>
+          </p:cNvPr>
+          <p:cNvSpPr>
+            <a:spLocks noGrp="1"/>
+          </p:cNvSpPr>
+          <p:nvPr>
+            <p:ph type="sldNum" sz="quarter" idx="12"/>
+          </p:nvPr>
+        </p:nvSpPr>
+        <p:spPr/>
+        <p:txBody>
+          <a:bodyPr/>
+          <a:lstStyle/>
+          <a:p>
+            <a:fld id="{BE1F6BF0-3C6A-4A47-A592-211A5094F777}" type="slidenum">
+              <a:rPr lang="en-US" smtClean="0"/>
+              <a:t>10</a:t>
+            </a:fld>
+            <a:endParaRPr lang="en-US"/>
+          </a:p>
+        </p:txBody>
+      </p:sp>
+      <p:pic>
+        <p:nvPicPr>
+          <p:cNvPr id="6" name="Picture 5" descr="A picture containing logo&#10;&#10;Description automatically generated">
+            <a:extLst>
+              <a:ext uri="{FF2B5EF4-FFF2-40B4-BE49-F238E27FC236}">
+                <a16:creationId xmlns:a16="http://schemas.microsoft.com/office/drawing/2014/main" id="{F00D6809-6AB1-81DB-4463-546F967918A1}"/>
+              </a:ext>
+            </a:extLst>
+          </p:cNvPr>
+          <p:cNvPicPr>
+            <a:picLocks noChangeAspect="1"/>
+          </p:cNvPicPr>
+          <p:nvPr/>
+        </p:nvPicPr>
+        <p:blipFill rotWithShape="1">
+          <a:blip r:embed="rId2">
+            <a:extLst>
+              <a:ext uri="{28A0092B-C50C-407E-A947-70E740481C1C}">
+                <a14:useLocalDpi xmlns:a14="http://schemas.microsoft.com/office/drawing/2010/main" val="0"/>
+              </a:ext>
+            </a:extLst>
+          </a:blip>
+          <a:srcRect t="42199"/>
+          <a:stretch/>
+        </p:blipFill>
+        <p:spPr>
+          <a:xfrm>
+            <a:off x="10022430" y="-11"/>
+            <a:ext cx="2169570" cy="548640"/>
+          </a:xfrm>
+          <a:prstGeom prst="rect">
+            <a:avLst/>
+          </a:prstGeom>
+        </p:spPr>
+      </p:pic>
+      <p:pic>
+        <p:nvPicPr>
+          <p:cNvPr id="5" name="Picture 4" descr="A graph of different colored lines&#10;&#10;Description automatically generated">
+            <a:extLst>
+              <a:ext uri="{FF2B5EF4-FFF2-40B4-BE49-F238E27FC236}">
+                <a16:creationId xmlns:a16="http://schemas.microsoft.com/office/drawing/2014/main" id="{F110255A-81BF-9182-8AB7-00FBCC9FD020}"/>
+              </a:ext>
+            </a:extLst>
+          </p:cNvPr>
+          <p:cNvPicPr>
+            <a:picLocks noChangeAspect="1"/>
+          </p:cNvPicPr>
+          <p:nvPr/>
+        </p:nvPicPr>
+        <p:blipFill>
+          <a:blip r:embed="rId3">
+            <a:extLst>
+              <a:ext uri="{28A0092B-C50C-407E-A947-70E740481C1C}">
+                <a14:useLocalDpi xmlns:a14="http://schemas.microsoft.com/office/drawing/2010/main" val="0"/>
+              </a:ext>
+            </a:extLst>
+          </a:blip>
+          <a:stretch>
+            <a:fillRect/>
+          </a:stretch>
+        </p:blipFill>
+        <p:spPr>
+          <a:xfrm>
+            <a:off x="924444" y="1950944"/>
+            <a:ext cx="6544491" cy="4581144"/>
+          </a:xfrm>
+          <a:prstGeom prst="rect">
+            <a:avLst/>
+          </a:prstGeom>
+        </p:spPr>
+      </p:pic>
+      <p:pic>
+        <p:nvPicPr>
+          <p:cNvPr id="8" name="Picture 7">
+            <a:extLst>
+              <a:ext uri="{FF2B5EF4-FFF2-40B4-BE49-F238E27FC236}">
+                <a16:creationId xmlns:a16="http://schemas.microsoft.com/office/drawing/2014/main" id="{77192BC4-CDC7-1F7F-DCCF-D45E6F96CEAE}"/>
+              </a:ext>
+            </a:extLst>
+          </p:cNvPr>
+          <p:cNvPicPr>
+            <a:picLocks noChangeAspect="1"/>
+          </p:cNvPicPr>
+          <p:nvPr/>
+        </p:nvPicPr>
+        <p:blipFill>
+          <a:blip r:embed="rId4"/>
+          <a:stretch>
+            <a:fillRect/>
+          </a:stretch>
+        </p:blipFill>
+        <p:spPr>
+          <a:xfrm>
+            <a:off x="7756558" y="1950944"/>
+            <a:ext cx="3510998" cy="1910479"/>
+          </a:xfrm>
+          <a:prstGeom prst="rect">
+            <a:avLst/>
+          </a:prstGeom>
+        </p:spPr>
+      </p:pic>
+      <p:sp>
+        <p:nvSpPr>
+          <p:cNvPr id="11" name="TextBox 10">
+            <a:extLst>
+              <a:ext uri="{FF2B5EF4-FFF2-40B4-BE49-F238E27FC236}">
+                <a16:creationId xmlns:a16="http://schemas.microsoft.com/office/drawing/2014/main" id="{24645161-EF03-8906-9A02-C6ECDE31E3BB}"/>
+              </a:ext>
+            </a:extLst>
+          </p:cNvPr>
+          <p:cNvSpPr txBox="1"/>
+          <p:nvPr/>
+        </p:nvSpPr>
+        <p:spPr>
+          <a:xfrm>
+            <a:off x="5801722" y="3861423"/>
+            <a:ext cx="1576231" cy="1107996"/>
+          </a:xfrm>
+          <a:prstGeom prst="rect">
+            <a:avLst/>
+          </a:prstGeom>
+          <a:noFill/>
+          <a:ln>
+            <a:solidFill>
+              <a:schemeClr val="bg1"/>
+            </a:solidFill>
+          </a:ln>
+        </p:spPr>
+        <p:txBody>
+          <a:bodyPr wrap="square" rtlCol="0">
+            <a:spAutoFit/>
+          </a:bodyPr>
+          <a:lstStyle/>
+          <a:p>
+            <a:r>
+              <a:rPr lang="es-CL" sz="1100" b="1" dirty="0">
+                <a:solidFill>
+                  <a:schemeClr val="bg1"/>
+                </a:solidFill>
+              </a:rPr>
+              <a:t>Escenario estable con buena recomendación: </a:t>
+            </a:r>
+            <a:r>
+              <a:rPr lang="es-CL" sz="1100" dirty="0">
+                <a:solidFill>
+                  <a:schemeClr val="bg1"/>
+                </a:solidFill>
+              </a:rPr>
+              <a:t>Recomendación esta en torno a la decisión real que tomo la operación.</a:t>
+            </a:r>
+            <a:endParaRPr lang="en-US" sz="1100" dirty="0"/>
+          </a:p>
+        </p:txBody>
+      </p:sp>
+    </p:spTree>
+    <p:extLst>
+      <p:ext uri="{BB962C8B-B14F-4D97-AF65-F5344CB8AC3E}">
+        <p14:creationId xmlns:p14="http://schemas.microsoft.com/office/powerpoint/2010/main" val="983959049"/>
+      </p:ext>
+    </p:extLst>
+  </p:cSld>
+  <p:clrMapOvr>
+    <a:masterClrMapping/>
+  </p:clrMapOvr>
+  <p:timing>
+    <p:tnLst>
+      <p:par>
+        <p:cTn id="1" dur="indefinite" restart="never" nodeType="tmRoot">
+          <p:childTnLst>
+            <p:seq concurrent="1" nextAc="seek">
+              <p:cTn id="2" dur="indefinite" nodeType="mainSeq">
+                <p:childTnLst>
+                  <p:par>
+                    <p:cTn id="3" fill="hold">
+                      <p:stCondLst>
+                        <p:cond delay="indefinite"/>
+                      </p:stCondLst>
+                      <p:childTnLst>
+                        <p:par>
+                          <p:cTn id="4" fill="hold">
+                            <p:stCondLst>
+                              <p:cond delay="0"/>
+                            </p:stCondLst>
+                            <p:childTnLst>
+                              <p:par>
+                                <p:cTn id="5" presetID="1" presetClass="entr" presetSubtype="0" fill="hold" nodeType="clickEffect">
+                                  <p:stCondLst>
+                                    <p:cond delay="0"/>
+                                  </p:stCondLst>
+                                  <p:childTnLst>
+                                    <p:set>
+                                      <p:cBhvr>
+                                        <p:cTn id="6" dur="1" fill="hold">
+                                          <p:stCondLst>
+                                            <p:cond delay="0"/>
+                                          </p:stCondLst>
+                                        </p:cTn>
+                                        <p:tgtEl>
+                                          <p:spTgt spid="5"/>
+                                        </p:tgtEl>
+                                        <p:attrNameLst>
+                                          <p:attrName>style.visibility</p:attrName>
+                                        </p:attrNameLst>
+                                      </p:cBhvr>
+                                      <p:to>
+                                        <p:strVal val="visible"/>
+                                      </p:to>
+                                    </p:set>
+                                  </p:childTnLst>
+                                </p:cTn>
+                              </p:par>
+                            </p:childTnLst>
+                          </p:cTn>
+                        </p:par>
+                      </p:childTnLst>
+                    </p:cTn>
+                  </p:par>
+                  <p:par>
+                    <p:cTn id="7" fill="hold">
+                      <p:stCondLst>
+                        <p:cond delay="indefinite"/>
+                      </p:stCondLst>
+                      <p:childTnLst>
+                        <p:par>
+                          <p:cTn id="8" fill="hold">
+                            <p:stCondLst>
+                              <p:cond delay="0"/>
+                            </p:stCondLst>
+                            <p:childTnLst>
+                              <p:par>
+                                <p:cTn id="9" presetID="1" presetClass="entr" presetSubtype="0" fill="hold" nodeType="clickEffect">
+                                  <p:stCondLst>
+                                    <p:cond delay="0"/>
+                                  </p:stCondLst>
+                                  <p:childTnLst>
+                                    <p:set>
+                                      <p:cBhvr>
+                                        <p:cTn id="10" dur="1" fill="hold">
+                                          <p:stCondLst>
+                                            <p:cond delay="0"/>
+                                          </p:stCondLst>
+                                        </p:cTn>
+                                        <p:tgtEl>
+                                          <p:spTgt spid="8"/>
+                                        </p:tgtEl>
+                                        <p:attrNameLst>
+                                          <p:attrName>style.visibility</p:attrName>
+                                        </p:attrNameLst>
+                                      </p:cBhvr>
+                                      <p:to>
+                                        <p:strVal val="visible"/>
+                                      </p:to>
+                                    </p:set>
+                                  </p:childTnLst>
+                                </p:cTn>
+                              </p:par>
+                            </p:childTnLst>
+                          </p:cTn>
+                        </p:par>
+                      </p:childTnLst>
+                    </p:cTn>
+                  </p:par>
+                  <p:par>
+                    <p:cTn id="11" fill="hold">
+                      <p:stCondLst>
+                        <p:cond delay="indefinite"/>
+                      </p:stCondLst>
+                      <p:childTnLst>
+                        <p:par>
+                          <p:cTn id="12" fill="hold">
+                            <p:stCondLst>
+                              <p:cond delay="0"/>
+                            </p:stCondLst>
+                            <p:childTnLst>
+                              <p:par>
+                                <p:cTn id="13" presetID="1" presetClass="entr" presetSubtype="0" fill="hold" grpId="0" nodeType="clickEffect">
+                                  <p:stCondLst>
+                                    <p:cond delay="0"/>
+                                  </p:stCondLst>
+                                  <p:childTnLst>
+                                    <p:set>
+                                      <p:cBhvr>
+                                        <p:cTn id="14" dur="1" fill="hold">
+                                          <p:stCondLst>
+                                            <p:cond delay="0"/>
+                                          </p:stCondLst>
+                                        </p:cTn>
+                                        <p:tgtEl>
+                                          <p:spTgt spid="11"/>
+                                        </p:tgtEl>
+                                        <p:attrNameLst>
+                                          <p:attrName>style.visibility</p:attrName>
+                                        </p:attrNameLst>
+                                      </p:cBhvr>
+                                      <p:to>
+                                        <p:strVal val="visible"/>
+                                      </p:to>
+                                    </p:set>
+                                  </p:childTnLst>
+                                </p:cTn>
+                              </p:par>
+                            </p:childTnLst>
+                          </p:cTn>
+                        </p:par>
+                      </p:childTnLst>
+                    </p:cTn>
+                  </p:par>
+                </p:childTnLst>
+              </p:cTn>
+              <p:prevCondLst>
+                <p:cond evt="onPrev" delay="0">
+                  <p:tgtEl>
+                    <p:sldTgt/>
+                  </p:tgtEl>
+                </p:cond>
+              </p:prevCondLst>
+              <p:nextCondLst>
+                <p:cond evt="onNext" delay="0">
+                  <p:tgtEl>
+                    <p:sldTgt/>
+                  </p:tgtEl>
+                </p:cond>
+              </p:nextCondLst>
+            </p:seq>
+          </p:childTnLst>
+        </p:cTn>
+      </p:par>
+    </p:tnLst>
+    <p:bldLst>
+      <p:bldP spid="11" grpId="0" animBg="1"/>
+    </p:bldLst>
+  </p:timing>
+</p:sld>
+</file>
+
+<file path=ppt/slides/slide11.xml><?xml version="1.0" encoding="utf-8"?>
+<p:sld xmlns:a="http://schemas.openxmlformats.org/drawingml/2006/main" xmlns:r="http://schemas.openxmlformats.org/officeDocument/2006/relationships" xmlns:p="http://schemas.openxmlformats.org/presentationml/2006/main">
+  <p:cSld>
+    <p:spTree>
+      <p:nvGrpSpPr>
+        <p:cNvPr id="1" name=""/>
+        <p:cNvGrpSpPr/>
+        <p:nvPr/>
+      </p:nvGrpSpPr>
+      <p:grpSpPr>
+        <a:xfrm>
+          <a:off x="0" y="0"/>
+          <a:ext cx="0" cy="0"/>
+          <a:chOff x="0" y="0"/>
+          <a:chExt cx="0" cy="0"/>
+        </a:xfrm>
+      </p:grpSpPr>
+      <p:sp>
+        <p:nvSpPr>
+          <p:cNvPr id="2" name="Title 1">
+            <a:extLst>
+              <a:ext uri="{FF2B5EF4-FFF2-40B4-BE49-F238E27FC236}">
+                <a16:creationId xmlns:a16="http://schemas.microsoft.com/office/drawing/2014/main" id="{013F6081-C83A-239E-28BC-8C851836D7BE}"/>
+              </a:ext>
+            </a:extLst>
+          </p:cNvPr>
+          <p:cNvSpPr>
+            <a:spLocks noGrp="1"/>
+          </p:cNvSpPr>
+          <p:nvPr>
+            <p:ph type="title"/>
+          </p:nvPr>
+        </p:nvSpPr>
+        <p:spPr/>
+        <p:txBody>
+          <a:bodyPr>
+            <a:normAutofit fontScale="90000"/>
+          </a:bodyPr>
+          <a:lstStyle/>
+          <a:p>
+            <a:r>
+              <a:rPr lang="es-ES" dirty="0"/>
+              <a:t>“Estabilización de TPH mediante recomendación de su nivel de carga” </a:t>
+            </a:r>
+            <a:endParaRPr lang="en-US" dirty="0"/>
+          </a:p>
+        </p:txBody>
+      </p:sp>
+      <p:sp>
+        <p:nvSpPr>
+          <p:cNvPr id="4" name="Slide Number Placeholder 3">
+            <a:extLst>
+              <a:ext uri="{FF2B5EF4-FFF2-40B4-BE49-F238E27FC236}">
+                <a16:creationId xmlns:a16="http://schemas.microsoft.com/office/drawing/2014/main" id="{9E34ED41-BA2A-A5B3-3114-8B1877DE832A}"/>
+              </a:ext>
+            </a:extLst>
+          </p:cNvPr>
+          <p:cNvSpPr>
+            <a:spLocks noGrp="1"/>
+          </p:cNvSpPr>
+          <p:nvPr>
+            <p:ph type="sldNum" sz="quarter" idx="12"/>
+          </p:nvPr>
+        </p:nvSpPr>
+        <p:spPr/>
+        <p:txBody>
+          <a:bodyPr/>
+          <a:lstStyle/>
+          <a:p>
+            <a:fld id="{BE1F6BF0-3C6A-4A47-A592-211A5094F777}" type="slidenum">
+              <a:rPr lang="en-US" smtClean="0"/>
+              <a:t>11</a:t>
+            </a:fld>
+            <a:endParaRPr lang="en-US"/>
+          </a:p>
+        </p:txBody>
+      </p:sp>
+      <p:pic>
+        <p:nvPicPr>
+          <p:cNvPr id="6" name="Picture 5" descr="A picture containing logo&#10;&#10;Description automatically generated">
+            <a:extLst>
+              <a:ext uri="{FF2B5EF4-FFF2-40B4-BE49-F238E27FC236}">
+                <a16:creationId xmlns:a16="http://schemas.microsoft.com/office/drawing/2014/main" id="{F00D6809-6AB1-81DB-4463-546F967918A1}"/>
+              </a:ext>
+            </a:extLst>
+          </p:cNvPr>
+          <p:cNvPicPr>
+            <a:picLocks noChangeAspect="1"/>
+          </p:cNvPicPr>
+          <p:nvPr/>
+        </p:nvPicPr>
+        <p:blipFill rotWithShape="1">
+          <a:blip r:embed="rId2">
+            <a:extLst>
+              <a:ext uri="{28A0092B-C50C-407E-A947-70E740481C1C}">
+                <a14:useLocalDpi xmlns:a14="http://schemas.microsoft.com/office/drawing/2010/main" val="0"/>
+              </a:ext>
+            </a:extLst>
+          </a:blip>
+          <a:srcRect t="42199"/>
+          <a:stretch/>
+        </p:blipFill>
+        <p:spPr>
+          <a:xfrm>
+            <a:off x="10022430" y="-11"/>
+            <a:ext cx="2169570" cy="548640"/>
+          </a:xfrm>
+          <a:prstGeom prst="rect">
+            <a:avLst/>
+          </a:prstGeom>
+        </p:spPr>
+      </p:pic>
+      <p:pic>
+        <p:nvPicPr>
+          <p:cNvPr id="5" name="Picture 4">
+            <a:extLst>
+              <a:ext uri="{FF2B5EF4-FFF2-40B4-BE49-F238E27FC236}">
+                <a16:creationId xmlns:a16="http://schemas.microsoft.com/office/drawing/2014/main" id="{4CFBB614-805F-1637-30F3-26E9AE01FC57}"/>
+              </a:ext>
+            </a:extLst>
+          </p:cNvPr>
+          <p:cNvPicPr>
+            <a:picLocks noChangeAspect="1"/>
+          </p:cNvPicPr>
+          <p:nvPr/>
+        </p:nvPicPr>
+        <p:blipFill>
+          <a:blip r:embed="rId3"/>
+          <a:stretch>
+            <a:fillRect/>
+          </a:stretch>
+        </p:blipFill>
+        <p:spPr>
+          <a:xfrm>
+            <a:off x="7684730" y="1937108"/>
+            <a:ext cx="3512132" cy="1911096"/>
+          </a:xfrm>
+          <a:prstGeom prst="rect">
+            <a:avLst/>
+          </a:prstGeom>
+        </p:spPr>
+      </p:pic>
+      <p:pic>
+        <p:nvPicPr>
+          <p:cNvPr id="12" name="Picture 11" descr="A graph of different colored lines&#10;&#10;Description automatically generated">
+            <a:extLst>
+              <a:ext uri="{FF2B5EF4-FFF2-40B4-BE49-F238E27FC236}">
+                <a16:creationId xmlns:a16="http://schemas.microsoft.com/office/drawing/2014/main" id="{A9B26E58-2D3A-06CA-ADAE-4C674C12BED3}"/>
+              </a:ext>
+            </a:extLst>
+          </p:cNvPr>
+          <p:cNvPicPr>
+            <a:picLocks noChangeAspect="1"/>
+          </p:cNvPicPr>
+          <p:nvPr/>
+        </p:nvPicPr>
+        <p:blipFill>
+          <a:blip r:embed="rId4">
+            <a:extLst>
+              <a:ext uri="{28A0092B-C50C-407E-A947-70E740481C1C}">
+                <a14:useLocalDpi xmlns:a14="http://schemas.microsoft.com/office/drawing/2010/main" val="0"/>
+              </a:ext>
+            </a:extLst>
+          </a:blip>
+          <a:stretch>
+            <a:fillRect/>
+          </a:stretch>
+        </p:blipFill>
+        <p:spPr>
+          <a:xfrm>
+            <a:off x="865685" y="1937108"/>
+            <a:ext cx="6544491" cy="4581144"/>
+          </a:xfrm>
+          <a:prstGeom prst="rect">
+            <a:avLst/>
+          </a:prstGeom>
+        </p:spPr>
+      </p:pic>
+      <p:sp>
+        <p:nvSpPr>
+          <p:cNvPr id="8" name="TextBox 7">
+            <a:extLst>
+              <a:ext uri="{FF2B5EF4-FFF2-40B4-BE49-F238E27FC236}">
+                <a16:creationId xmlns:a16="http://schemas.microsoft.com/office/drawing/2014/main" id="{1DC940B2-3DDD-EA69-D6BE-B1326F756C2E}"/>
+              </a:ext>
+            </a:extLst>
+          </p:cNvPr>
+          <p:cNvSpPr txBox="1"/>
+          <p:nvPr/>
+        </p:nvSpPr>
+        <p:spPr>
+          <a:xfrm>
+            <a:off x="5800290" y="3848204"/>
+            <a:ext cx="1505945" cy="2123658"/>
+          </a:xfrm>
+          <a:prstGeom prst="rect">
+            <a:avLst/>
+          </a:prstGeom>
+          <a:noFill/>
+          <a:ln>
+            <a:solidFill>
+              <a:schemeClr val="bg1"/>
+            </a:solidFill>
+          </a:ln>
+        </p:spPr>
+        <p:txBody>
+          <a:bodyPr wrap="square" rtlCol="0">
+            <a:spAutoFit/>
+          </a:bodyPr>
+          <a:lstStyle/>
+          <a:p>
+            <a:r>
+              <a:rPr lang="es-CL" sz="1100" b="1" dirty="0">
+                <a:solidFill>
+                  <a:schemeClr val="bg1"/>
+                </a:solidFill>
+              </a:rPr>
+              <a:t>Escenario inestable con mala recomendación: </a:t>
+            </a:r>
+            <a:r>
+              <a:rPr lang="es-CL" sz="1100" dirty="0">
+                <a:solidFill>
+                  <a:schemeClr val="bg1"/>
+                </a:solidFill>
+              </a:rPr>
+              <a:t>Recomendación indica seguir cargando pero TPH cae pese a estar con una carga inferior (No actúa sistema de control).</a:t>
+            </a:r>
+          </a:p>
+          <a:p>
+            <a:endParaRPr lang="es-CL" sz="1100" dirty="0">
+              <a:solidFill>
+                <a:schemeClr val="bg1"/>
+              </a:solidFill>
+            </a:endParaRPr>
+          </a:p>
+          <a:p>
+            <a:endParaRPr lang="en-US" sz="1100" dirty="0"/>
+          </a:p>
+        </p:txBody>
+      </p:sp>
+      <p:cxnSp>
+        <p:nvCxnSpPr>
+          <p:cNvPr id="13" name="Straight Connector 12">
+            <a:extLst>
+              <a:ext uri="{FF2B5EF4-FFF2-40B4-BE49-F238E27FC236}">
+                <a16:creationId xmlns:a16="http://schemas.microsoft.com/office/drawing/2014/main" id="{41BF72D9-1B49-DF09-C8C8-050C681DC07C}"/>
+              </a:ext>
+            </a:extLst>
+          </p:cNvPr>
+          <p:cNvCxnSpPr>
+            <a:cxnSpLocks/>
+          </p:cNvCxnSpPr>
+          <p:nvPr/>
+        </p:nvCxnSpPr>
+        <p:spPr>
+          <a:xfrm>
+            <a:off x="1876532" y="2572871"/>
+            <a:ext cx="0" cy="1275333"/>
+          </a:xfrm>
+          <a:prstGeom prst="line">
+            <a:avLst/>
+          </a:prstGeom>
+          <a:ln w="15875">
+            <a:solidFill>
+              <a:schemeClr val="bg1"/>
+            </a:solidFill>
+            <a:prstDash val="dash"/>
+          </a:ln>
+        </p:spPr>
+        <p:style>
+          <a:lnRef idx="1">
+            <a:schemeClr val="accent1"/>
+          </a:lnRef>
+          <a:fillRef idx="0">
+            <a:schemeClr val="accent1"/>
+          </a:fillRef>
+          <a:effectRef idx="0">
+            <a:schemeClr val="accent1"/>
+          </a:effectRef>
+          <a:fontRef idx="minor">
+            <a:schemeClr val="tx1"/>
+          </a:fontRef>
+        </p:style>
+      </p:cxnSp>
+      <p:sp>
+        <p:nvSpPr>
+          <p:cNvPr id="14" name="Oval 13">
+            <a:extLst>
+              <a:ext uri="{FF2B5EF4-FFF2-40B4-BE49-F238E27FC236}">
+                <a16:creationId xmlns:a16="http://schemas.microsoft.com/office/drawing/2014/main" id="{0E5E01BE-F39A-C949-4B7B-4A93AFDBF4C5}"/>
+              </a:ext>
+            </a:extLst>
+          </p:cNvPr>
+          <p:cNvSpPr/>
+          <p:nvPr/>
+        </p:nvSpPr>
+        <p:spPr>
+          <a:xfrm>
+            <a:off x="1721424" y="3253864"/>
+            <a:ext cx="310216" cy="350272"/>
+          </a:xfrm>
+          <a:prstGeom prst="ellipse">
+            <a:avLst/>
+          </a:prstGeom>
+          <a:noFill/>
+          <a:ln>
+            <a:solidFill>
+              <a:schemeClr val="bg1"/>
+            </a:solidFill>
+            <a:prstDash val="dash"/>
+          </a:ln>
+        </p:spPr>
+        <p:style>
+          <a:lnRef idx="2">
+            <a:schemeClr val="accent1">
+              <a:shade val="50000"/>
+            </a:schemeClr>
+          </a:lnRef>
+          <a:fillRef idx="1">
+            <a:schemeClr val="accent1"/>
+          </a:fillRef>
+          <a:effectRef idx="0">
+            <a:schemeClr val="accent1"/>
+          </a:effectRef>
+          <a:fontRef idx="minor">
+            <a:schemeClr val="lt1"/>
+          </a:fontRef>
+        </p:style>
+        <p:txBody>
+          <a:bodyPr rtlCol="0" anchor="ctr"/>
+          <a:lstStyle/>
+          <a:p>
+            <a:pPr algn="ctr"/>
+            <a:endParaRPr lang="en-US"/>
+          </a:p>
+        </p:txBody>
+      </p:sp>
+    </p:spTree>
+    <p:extLst>
+      <p:ext uri="{BB962C8B-B14F-4D97-AF65-F5344CB8AC3E}">
+        <p14:creationId xmlns:p14="http://schemas.microsoft.com/office/powerpoint/2010/main" val="3826336599"/>
+      </p:ext>
+    </p:extLst>
+  </p:cSld>
+  <p:clrMapOvr>
+    <a:masterClrMapping/>
+  </p:clrMapOvr>
+  <p:timing>
+    <p:tnLst>
+      <p:par>
+        <p:cTn id="1" dur="indefinite" restart="never" nodeType="tmRoot">
+          <p:childTnLst>
+            <p:seq concurrent="1" nextAc="seek">
+              <p:cTn id="2" dur="indefinite" nodeType="mainSeq">
+                <p:childTnLst>
+                  <p:par>
+                    <p:cTn id="3" fill="hold">
+                      <p:stCondLst>
+                        <p:cond delay="indefinite"/>
+                      </p:stCondLst>
+                      <p:childTnLst>
+                        <p:par>
+                          <p:cTn id="4" fill="hold">
+                            <p:stCondLst>
+                              <p:cond delay="0"/>
+                            </p:stCondLst>
+                            <p:childTnLst>
+                              <p:par>
+                                <p:cTn id="5" presetID="1" presetClass="entr" presetSubtype="0" fill="hold" nodeType="clickEffect">
+                                  <p:stCondLst>
+                                    <p:cond delay="0"/>
+                                  </p:stCondLst>
+                                  <p:childTnLst>
+                                    <p:set>
+                                      <p:cBhvr>
+                                        <p:cTn id="6" dur="1" fill="hold">
+                                          <p:stCondLst>
+                                            <p:cond delay="0"/>
+                                          </p:stCondLst>
+                                        </p:cTn>
+                                        <p:tgtEl>
+                                          <p:spTgt spid="12"/>
+                                        </p:tgtEl>
+                                        <p:attrNameLst>
+                                          <p:attrName>style.visibility</p:attrName>
+                                        </p:attrNameLst>
+                                      </p:cBhvr>
+                                      <p:to>
+                                        <p:strVal val="visible"/>
+                                      </p:to>
+                                    </p:set>
+                                  </p:childTnLst>
+                                </p:cTn>
+                              </p:par>
+                            </p:childTnLst>
+                          </p:cTn>
+                        </p:par>
+                      </p:childTnLst>
+                    </p:cTn>
+                  </p:par>
+                  <p:par>
+                    <p:cTn id="7" fill="hold">
+                      <p:stCondLst>
+                        <p:cond delay="indefinite"/>
+                      </p:stCondLst>
+                      <p:childTnLst>
+                        <p:par>
+                          <p:cTn id="8" fill="hold">
+                            <p:stCondLst>
+                              <p:cond delay="0"/>
+                            </p:stCondLst>
+                            <p:childTnLst>
+                              <p:par>
+                                <p:cTn id="9" presetID="1" presetClass="entr" presetSubtype="0" fill="hold" nodeType="clickEffect">
+                                  <p:stCondLst>
+                                    <p:cond delay="0"/>
+                                  </p:stCondLst>
+                                  <p:childTnLst>
+                                    <p:set>
+                                      <p:cBhvr>
+                                        <p:cTn id="10" dur="1" fill="hold">
+                                          <p:stCondLst>
+                                            <p:cond delay="0"/>
+                                          </p:stCondLst>
+                                        </p:cTn>
+                                        <p:tgtEl>
+                                          <p:spTgt spid="5"/>
+                                        </p:tgtEl>
+                                        <p:attrNameLst>
+                                          <p:attrName>style.visibility</p:attrName>
+                                        </p:attrNameLst>
+                                      </p:cBhvr>
+                                      <p:to>
+                                        <p:strVal val="visible"/>
+                                      </p:to>
+                                    </p:set>
+                                  </p:childTnLst>
+                                </p:cTn>
+                              </p:par>
+                            </p:childTnLst>
+                          </p:cTn>
+                        </p:par>
+                      </p:childTnLst>
+                    </p:cTn>
+                  </p:par>
+                  <p:par>
+                    <p:cTn id="11" fill="hold">
+                      <p:stCondLst>
+                        <p:cond delay="indefinite"/>
+                      </p:stCondLst>
+                      <p:childTnLst>
+                        <p:par>
+                          <p:cTn id="12" fill="hold">
+                            <p:stCondLst>
+                              <p:cond delay="0"/>
+                            </p:stCondLst>
+                            <p:childTnLst>
+                              <p:par>
+                                <p:cTn id="13" presetID="1" presetClass="entr" presetSubtype="0" fill="hold" grpId="0" nodeType="clickEffect">
+                                  <p:stCondLst>
+                                    <p:cond delay="0"/>
+                                  </p:stCondLst>
+                                  <p:childTnLst>
+                                    <p:set>
+                                      <p:cBhvr>
+                                        <p:cTn id="14" dur="1" fill="hold">
+                                          <p:stCondLst>
+                                            <p:cond delay="0"/>
+                                          </p:stCondLst>
+                                        </p:cTn>
+                                        <p:tgtEl>
+                                          <p:spTgt spid="8"/>
+                                        </p:tgtEl>
+                                        <p:attrNameLst>
+                                          <p:attrName>style.visibility</p:attrName>
+                                        </p:attrNameLst>
+                                      </p:cBhvr>
+                                      <p:to>
+                                        <p:strVal val="visible"/>
+                                      </p:to>
+                                    </p:set>
+                                  </p:childTnLst>
+                                </p:cTn>
+                              </p:par>
+                            </p:childTnLst>
+                          </p:cTn>
+                        </p:par>
+                      </p:childTnLst>
+                    </p:cTn>
+                  </p:par>
+                  <p:par>
+                    <p:cTn id="15" fill="hold">
+                      <p:stCondLst>
+                        <p:cond delay="indefinite"/>
+                      </p:stCondLst>
+                      <p:childTnLst>
+                        <p:par>
+                          <p:cTn id="16" fill="hold">
+                            <p:stCondLst>
+                              <p:cond delay="0"/>
+                            </p:stCondLst>
+                            <p:childTnLst>
+                              <p:par>
+                                <p:cTn id="17" presetID="1" presetClass="entr" presetSubtype="0" fill="hold" nodeType="clickEffect">
+                                  <p:stCondLst>
+                                    <p:cond delay="0"/>
+                                  </p:stCondLst>
+                                  <p:childTnLst>
+                                    <p:set>
+                                      <p:cBhvr>
+                                        <p:cTn id="18" dur="1" fill="hold">
+                                          <p:stCondLst>
+                                            <p:cond delay="0"/>
+                                          </p:stCondLst>
+                                        </p:cTn>
+                                        <p:tgtEl>
+                                          <p:spTgt spid="13"/>
+                                        </p:tgtEl>
+                                        <p:attrNameLst>
+                                          <p:attrName>style.visibility</p:attrName>
+                                        </p:attrNameLst>
+                                      </p:cBhvr>
+                                      <p:to>
+                                        <p:strVal val="visible"/>
+                                      </p:to>
+                                    </p:set>
+                                  </p:childTnLst>
+                                </p:cTn>
+                              </p:par>
+                            </p:childTnLst>
+                          </p:cTn>
+                        </p:par>
+                      </p:childTnLst>
+                    </p:cTn>
+                  </p:par>
+                  <p:par>
+                    <p:cTn id="19" fill="hold">
+                      <p:stCondLst>
+                        <p:cond delay="indefinite"/>
+                      </p:stCondLst>
+                      <p:childTnLst>
+                        <p:par>
+                          <p:cTn id="20" fill="hold">
+                            <p:stCondLst>
+                              <p:cond delay="0"/>
+                            </p:stCondLst>
+                            <p:childTnLst>
+                              <p:par>
+                                <p:cTn id="21" presetID="1" presetClass="entr" presetSubtype="0" fill="hold" grpId="0" nodeType="clickEffect">
+                                  <p:stCondLst>
+                                    <p:cond delay="0"/>
+                                  </p:stCondLst>
+                                  <p:childTnLst>
+                                    <p:set>
+                                      <p:cBhvr>
+                                        <p:cTn id="22" dur="1" fill="hold">
+                                          <p:stCondLst>
+                                            <p:cond delay="0"/>
+                                          </p:stCondLst>
+                                        </p:cTn>
+                                        <p:tgtEl>
+                                          <p:spTgt spid="14"/>
+                                        </p:tgtEl>
+                                        <p:attrNameLst>
+                                          <p:attrName>style.visibility</p:attrName>
+                                        </p:attrNameLst>
+                                      </p:cBhvr>
+                                      <p:to>
+                                        <p:strVal val="visible"/>
+                                      </p:to>
+                                    </p:set>
+                                  </p:childTnLst>
+                                </p:cTn>
+                              </p:par>
+                            </p:childTnLst>
+                          </p:cTn>
+                        </p:par>
+                      </p:childTnLst>
+                    </p:cTn>
+                  </p:par>
+                </p:childTnLst>
+              </p:cTn>
+              <p:prevCondLst>
+                <p:cond evt="onPrev" delay="0">
+                  <p:tgtEl>
+                    <p:sldTgt/>
+                  </p:tgtEl>
+                </p:cond>
+              </p:prevCondLst>
+              <p:nextCondLst>
+                <p:cond evt="onNext" delay="0">
+                  <p:tgtEl>
+                    <p:sldTgt/>
+                  </p:tgtEl>
+                </p:cond>
+              </p:nextCondLst>
+            </p:seq>
+          </p:childTnLst>
+        </p:cTn>
+      </p:par>
+    </p:tnLst>
+    <p:bldLst>
+      <p:bldP spid="8" grpId="0" animBg="1"/>
+      <p:bldP spid="14" grpId="0" animBg="1"/>
+    </p:bldLst>
+  </p:timing>
+</p:sld>
+</file>
+
+<file path=ppt/slides/slide12.xml><?xml version="1.0" encoding="utf-8"?>
+<p:sld xmlns:a="http://schemas.openxmlformats.org/drawingml/2006/main" xmlns:r="http://schemas.openxmlformats.org/officeDocument/2006/relationships" xmlns:p="http://schemas.openxmlformats.org/presentationml/2006/main">
+  <p:cSld>
+    <p:spTree>
+      <p:nvGrpSpPr>
+        <p:cNvPr id="1" name=""/>
+        <p:cNvGrpSpPr/>
+        <p:nvPr/>
+      </p:nvGrpSpPr>
+      <p:grpSpPr>
+        <a:xfrm>
+          <a:off x="0" y="0"/>
+          <a:ext cx="0" cy="0"/>
+          <a:chOff x="0" y="0"/>
+          <a:chExt cx="0" cy="0"/>
+        </a:xfrm>
+      </p:grpSpPr>
+      <p:sp>
+        <p:nvSpPr>
+          <p:cNvPr id="2" name="Title 1">
+            <a:extLst>
+              <a:ext uri="{FF2B5EF4-FFF2-40B4-BE49-F238E27FC236}">
+                <a16:creationId xmlns:a16="http://schemas.microsoft.com/office/drawing/2014/main" id="{6D99AAC5-C0CB-B6DF-410B-ED4B87665F87}"/>
+              </a:ext>
+            </a:extLst>
+          </p:cNvPr>
+          <p:cNvSpPr>
+            <a:spLocks noGrp="1"/>
+          </p:cNvSpPr>
+          <p:nvPr>
+            <p:ph type="title"/>
+          </p:nvPr>
+        </p:nvSpPr>
+        <p:spPr/>
+        <p:txBody>
+          <a:bodyPr/>
+          <a:lstStyle/>
+          <a:p>
+            <a:r>
+              <a:rPr lang="es-CL" dirty="0"/>
+              <a:t>Conclusiones</a:t>
+            </a:r>
+            <a:endParaRPr lang="en-US" dirty="0"/>
+          </a:p>
+        </p:txBody>
+      </p:sp>
+      <p:sp>
+        <p:nvSpPr>
+          <p:cNvPr id="3" name="Content Placeholder 2">
+            <a:extLst>
+              <a:ext uri="{FF2B5EF4-FFF2-40B4-BE49-F238E27FC236}">
+                <a16:creationId xmlns:a16="http://schemas.microsoft.com/office/drawing/2014/main" id="{46304CB4-1328-9132-CF9D-DFD6A6F63E28}"/>
+              </a:ext>
+            </a:extLst>
+          </p:cNvPr>
+          <p:cNvSpPr>
+            <a:spLocks noGrp="1"/>
+          </p:cNvSpPr>
+          <p:nvPr>
+            <p:ph idx="1"/>
+          </p:nvPr>
+        </p:nvSpPr>
+        <p:spPr/>
+        <p:txBody>
+          <a:bodyPr>
+            <a:normAutofit lnSpcReduction="10000"/>
+          </a:bodyPr>
+          <a:lstStyle/>
+          <a:p>
+            <a:r>
+              <a:rPr lang="es-ES" dirty="0"/>
+              <a:t>Políticas aprendidas son consistentes con los resultados esperados a partir de conocimiento previo.</a:t>
+            </a:r>
+          </a:p>
+          <a:p>
+            <a:endParaRPr lang="es-ES" dirty="0"/>
+          </a:p>
+          <a:p>
+            <a:r>
+              <a:rPr lang="es-ES" dirty="0"/>
+              <a:t>Surge la necesidad de poder testear las políticas aprendidas.</a:t>
+            </a:r>
+          </a:p>
+          <a:p>
+            <a:endParaRPr lang="es-ES" dirty="0"/>
+          </a:p>
+          <a:p>
+            <a:r>
+              <a:rPr lang="es-ES" dirty="0"/>
+              <a:t>No se puede decir de manera categórica que las políticas aprendidas son óptimas o seguras debido a que no es posible la experimentación en la planta.</a:t>
+            </a:r>
+            <a:endParaRPr lang="en-US" dirty="0"/>
+          </a:p>
+          <a:p>
+            <a:pPr marL="36900" indent="0">
+              <a:buNone/>
+            </a:pPr>
+            <a:endParaRPr lang="es-ES" dirty="0"/>
+          </a:p>
+          <a:p>
+            <a:r>
+              <a:rPr lang="es-ES" dirty="0"/>
+              <a:t>Es necesario diseñar nuevas metodologías para poder testear de manera robusta las políticas aprendidas a partir del mismo tipo de estructura de información con la cual se entrena el algoritmo.</a:t>
+            </a:r>
+          </a:p>
+          <a:p>
+            <a:endParaRPr lang="es-ES" dirty="0"/>
+          </a:p>
+        </p:txBody>
+      </p:sp>
+      <p:sp>
+        <p:nvSpPr>
+          <p:cNvPr id="4" name="Slide Number Placeholder 3">
+            <a:extLst>
+              <a:ext uri="{FF2B5EF4-FFF2-40B4-BE49-F238E27FC236}">
+                <a16:creationId xmlns:a16="http://schemas.microsoft.com/office/drawing/2014/main" id="{761E1540-171D-43DB-046D-4C8DD3C2F028}"/>
+              </a:ext>
+            </a:extLst>
+          </p:cNvPr>
+          <p:cNvSpPr>
+            <a:spLocks noGrp="1"/>
+          </p:cNvSpPr>
+          <p:nvPr>
+            <p:ph type="sldNum" sz="quarter" idx="12"/>
+          </p:nvPr>
+        </p:nvSpPr>
+        <p:spPr/>
+        <p:txBody>
+          <a:bodyPr/>
+          <a:lstStyle/>
+          <a:p>
+            <a:fld id="{BE1F6BF0-3C6A-4A47-A592-211A5094F777}" type="slidenum">
+              <a:rPr lang="en-US" smtClean="0"/>
+              <a:t>12</a:t>
+            </a:fld>
+            <a:endParaRPr lang="en-US"/>
+          </a:p>
+        </p:txBody>
+      </p:sp>
+      <p:pic>
+        <p:nvPicPr>
+          <p:cNvPr id="6" name="Picture 5" descr="A picture containing logo&#10;&#10;Description automatically generated">
+            <a:extLst>
+              <a:ext uri="{FF2B5EF4-FFF2-40B4-BE49-F238E27FC236}">
+                <a16:creationId xmlns:a16="http://schemas.microsoft.com/office/drawing/2014/main" id="{439D1F2B-2984-7668-6346-38CB900461E4}"/>
+              </a:ext>
+            </a:extLst>
+          </p:cNvPr>
+          <p:cNvPicPr>
+            <a:picLocks noChangeAspect="1"/>
+          </p:cNvPicPr>
+          <p:nvPr/>
+        </p:nvPicPr>
+        <p:blipFill rotWithShape="1">
+          <a:blip r:embed="rId2">
+            <a:extLst>
+              <a:ext uri="{28A0092B-C50C-407E-A947-70E740481C1C}">
+                <a14:useLocalDpi xmlns:a14="http://schemas.microsoft.com/office/drawing/2010/main" val="0"/>
+              </a:ext>
+            </a:extLst>
+          </a:blip>
+          <a:srcRect t="42199"/>
+          <a:stretch/>
+        </p:blipFill>
+        <p:spPr>
+          <a:xfrm>
+            <a:off x="10022430" y="-11"/>
+            <a:ext cx="2169570" cy="548640"/>
+          </a:xfrm>
+          <a:prstGeom prst="rect">
+            <a:avLst/>
+          </a:prstGeom>
+        </p:spPr>
+      </p:pic>
+    </p:spTree>
+    <p:extLst>
+      <p:ext uri="{BB962C8B-B14F-4D97-AF65-F5344CB8AC3E}">
+        <p14:creationId xmlns:p14="http://schemas.microsoft.com/office/powerpoint/2010/main" val="4157001183"/>
+      </p:ext>
+    </p:extLst>
+  </p:cSld>
+  <p:clrMapOvr>
+    <a:masterClrMapping/>
+  </p:clrMapOvr>
+  <p:timing>
+    <p:tnLst>
+      <p:par>
+        <p:cTn id="1" dur="indefinite" restart="never" nodeType="tmRoot">
+          <p:childTnLst>
+            <p:seq concurrent="1" nextAc="seek">
+              <p:cTn id="2" dur="indefinite" nodeType="mainSeq">
+                <p:childTnLst>
+                  <p:par>
+                    <p:cTn id="3" fill="hold">
+                      <p:stCondLst>
+                        <p:cond delay="indefinite"/>
+                      </p:stCondLst>
+                      <p:childTnLst>
+                        <p:par>
+                          <p:cTn id="4" fill="hold">
+                            <p:stCondLst>
+                              <p:cond delay="0"/>
+                            </p:stCondLst>
+                            <p:childTnLst>
+                              <p:par>
+                                <p:cTn id="5" presetID="1" presetClass="entr" presetSubtype="0" fill="hold" nodeType="clickEffect">
+                                  <p:stCondLst>
+                                    <p:cond delay="0"/>
+                                  </p:stCondLst>
+                                  <p:childTnLst>
+                                    <p:set>
+                                      <p:cBhvr>
+                                        <p:cTn id="6" dur="1" fill="hold">
+                                          <p:stCondLst>
+                                            <p:cond delay="0"/>
+                                          </p:stCondLst>
+                                        </p:cTn>
+                                        <p:tgtEl>
+                                          <p:spTgt spid="3">
+                                            <p:txEl>
+                                              <p:pRg st="0" end="0"/>
+                                            </p:txEl>
+                                          </p:spTgt>
+                                        </p:tgtEl>
+                                        <p:attrNameLst>
+                                          <p:attrName>style.visibility</p:attrName>
+                                        </p:attrNameLst>
+                                      </p:cBhvr>
+                                      <p:to>
+                                        <p:strVal val="visible"/>
+                                      </p:to>
+                                    </p:set>
+                                  </p:childTnLst>
+                                </p:cTn>
+                              </p:par>
+                            </p:childTnLst>
+                          </p:cTn>
+                        </p:par>
+                      </p:childTnLst>
+                    </p:cTn>
+                  </p:par>
+                  <p:par>
+                    <p:cTn id="7" fill="hold">
+                      <p:stCondLst>
+                        <p:cond delay="indefinite"/>
+                      </p:stCondLst>
+                      <p:childTnLst>
+                        <p:par>
+                          <p:cTn id="8" fill="hold">
+                            <p:stCondLst>
+                              <p:cond delay="0"/>
+                            </p:stCondLst>
+                            <p:childTnLst>
+                              <p:par>
+                                <p:cTn id="9" presetID="1" presetClass="entr" presetSubtype="0" fill="hold" nodeType="clickEffect">
+                                  <p:stCondLst>
+                                    <p:cond delay="0"/>
+                                  </p:stCondLst>
+                                  <p:childTnLst>
+                                    <p:set>
+                                      <p:cBhvr>
+                                        <p:cTn id="10" dur="1" fill="hold">
+                                          <p:stCondLst>
+                                            <p:cond delay="0"/>
+                                          </p:stCondLst>
+                                        </p:cTn>
+                                        <p:tgtEl>
+                                          <p:spTgt spid="3">
+                                            <p:txEl>
+                                              <p:pRg st="2" end="2"/>
+                                            </p:txEl>
+                                          </p:spTgt>
+                                        </p:tgtEl>
+                                        <p:attrNameLst>
+                                          <p:attrName>style.visibility</p:attrName>
+                                        </p:attrNameLst>
+                                      </p:cBhvr>
+                                      <p:to>
+                                        <p:strVal val="visible"/>
+                                      </p:to>
+                                    </p:set>
+                                  </p:childTnLst>
+                                </p:cTn>
+                              </p:par>
+                            </p:childTnLst>
+                          </p:cTn>
+                        </p:par>
+                      </p:childTnLst>
+                    </p:cTn>
+                  </p:par>
+                  <p:par>
+                    <p:cTn id="11" fill="hold">
+                      <p:stCondLst>
+                        <p:cond delay="indefinite"/>
+                      </p:stCondLst>
+                      <p:childTnLst>
+                        <p:par>
+                          <p:cTn id="12" fill="hold">
+                            <p:stCondLst>
+                              <p:cond delay="0"/>
+                            </p:stCondLst>
+                            <p:childTnLst>
+                              <p:par>
+                                <p:cTn id="13" presetID="1" presetClass="entr" presetSubtype="0" fill="hold" nodeType="clickEffect">
+                                  <p:stCondLst>
+                                    <p:cond delay="0"/>
+                                  </p:stCondLst>
+                                  <p:childTnLst>
+                                    <p:set>
+                                      <p:cBhvr>
+                                        <p:cTn id="14" dur="1" fill="hold">
+                                          <p:stCondLst>
+                                            <p:cond delay="0"/>
+                                          </p:stCondLst>
+                                        </p:cTn>
+                                        <p:tgtEl>
+                                          <p:spTgt spid="3">
+                                            <p:txEl>
+                                              <p:pRg st="4" end="4"/>
+                                            </p:txEl>
+                                          </p:spTgt>
+                                        </p:tgtEl>
+                                        <p:attrNameLst>
+                                          <p:attrName>style.visibility</p:attrName>
+                                        </p:attrNameLst>
+                                      </p:cBhvr>
+                                      <p:to>
+                                        <p:strVal val="visible"/>
+                                      </p:to>
+                                    </p:set>
+                                  </p:childTnLst>
+                                </p:cTn>
+                              </p:par>
+                            </p:childTnLst>
+                          </p:cTn>
+                        </p:par>
+                      </p:childTnLst>
+                    </p:cTn>
+                  </p:par>
+                  <p:par>
+                    <p:cTn id="15" fill="hold">
+                      <p:stCondLst>
+                        <p:cond delay="indefinite"/>
+                      </p:stCondLst>
+                      <p:childTnLst>
+                        <p:par>
+                          <p:cTn id="16" fill="hold">
+                            <p:stCondLst>
+                              <p:cond delay="0"/>
+                            </p:stCondLst>
+                            <p:childTnLst>
+                              <p:par>
+                                <p:cTn id="17" presetID="1" presetClass="entr" presetSubtype="0" fill="hold" nodeType="clickEffect">
+                                  <p:stCondLst>
+                                    <p:cond delay="0"/>
+                                  </p:stCondLst>
+                                  <p:childTnLst>
+                                    <p:set>
+                                      <p:cBhvr>
+                                        <p:cTn id="18" dur="1" fill="hold">
+                                          <p:stCondLst>
+                                            <p:cond delay="0"/>
+                                          </p:stCondLst>
+                                        </p:cTn>
+                                        <p:tgtEl>
+                                          <p:spTgt spid="3">
+                                            <p:txEl>
+                                              <p:pRg st="6" end="6"/>
+                                            </p:txEl>
+                                          </p:spTgt>
+                                        </p:tgtEl>
+                                        <p:attrNameLst>
+                                          <p:attrName>style.visibility</p:attrName>
+                                        </p:attrNameLst>
+                                      </p:cBhvr>
+                                      <p:to>
+                                        <p:strVal val="visible"/>
+                                      </p:to>
+                                    </p:set>
+                                  </p:childTnLst>
+                                </p:cTn>
+                              </p:par>
+                            </p:childTnLst>
+                          </p:cTn>
+                        </p:par>
+                      </p:childTnLst>
+                    </p:cTn>
+                  </p:par>
+                </p:childTnLst>
+              </p:cTn>
+              <p:prevCondLst>
+                <p:cond evt="onPrev" delay="0">
+                  <p:tgtEl>
+                    <p:sldTgt/>
+                  </p:tgtEl>
+                </p:cond>
+              </p:prevCondLst>
+              <p:nextCondLst>
+                <p:cond evt="onNext" delay="0">
+                  <p:tgtEl>
+                    <p:sldTgt/>
+                  </p:tgtEl>
+                </p:cond>
+              </p:nextCondLst>
+            </p:seq>
+          </p:childTnLst>
+        </p:cTn>
+      </p:par>
+    </p:tnLst>
+  </p:timing>
+</p:sld>
+</file>
+
+<file path=ppt/slides/slide13.xml><?xml version="1.0" encoding="utf-8"?>
+<p:sld xmlns:a="http://schemas.openxmlformats.org/drawingml/2006/main" xmlns:r="http://schemas.openxmlformats.org/officeDocument/2006/relationships" xmlns:p="http://schemas.openxmlformats.org/presentationml/2006/main">
+  <p:cSld>
+    <p:spTree>
+      <p:nvGrpSpPr>
+        <p:cNvPr id="1" name=""/>
+        <p:cNvGrpSpPr/>
+        <p:nvPr/>
+      </p:nvGrpSpPr>
+      <p:grpSpPr>
+        <a:xfrm>
+          <a:off x="0" y="0"/>
+          <a:ext cx="0" cy="0"/>
+          <a:chOff x="0" y="0"/>
+          <a:chExt cx="0" cy="0"/>
+        </a:xfrm>
+      </p:grpSpPr>
+      <p:sp>
+        <p:nvSpPr>
+          <p:cNvPr id="2" name="Title 1">
+            <a:extLst>
+              <a:ext uri="{FF2B5EF4-FFF2-40B4-BE49-F238E27FC236}">
                 <a16:creationId xmlns:a16="http://schemas.microsoft.com/office/drawing/2014/main" id="{E1C554BF-D942-986D-69FF-F57BAE764193}"/>
               </a:ext>
             </a:extLst>
@@ -7160,6 +8597,18 @@
             </a:r>
           </a:p>
           <a:p>
+            <a:pPr marL="36900" indent="0">
+              <a:buNone/>
+            </a:pPr>
+            <a:endParaRPr lang="es-CL" dirty="0"/>
+          </a:p>
+          <a:p>
+            <a:r>
+              <a:rPr lang="es-CL" dirty="0"/>
+              <a:t>Marco teórico </a:t>
+            </a:r>
+          </a:p>
+          <a:p>
             <a:endParaRPr lang="es-CL" dirty="0"/>
           </a:p>
           <a:p>
@@ -7174,13 +8623,10 @@
           <a:p>
             <a:r>
               <a:rPr lang="es-ES" dirty="0"/>
-              <a:t>Resultados</a:t>
-            </a:r>
-          </a:p>
-          <a:p>
-            <a:pPr marL="36900" indent="0">
-              <a:buNone/>
-            </a:pPr>
+              <a:t>“Estabilización de TPH mediante recomendación de su nivel de carga” </a:t>
+            </a:r>
+          </a:p>
+          <a:p>
             <a:endParaRPr lang="es-CL" dirty="0"/>
           </a:p>
           <a:p>
@@ -7470,6 +8916,55 @@
                       </p:childTnLst>
                     </p:cTn>
                   </p:par>
+                  <p:par>
+                    <p:cTn id="19" fill="hold">
+                      <p:stCondLst>
+                        <p:cond delay="indefinite"/>
+                      </p:stCondLst>
+                      <p:childTnLst>
+                        <p:par>
+                          <p:cTn id="20" fill="hold">
+                            <p:stCondLst>
+                              <p:cond delay="0"/>
+                            </p:stCondLst>
+                            <p:childTnLst>
+                              <p:par>
+                                <p:cTn id="21" presetID="1" presetClass="entr" presetSubtype="0" fill="hold" nodeType="clickEffect">
+                                  <p:stCondLst>
+                                    <p:cond delay="0"/>
+                                  </p:stCondLst>
+                                  <p:childTnLst>
+                                    <p:set>
+                                      <p:cBhvr>
+                                        <p:cTn id="22" dur="1" fill="hold">
+                                          <p:stCondLst>
+                                            <p:cond delay="0"/>
+                                          </p:stCondLst>
+                                        </p:cTn>
+                                        <p:tgtEl>
+                                          <p:spTgt spid="3">
+                                            <p:txEl>
+                                              <p:pRg st="8" end="8"/>
+                                            </p:txEl>
+                                          </p:spTgt>
+                                        </p:tgtEl>
+                                        <p:attrNameLst>
+                                          <p:attrName>style.visibility</p:attrName>
+                                        </p:attrNameLst>
+                                      </p:cBhvr>
+                                      <p:to>
+                                        <p:strVal val="visible"/>
+                                      </p:to>
+                                    </p:set>
+                                  </p:childTnLst>
+                                </p:cTn>
+                              </p:par>
+                            </p:childTnLst>
+                          </p:cTn>
+                        </p:par>
+                      </p:childTnLst>
+                    </p:cTn>
+                  </p:par>
                 </p:childTnLst>
               </p:cTn>
               <p:prevCondLst>
@@ -7557,9 +9052,16 @@
             <p:ph sz="quarter" idx="13"/>
           </p:nvPr>
         </p:nvSpPr>
-        <p:spPr/>
-        <p:txBody>
-          <a:bodyPr/>
+        <p:spPr>
+          <a:xfrm>
+            <a:off x="913795" y="2223657"/>
+            <a:ext cx="10353761" cy="3424107"/>
+          </a:xfrm>
+        </p:spPr>
+        <p:txBody>
+          <a:bodyPr>
+            <a:normAutofit/>
+          </a:bodyPr>
           <a:lstStyle/>
           <a:p>
             <a:r>
@@ -7867,6 +9369,899 @@
           <p:cNvPr id="2" name="Title 1">
             <a:extLst>
               <a:ext uri="{FF2B5EF4-FFF2-40B4-BE49-F238E27FC236}">
+                <a16:creationId xmlns:a16="http://schemas.microsoft.com/office/drawing/2014/main" id="{EC988067-A799-9D8E-96E4-A1D94CD8AD0B}"/>
+              </a:ext>
+            </a:extLst>
+          </p:cNvPr>
+          <p:cNvSpPr>
+            <a:spLocks noGrp="1"/>
+          </p:cNvSpPr>
+          <p:nvPr>
+            <p:ph type="title"/>
+          </p:nvPr>
+        </p:nvSpPr>
+        <p:spPr/>
+        <p:txBody>
+          <a:bodyPr/>
+          <a:lstStyle/>
+          <a:p>
+            <a:r>
+              <a:rPr lang="es-CL" dirty="0"/>
+              <a:t>Breve marco teórico </a:t>
+            </a:r>
+            <a:endParaRPr lang="en-US" dirty="0"/>
+          </a:p>
+        </p:txBody>
+      </p:sp>
+      <p:sp>
+        <p:nvSpPr>
+          <p:cNvPr id="4" name="Slide Number Placeholder 3">
+            <a:extLst>
+              <a:ext uri="{FF2B5EF4-FFF2-40B4-BE49-F238E27FC236}">
+                <a16:creationId xmlns:a16="http://schemas.microsoft.com/office/drawing/2014/main" id="{45C3AE86-D6BD-BAEF-2CE4-69B47E6042DB}"/>
+              </a:ext>
+            </a:extLst>
+          </p:cNvPr>
+          <p:cNvSpPr>
+            <a:spLocks noGrp="1"/>
+          </p:cNvSpPr>
+          <p:nvPr>
+            <p:ph type="sldNum" sz="quarter" idx="12"/>
+          </p:nvPr>
+        </p:nvSpPr>
+        <p:spPr/>
+        <p:txBody>
+          <a:bodyPr/>
+          <a:lstStyle/>
+          <a:p>
+            <a:fld id="{BE1F6BF0-3C6A-4A47-A592-211A5094F777}" type="slidenum">
+              <a:rPr lang="en-US" smtClean="0"/>
+              <a:t>4</a:t>
+            </a:fld>
+            <a:endParaRPr lang="en-US"/>
+          </a:p>
+        </p:txBody>
+      </p:sp>
+      <p:grpSp>
+        <p:nvGrpSpPr>
+          <p:cNvPr id="22" name="Group 21">
+            <a:extLst>
+              <a:ext uri="{FF2B5EF4-FFF2-40B4-BE49-F238E27FC236}">
+                <a16:creationId xmlns:a16="http://schemas.microsoft.com/office/drawing/2014/main" id="{C5904ADC-2035-4BBC-D3E6-10427D150691}"/>
+              </a:ext>
+            </a:extLst>
+          </p:cNvPr>
+          <p:cNvGrpSpPr/>
+          <p:nvPr/>
+        </p:nvGrpSpPr>
+        <p:grpSpPr>
+          <a:xfrm>
+            <a:off x="506199" y="1553277"/>
+            <a:ext cx="4846564" cy="4711024"/>
+            <a:chOff x="194157" y="1784857"/>
+            <a:chExt cx="4846564" cy="4711024"/>
+          </a:xfrm>
+        </p:grpSpPr>
+        <p:grpSp>
+          <p:nvGrpSpPr>
+            <p:cNvPr id="16" name="Group 15">
+              <a:extLst>
+                <a:ext uri="{FF2B5EF4-FFF2-40B4-BE49-F238E27FC236}">
+                  <a16:creationId xmlns:a16="http://schemas.microsoft.com/office/drawing/2014/main" id="{82838DEB-4379-5AE1-3DC0-13F947F102FC}"/>
+                </a:ext>
+              </a:extLst>
+            </p:cNvPr>
+            <p:cNvGrpSpPr/>
+            <p:nvPr/>
+          </p:nvGrpSpPr>
+          <p:grpSpPr>
+            <a:xfrm>
+              <a:off x="194157" y="1784857"/>
+              <a:ext cx="4846564" cy="3253067"/>
+              <a:chOff x="913795" y="2110284"/>
+              <a:chExt cx="4846564" cy="3253067"/>
+            </a:xfrm>
+          </p:grpSpPr>
+          <p:pic>
+            <p:nvPicPr>
+              <p:cNvPr id="10" name="Picture 9">
+                <a:extLst>
+                  <a:ext uri="{FF2B5EF4-FFF2-40B4-BE49-F238E27FC236}">
+                    <a16:creationId xmlns:a16="http://schemas.microsoft.com/office/drawing/2014/main" id="{304A7BBB-9CBE-00E6-4636-B4DCB22DF40D}"/>
+                  </a:ext>
+                </a:extLst>
+              </p:cNvPr>
+              <p:cNvPicPr>
+                <a:picLocks noChangeAspect="1"/>
+              </p:cNvPicPr>
+              <p:nvPr/>
+            </p:nvPicPr>
+            <p:blipFill>
+              <a:blip r:embed="rId2"/>
+              <a:stretch>
+                <a:fillRect/>
+              </a:stretch>
+            </p:blipFill>
+            <p:spPr>
+              <a:xfrm>
+                <a:off x="913795" y="2367090"/>
+                <a:ext cx="4846564" cy="2996261"/>
+              </a:xfrm>
+              <a:prstGeom prst="rect">
+                <a:avLst/>
+              </a:prstGeom>
+            </p:spPr>
+          </p:pic>
+          <p:sp>
+            <p:nvSpPr>
+              <p:cNvPr id="14" name="TextBox 13">
+                <a:extLst>
+                  <a:ext uri="{FF2B5EF4-FFF2-40B4-BE49-F238E27FC236}">
+                    <a16:creationId xmlns:a16="http://schemas.microsoft.com/office/drawing/2014/main" id="{868B8097-1685-7505-8428-6F8A57B6836C}"/>
+                  </a:ext>
+                </a:extLst>
+              </p:cNvPr>
+              <p:cNvSpPr txBox="1"/>
+              <p:nvPr/>
+            </p:nvSpPr>
+            <p:spPr>
+              <a:xfrm>
+                <a:off x="913795" y="2110284"/>
+                <a:ext cx="4846564" cy="261610"/>
+              </a:xfrm>
+              <a:prstGeom prst="rect">
+                <a:avLst/>
+              </a:prstGeom>
+              <a:solidFill>
+                <a:schemeClr val="tx1"/>
+              </a:solidFill>
+            </p:spPr>
+            <p:txBody>
+              <a:bodyPr wrap="square" rtlCol="0">
+                <a:spAutoFit/>
+              </a:bodyPr>
+              <a:lstStyle/>
+              <a:p>
+                <a:pPr algn="ctr"/>
+                <a:r>
+                  <a:rPr lang="es-CL" sz="1100" b="1" dirty="0">
+                    <a:solidFill>
+                      <a:schemeClr val="bg1"/>
+                    </a:solidFill>
+                  </a:rPr>
+                  <a:t>Conceptualmente:</a:t>
+                </a:r>
+                <a:endParaRPr lang="es-CL" sz="1100" b="1" dirty="0">
+                  <a:solidFill>
+                    <a:schemeClr val="bg1"/>
+                  </a:solidFill>
+                  <a:latin typeface="Abadi" panose="020B0604020104020204" pitchFamily="34" charset="0"/>
+                </a:endParaRPr>
+              </a:p>
+            </p:txBody>
+          </p:sp>
+        </p:grpSp>
+        <p:grpSp>
+          <p:nvGrpSpPr>
+            <p:cNvPr id="17" name="Group 16">
+              <a:extLst>
+                <a:ext uri="{FF2B5EF4-FFF2-40B4-BE49-F238E27FC236}">
+                  <a16:creationId xmlns:a16="http://schemas.microsoft.com/office/drawing/2014/main" id="{3D75260B-A282-CF67-FBA9-A7A60597ED85}"/>
+                </a:ext>
+              </a:extLst>
+            </p:cNvPr>
+            <p:cNvGrpSpPr/>
+            <p:nvPr/>
+          </p:nvGrpSpPr>
+          <p:grpSpPr>
+            <a:xfrm>
+              <a:off x="194157" y="5017772"/>
+              <a:ext cx="4846563" cy="1478109"/>
+              <a:chOff x="6372209" y="2998088"/>
+              <a:chExt cx="4591692" cy="1347211"/>
+            </a:xfrm>
+          </p:grpSpPr>
+          <p:pic>
+            <p:nvPicPr>
+              <p:cNvPr id="12" name="Picture 11">
+                <a:extLst>
+                  <a:ext uri="{FF2B5EF4-FFF2-40B4-BE49-F238E27FC236}">
+                    <a16:creationId xmlns:a16="http://schemas.microsoft.com/office/drawing/2014/main" id="{E3D02C20-309A-938C-A236-40EEB1C48B65}"/>
+                  </a:ext>
+                </a:extLst>
+              </p:cNvPr>
+              <p:cNvPicPr>
+                <a:picLocks noChangeAspect="1"/>
+              </p:cNvPicPr>
+              <p:nvPr/>
+            </p:nvPicPr>
+            <p:blipFill>
+              <a:blip r:embed="rId3"/>
+              <a:stretch>
+                <a:fillRect/>
+              </a:stretch>
+            </p:blipFill>
+            <p:spPr>
+              <a:xfrm>
+                <a:off x="6372209" y="3654640"/>
+                <a:ext cx="4591691" cy="690659"/>
+              </a:xfrm>
+              <a:prstGeom prst="rect">
+                <a:avLst/>
+              </a:prstGeom>
+            </p:spPr>
+          </p:pic>
+          <p:sp>
+            <p:nvSpPr>
+              <p:cNvPr id="13" name="TextBox 12">
+                <a:extLst>
+                  <a:ext uri="{FF2B5EF4-FFF2-40B4-BE49-F238E27FC236}">
+                    <a16:creationId xmlns:a16="http://schemas.microsoft.com/office/drawing/2014/main" id="{564A1D37-9CD6-E377-B964-98D41BFCAFA7}"/>
+                  </a:ext>
+                </a:extLst>
+              </p:cNvPr>
+              <p:cNvSpPr txBox="1"/>
+              <p:nvPr/>
+            </p:nvSpPr>
+            <p:spPr>
+              <a:xfrm>
+                <a:off x="6372210" y="3390817"/>
+                <a:ext cx="4591691" cy="261610"/>
+              </a:xfrm>
+              <a:prstGeom prst="rect">
+                <a:avLst/>
+              </a:prstGeom>
+              <a:solidFill>
+                <a:schemeClr val="tx1"/>
+              </a:solidFill>
+            </p:spPr>
+            <p:txBody>
+              <a:bodyPr wrap="square" rtlCol="0">
+                <a:spAutoFit/>
+              </a:bodyPr>
+              <a:lstStyle/>
+              <a:p>
+                <a:pPr algn="ctr"/>
+                <a:r>
+                  <a:rPr lang="es-CL" sz="1100" dirty="0">
+                    <a:solidFill>
+                      <a:schemeClr val="bg1"/>
+                    </a:solidFill>
+                  </a:rPr>
+                  <a:t>Proceso de decisión de Márkov (MDP)</a:t>
+                </a:r>
+                <a:endParaRPr lang="es-CL" sz="1100" dirty="0">
+                  <a:solidFill>
+                    <a:schemeClr val="bg1"/>
+                  </a:solidFill>
+                  <a:latin typeface="Abadi" panose="020B0604020104020204" pitchFamily="34" charset="0"/>
+                </a:endParaRPr>
+              </a:p>
+            </p:txBody>
+          </p:sp>
+          <p:sp>
+            <p:nvSpPr>
+              <p:cNvPr id="15" name="TextBox 14">
+                <a:extLst>
+                  <a:ext uri="{FF2B5EF4-FFF2-40B4-BE49-F238E27FC236}">
+                    <a16:creationId xmlns:a16="http://schemas.microsoft.com/office/drawing/2014/main" id="{75D9AC1F-1620-64AF-0D1F-9477CE9DDF79}"/>
+                  </a:ext>
+                </a:extLst>
+              </p:cNvPr>
+              <p:cNvSpPr txBox="1"/>
+              <p:nvPr/>
+            </p:nvSpPr>
+            <p:spPr>
+              <a:xfrm>
+                <a:off x="6372209" y="2998088"/>
+                <a:ext cx="4591692" cy="392729"/>
+              </a:xfrm>
+              <a:prstGeom prst="rect">
+                <a:avLst/>
+              </a:prstGeom>
+              <a:solidFill>
+                <a:schemeClr val="tx1"/>
+              </a:solidFill>
+            </p:spPr>
+            <p:txBody>
+              <a:bodyPr wrap="square" rtlCol="0">
+                <a:spAutoFit/>
+              </a:bodyPr>
+              <a:lstStyle/>
+              <a:p>
+                <a:pPr algn="ctr"/>
+                <a:endParaRPr lang="es-CL" sz="1100" b="1" dirty="0">
+                  <a:solidFill>
+                    <a:schemeClr val="bg1"/>
+                  </a:solidFill>
+                </a:endParaRPr>
+              </a:p>
+              <a:p>
+                <a:pPr algn="ctr"/>
+                <a:r>
+                  <a:rPr lang="es-CL" sz="1100" b="1" dirty="0">
+                    <a:solidFill>
+                      <a:schemeClr val="bg1"/>
+                    </a:solidFill>
+                  </a:rPr>
+                  <a:t>Matemáticamente:</a:t>
+                </a:r>
+                <a:endParaRPr lang="es-CL" sz="1100" b="1" dirty="0">
+                  <a:solidFill>
+                    <a:schemeClr val="bg1"/>
+                  </a:solidFill>
+                  <a:latin typeface="Abadi" panose="020B0604020104020204" pitchFamily="34" charset="0"/>
+                </a:endParaRPr>
+              </a:p>
+            </p:txBody>
+          </p:sp>
+        </p:grpSp>
+      </p:grpSp>
+      <p:grpSp>
+        <p:nvGrpSpPr>
+          <p:cNvPr id="25" name="Group 24">
+            <a:extLst>
+              <a:ext uri="{FF2B5EF4-FFF2-40B4-BE49-F238E27FC236}">
+                <a16:creationId xmlns:a16="http://schemas.microsoft.com/office/drawing/2014/main" id="{3DE468C6-E1DC-851F-F735-E81B72C1F1C0}"/>
+              </a:ext>
+            </a:extLst>
+          </p:cNvPr>
+          <p:cNvGrpSpPr/>
+          <p:nvPr/>
+        </p:nvGrpSpPr>
+        <p:grpSpPr>
+          <a:xfrm>
+            <a:off x="5624700" y="1553277"/>
+            <a:ext cx="2338565" cy="1875723"/>
+            <a:chOff x="5624700" y="2714110"/>
+            <a:chExt cx="2338565" cy="1875723"/>
+          </a:xfrm>
+        </p:grpSpPr>
+        <p:pic>
+          <p:nvPicPr>
+            <p:cNvPr id="19" name="Picture 18">
+              <a:extLst>
+                <a:ext uri="{FF2B5EF4-FFF2-40B4-BE49-F238E27FC236}">
+                  <a16:creationId xmlns:a16="http://schemas.microsoft.com/office/drawing/2014/main" id="{EE6F8B51-0DD9-705D-4A58-8B48A0843A79}"/>
+                </a:ext>
+              </a:extLst>
+            </p:cNvPr>
+            <p:cNvPicPr>
+              <a:picLocks noChangeAspect="1"/>
+            </p:cNvPicPr>
+            <p:nvPr/>
+          </p:nvPicPr>
+          <p:blipFill>
+            <a:blip r:embed="rId4"/>
+            <a:stretch>
+              <a:fillRect/>
+            </a:stretch>
+          </p:blipFill>
+          <p:spPr>
+            <a:xfrm>
+              <a:off x="5624700" y="2714110"/>
+              <a:ext cx="2338565" cy="1875723"/>
+            </a:xfrm>
+            <a:prstGeom prst="rect">
+              <a:avLst/>
+            </a:prstGeom>
+          </p:spPr>
+        </p:pic>
+        <p:sp>
+          <p:nvSpPr>
+            <p:cNvPr id="23" name="TextBox 22">
+              <a:extLst>
+                <a:ext uri="{FF2B5EF4-FFF2-40B4-BE49-F238E27FC236}">
+                  <a16:creationId xmlns:a16="http://schemas.microsoft.com/office/drawing/2014/main" id="{E3295B2D-8929-2D7C-FB6C-FAE9169816DC}"/>
+                </a:ext>
+              </a:extLst>
+            </p:cNvPr>
+            <p:cNvSpPr txBox="1"/>
+            <p:nvPr/>
+          </p:nvSpPr>
+          <p:spPr>
+            <a:xfrm>
+              <a:off x="5744475" y="2732582"/>
+              <a:ext cx="286871" cy="369749"/>
+            </a:xfrm>
+            <a:prstGeom prst="rect">
+              <a:avLst/>
+            </a:prstGeom>
+            <a:solidFill>
+              <a:schemeClr val="tx1"/>
+            </a:solidFill>
+            <a:ln>
+              <a:solidFill>
+                <a:schemeClr val="tx1"/>
+              </a:solidFill>
+            </a:ln>
+          </p:spPr>
+          <p:txBody>
+            <a:bodyPr wrap="square" rtlCol="0">
+              <a:spAutoFit/>
+            </a:bodyPr>
+            <a:lstStyle/>
+            <a:p>
+              <a:endParaRPr lang="en-US" dirty="0"/>
+            </a:p>
+          </p:txBody>
+        </p:sp>
+      </p:grpSp>
+      <p:grpSp>
+        <p:nvGrpSpPr>
+          <p:cNvPr id="26" name="Group 25">
+            <a:extLst>
+              <a:ext uri="{FF2B5EF4-FFF2-40B4-BE49-F238E27FC236}">
+                <a16:creationId xmlns:a16="http://schemas.microsoft.com/office/drawing/2014/main" id="{A7290A45-1D71-A8B7-43FA-D16AF9030BEB}"/>
+              </a:ext>
+            </a:extLst>
+          </p:cNvPr>
+          <p:cNvGrpSpPr/>
+          <p:nvPr/>
+        </p:nvGrpSpPr>
+        <p:grpSpPr>
+          <a:xfrm>
+            <a:off x="7963265" y="1553277"/>
+            <a:ext cx="3304291" cy="1875723"/>
+            <a:chOff x="7963265" y="2714110"/>
+            <a:chExt cx="3304291" cy="1875723"/>
+          </a:xfrm>
+        </p:grpSpPr>
+        <p:pic>
+          <p:nvPicPr>
+            <p:cNvPr id="21" name="Picture 20">
+              <a:extLst>
+                <a:ext uri="{FF2B5EF4-FFF2-40B4-BE49-F238E27FC236}">
+                  <a16:creationId xmlns:a16="http://schemas.microsoft.com/office/drawing/2014/main" id="{6B19C35E-F78F-400B-9D0F-99E8A97378E6}"/>
+                </a:ext>
+              </a:extLst>
+            </p:cNvPr>
+            <p:cNvPicPr>
+              <a:picLocks noChangeAspect="1"/>
+            </p:cNvPicPr>
+            <p:nvPr/>
+          </p:nvPicPr>
+          <p:blipFill>
+            <a:blip r:embed="rId5"/>
+            <a:stretch>
+              <a:fillRect/>
+            </a:stretch>
+          </p:blipFill>
+          <p:spPr>
+            <a:xfrm>
+              <a:off x="7963265" y="2714110"/>
+              <a:ext cx="3304291" cy="1875723"/>
+            </a:xfrm>
+            <a:prstGeom prst="rect">
+              <a:avLst/>
+            </a:prstGeom>
+          </p:spPr>
+        </p:pic>
+        <p:sp>
+          <p:nvSpPr>
+            <p:cNvPr id="24" name="TextBox 23">
+              <a:extLst>
+                <a:ext uri="{FF2B5EF4-FFF2-40B4-BE49-F238E27FC236}">
+                  <a16:creationId xmlns:a16="http://schemas.microsoft.com/office/drawing/2014/main" id="{273CECEF-C5AD-17CF-2467-2CD0FCCF7867}"/>
+                </a:ext>
+              </a:extLst>
+            </p:cNvPr>
+            <p:cNvSpPr txBox="1"/>
+            <p:nvPr/>
+          </p:nvSpPr>
+          <p:spPr>
+            <a:xfrm rot="5400000">
+              <a:off x="8361471" y="2708818"/>
+              <a:ext cx="232290" cy="279819"/>
+            </a:xfrm>
+            <a:prstGeom prst="rect">
+              <a:avLst/>
+            </a:prstGeom>
+            <a:solidFill>
+              <a:schemeClr val="tx1"/>
+            </a:solidFill>
+            <a:ln>
+              <a:solidFill>
+                <a:schemeClr val="tx1"/>
+              </a:solidFill>
+            </a:ln>
+          </p:spPr>
+          <p:txBody>
+            <a:bodyPr wrap="square" rtlCol="0">
+              <a:spAutoFit/>
+            </a:bodyPr>
+            <a:lstStyle/>
+            <a:p>
+              <a:endParaRPr lang="en-US" dirty="0"/>
+            </a:p>
+          </p:txBody>
+        </p:sp>
+      </p:grpSp>
+      <p:pic>
+        <p:nvPicPr>
+          <p:cNvPr id="30" name="Picture 29">
+            <a:extLst>
+              <a:ext uri="{FF2B5EF4-FFF2-40B4-BE49-F238E27FC236}">
+                <a16:creationId xmlns:a16="http://schemas.microsoft.com/office/drawing/2014/main" id="{A636E10F-621A-3676-24FB-A11CC599D18B}"/>
+              </a:ext>
+            </a:extLst>
+          </p:cNvPr>
+          <p:cNvPicPr>
+            <a:picLocks noChangeAspect="1"/>
+          </p:cNvPicPr>
+          <p:nvPr/>
+        </p:nvPicPr>
+        <p:blipFill>
+          <a:blip r:embed="rId6"/>
+          <a:stretch>
+            <a:fillRect/>
+          </a:stretch>
+        </p:blipFill>
+        <p:spPr>
+          <a:xfrm>
+            <a:off x="6022298" y="4639649"/>
+            <a:ext cx="4910636" cy="1431546"/>
+          </a:xfrm>
+          <a:prstGeom prst="rect">
+            <a:avLst/>
+          </a:prstGeom>
+        </p:spPr>
+      </p:pic>
+      <p:pic>
+        <p:nvPicPr>
+          <p:cNvPr id="32" name="Picture 31">
+            <a:extLst>
+              <a:ext uri="{FF2B5EF4-FFF2-40B4-BE49-F238E27FC236}">
+                <a16:creationId xmlns:a16="http://schemas.microsoft.com/office/drawing/2014/main" id="{84CDA2B7-ED1E-1F12-20AD-3EC974FA6E01}"/>
+              </a:ext>
+            </a:extLst>
+          </p:cNvPr>
+          <p:cNvPicPr>
+            <a:picLocks noChangeAspect="1"/>
+          </p:cNvPicPr>
+          <p:nvPr/>
+        </p:nvPicPr>
+        <p:blipFill>
+          <a:blip r:embed="rId7"/>
+          <a:stretch>
+            <a:fillRect/>
+          </a:stretch>
+        </p:blipFill>
+        <p:spPr>
+          <a:xfrm>
+            <a:off x="6534808" y="3525981"/>
+            <a:ext cx="3885616" cy="1016687"/>
+          </a:xfrm>
+          <a:prstGeom prst="rect">
+            <a:avLst/>
+          </a:prstGeom>
+        </p:spPr>
+      </p:pic>
+      <p:pic>
+        <p:nvPicPr>
+          <p:cNvPr id="33" name="Picture 32" descr="A picture containing logo&#10;&#10;Description automatically generated">
+            <a:extLst>
+              <a:ext uri="{FF2B5EF4-FFF2-40B4-BE49-F238E27FC236}">
+                <a16:creationId xmlns:a16="http://schemas.microsoft.com/office/drawing/2014/main" id="{5132E8F1-7565-83FC-A166-2507D8CCD5CA}"/>
+              </a:ext>
+            </a:extLst>
+          </p:cNvPr>
+          <p:cNvPicPr>
+            <a:picLocks noChangeAspect="1"/>
+          </p:cNvPicPr>
+          <p:nvPr/>
+        </p:nvPicPr>
+        <p:blipFill rotWithShape="1">
+          <a:blip r:embed="rId8">
+            <a:extLst>
+              <a:ext uri="{28A0092B-C50C-407E-A947-70E740481C1C}">
+                <a14:useLocalDpi xmlns:a14="http://schemas.microsoft.com/office/drawing/2010/main" val="0"/>
+              </a:ext>
+            </a:extLst>
+          </a:blip>
+          <a:srcRect t="42199"/>
+          <a:stretch/>
+        </p:blipFill>
+        <p:spPr>
+          <a:xfrm>
+            <a:off x="10022430" y="-11"/>
+            <a:ext cx="2169570" cy="548640"/>
+          </a:xfrm>
+          <a:prstGeom prst="rect">
+            <a:avLst/>
+          </a:prstGeom>
+        </p:spPr>
+      </p:pic>
+    </p:spTree>
+    <p:extLst>
+      <p:ext uri="{BB962C8B-B14F-4D97-AF65-F5344CB8AC3E}">
+        <p14:creationId xmlns:p14="http://schemas.microsoft.com/office/powerpoint/2010/main" val="172868003"/>
+      </p:ext>
+    </p:extLst>
+  </p:cSld>
+  <p:clrMapOvr>
+    <a:masterClrMapping/>
+  </p:clrMapOvr>
+  <p:timing>
+    <p:tnLst>
+      <p:par>
+        <p:cTn id="1" dur="indefinite" restart="never" nodeType="tmRoot">
+          <p:childTnLst>
+            <p:seq concurrent="1" nextAc="seek">
+              <p:cTn id="2" dur="indefinite" nodeType="mainSeq">
+                <p:childTnLst>
+                  <p:par>
+                    <p:cTn id="3" fill="hold">
+                      <p:stCondLst>
+                        <p:cond delay="indefinite"/>
+                      </p:stCondLst>
+                      <p:childTnLst>
+                        <p:par>
+                          <p:cTn id="4" fill="hold">
+                            <p:stCondLst>
+                              <p:cond delay="0"/>
+                            </p:stCondLst>
+                            <p:childTnLst>
+                              <p:par>
+                                <p:cTn id="5" presetID="1" presetClass="entr" presetSubtype="0" fill="hold" nodeType="clickEffect">
+                                  <p:stCondLst>
+                                    <p:cond delay="0"/>
+                                  </p:stCondLst>
+                                  <p:childTnLst>
+                                    <p:set>
+                                      <p:cBhvr>
+                                        <p:cTn id="6" dur="1" fill="hold">
+                                          <p:stCondLst>
+                                            <p:cond delay="0"/>
+                                          </p:stCondLst>
+                                        </p:cTn>
+                                        <p:tgtEl>
+                                          <p:spTgt spid="22"/>
+                                        </p:tgtEl>
+                                        <p:attrNameLst>
+                                          <p:attrName>style.visibility</p:attrName>
+                                        </p:attrNameLst>
+                                      </p:cBhvr>
+                                      <p:to>
+                                        <p:strVal val="visible"/>
+                                      </p:to>
+                                    </p:set>
+                                  </p:childTnLst>
+                                </p:cTn>
+                              </p:par>
+                            </p:childTnLst>
+                          </p:cTn>
+                        </p:par>
+                      </p:childTnLst>
+                    </p:cTn>
+                  </p:par>
+                  <p:par>
+                    <p:cTn id="7" fill="hold">
+                      <p:stCondLst>
+                        <p:cond delay="indefinite"/>
+                      </p:stCondLst>
+                      <p:childTnLst>
+                        <p:par>
+                          <p:cTn id="8" fill="hold">
+                            <p:stCondLst>
+                              <p:cond delay="0"/>
+                            </p:stCondLst>
+                            <p:childTnLst>
+                              <p:par>
+                                <p:cTn id="9" presetID="1" presetClass="entr" presetSubtype="0" fill="hold" nodeType="clickEffect">
+                                  <p:stCondLst>
+                                    <p:cond delay="0"/>
+                                  </p:stCondLst>
+                                  <p:childTnLst>
+                                    <p:set>
+                                      <p:cBhvr>
+                                        <p:cTn id="10" dur="1" fill="hold">
+                                          <p:stCondLst>
+                                            <p:cond delay="0"/>
+                                          </p:stCondLst>
+                                        </p:cTn>
+                                        <p:tgtEl>
+                                          <p:spTgt spid="25"/>
+                                        </p:tgtEl>
+                                        <p:attrNameLst>
+                                          <p:attrName>style.visibility</p:attrName>
+                                        </p:attrNameLst>
+                                      </p:cBhvr>
+                                      <p:to>
+                                        <p:strVal val="visible"/>
+                                      </p:to>
+                                    </p:set>
+                                  </p:childTnLst>
+                                </p:cTn>
+                              </p:par>
+                            </p:childTnLst>
+                          </p:cTn>
+                        </p:par>
+                      </p:childTnLst>
+                    </p:cTn>
+                  </p:par>
+                  <p:par>
+                    <p:cTn id="11" fill="hold">
+                      <p:stCondLst>
+                        <p:cond delay="indefinite"/>
+                      </p:stCondLst>
+                      <p:childTnLst>
+                        <p:par>
+                          <p:cTn id="12" fill="hold">
+                            <p:stCondLst>
+                              <p:cond delay="0"/>
+                            </p:stCondLst>
+                            <p:childTnLst>
+                              <p:par>
+                                <p:cTn id="13" presetID="1" presetClass="entr" presetSubtype="0" fill="hold" nodeType="clickEffect">
+                                  <p:stCondLst>
+                                    <p:cond delay="0"/>
+                                  </p:stCondLst>
+                                  <p:childTnLst>
+                                    <p:set>
+                                      <p:cBhvr>
+                                        <p:cTn id="14" dur="1" fill="hold">
+                                          <p:stCondLst>
+                                            <p:cond delay="0"/>
+                                          </p:stCondLst>
+                                        </p:cTn>
+                                        <p:tgtEl>
+                                          <p:spTgt spid="26"/>
+                                        </p:tgtEl>
+                                        <p:attrNameLst>
+                                          <p:attrName>style.visibility</p:attrName>
+                                        </p:attrNameLst>
+                                      </p:cBhvr>
+                                      <p:to>
+                                        <p:strVal val="visible"/>
+                                      </p:to>
+                                    </p:set>
+                                  </p:childTnLst>
+                                </p:cTn>
+                              </p:par>
+                            </p:childTnLst>
+                          </p:cTn>
+                        </p:par>
+                      </p:childTnLst>
+                    </p:cTn>
+                  </p:par>
+                  <p:par>
+                    <p:cTn id="15" fill="hold">
+                      <p:stCondLst>
+                        <p:cond delay="indefinite"/>
+                      </p:stCondLst>
+                      <p:childTnLst>
+                        <p:par>
+                          <p:cTn id="16" fill="hold">
+                            <p:stCondLst>
+                              <p:cond delay="0"/>
+                            </p:stCondLst>
+                            <p:childTnLst>
+                              <p:par>
+                                <p:cTn id="17" presetID="1" presetClass="entr" presetSubtype="0" fill="hold" nodeType="clickEffect">
+                                  <p:stCondLst>
+                                    <p:cond delay="0"/>
+                                  </p:stCondLst>
+                                  <p:childTnLst>
+                                    <p:set>
+                                      <p:cBhvr>
+                                        <p:cTn id="18" dur="1" fill="hold">
+                                          <p:stCondLst>
+                                            <p:cond delay="0"/>
+                                          </p:stCondLst>
+                                        </p:cTn>
+                                        <p:tgtEl>
+                                          <p:spTgt spid="32"/>
+                                        </p:tgtEl>
+                                        <p:attrNameLst>
+                                          <p:attrName>style.visibility</p:attrName>
+                                        </p:attrNameLst>
+                                      </p:cBhvr>
+                                      <p:to>
+                                        <p:strVal val="visible"/>
+                                      </p:to>
+                                    </p:set>
+                                  </p:childTnLst>
+                                </p:cTn>
+                              </p:par>
+                            </p:childTnLst>
+                          </p:cTn>
+                        </p:par>
+                      </p:childTnLst>
+                    </p:cTn>
+                  </p:par>
+                  <p:par>
+                    <p:cTn id="19" fill="hold">
+                      <p:stCondLst>
+                        <p:cond delay="indefinite"/>
+                      </p:stCondLst>
+                      <p:childTnLst>
+                        <p:par>
+                          <p:cTn id="20" fill="hold">
+                            <p:stCondLst>
+                              <p:cond delay="0"/>
+                            </p:stCondLst>
+                            <p:childTnLst>
+                              <p:par>
+                                <p:cTn id="21" presetID="1" presetClass="entr" presetSubtype="0" fill="hold" nodeType="clickEffect">
+                                  <p:stCondLst>
+                                    <p:cond delay="0"/>
+                                  </p:stCondLst>
+                                  <p:childTnLst>
+                                    <p:set>
+                                      <p:cBhvr>
+                                        <p:cTn id="22" dur="1" fill="hold">
+                                          <p:stCondLst>
+                                            <p:cond delay="0"/>
+                                          </p:stCondLst>
+                                        </p:cTn>
+                                        <p:tgtEl>
+                                          <p:spTgt spid="30"/>
+                                        </p:tgtEl>
+                                        <p:attrNameLst>
+                                          <p:attrName>style.visibility</p:attrName>
+                                        </p:attrNameLst>
+                                      </p:cBhvr>
+                                      <p:to>
+                                        <p:strVal val="visible"/>
+                                      </p:to>
+                                    </p:set>
+                                  </p:childTnLst>
+                                </p:cTn>
+                              </p:par>
+                            </p:childTnLst>
+                          </p:cTn>
+                        </p:par>
+                      </p:childTnLst>
+                    </p:cTn>
+                  </p:par>
+                </p:childTnLst>
+              </p:cTn>
+              <p:prevCondLst>
+                <p:cond evt="onPrev" delay="0">
+                  <p:tgtEl>
+                    <p:sldTgt/>
+                  </p:tgtEl>
+                </p:cond>
+              </p:prevCondLst>
+              <p:nextCondLst>
+                <p:cond evt="onNext" delay="0">
+                  <p:tgtEl>
+                    <p:sldTgt/>
+                  </p:tgtEl>
+                </p:cond>
+              </p:nextCondLst>
+            </p:seq>
+          </p:childTnLst>
+        </p:cTn>
+      </p:par>
+    </p:tnLst>
+  </p:timing>
+</p:sld>
+</file>
+
+<file path=ppt/slides/slide5.xml><?xml version="1.0" encoding="utf-8"?>
+<p:sld xmlns:a="http://schemas.openxmlformats.org/drawingml/2006/main" xmlns:r="http://schemas.openxmlformats.org/officeDocument/2006/relationships" xmlns:p="http://schemas.openxmlformats.org/presentationml/2006/main">
+  <p:cSld>
+    <p:spTree>
+      <p:nvGrpSpPr>
+        <p:cNvPr id="1" name=""/>
+        <p:cNvGrpSpPr/>
+        <p:nvPr/>
+      </p:nvGrpSpPr>
+      <p:grpSpPr>
+        <a:xfrm>
+          <a:off x="0" y="0"/>
+          <a:ext cx="0" cy="0"/>
+          <a:chOff x="0" y="0"/>
+          <a:chExt cx="0" cy="0"/>
+        </a:xfrm>
+      </p:grpSpPr>
+      <p:sp>
+        <p:nvSpPr>
+          <p:cNvPr id="2" name="Title 1">
+            <a:extLst>
+              <a:ext uri="{FF2B5EF4-FFF2-40B4-BE49-F238E27FC236}">
                 <a16:creationId xmlns:a16="http://schemas.microsoft.com/office/drawing/2014/main" id="{2B8FD3BB-D2D3-0F36-FDA1-12DD2474B86E}"/>
               </a:ext>
             </a:extLst>
@@ -7918,7 +10313,7 @@
             </a:r>
             <a:r>
               <a:rPr lang="es-CL" dirty="0"/>
-              <a:t>:  Agua, porcentaje de sólidos, rpm, HH TPH, granulometría, celda de carga y Setpoint HH celda de carga.</a:t>
+              <a:t>:  Agua, porcentaje de sólidos, rpm, HH TPH, granulometría, celda de carga y Setpoint HH celda de carga 5 minutos antes.</a:t>
             </a:r>
           </a:p>
           <a:p>
@@ -8044,7 +10439,7 @@
           <a:p>
             <a:fld id="{BE1F6BF0-3C6A-4A47-A592-211A5094F777}" type="slidenum">
               <a:rPr lang="en-US" smtClean="0"/>
-              <a:t>4</a:t>
+              <a:t>5</a:t>
             </a:fld>
             <a:endParaRPr lang="en-US"/>
           </a:p>
@@ -8520,7 +10915,1886 @@
 </p:sld>
 </file>
 
-<file path=ppt/slides/slide5.xml><?xml version="1.0" encoding="utf-8"?>
+<file path=ppt/slides/slide6.xml><?xml version="1.0" encoding="utf-8"?>
+<p:sld xmlns:a="http://schemas.openxmlformats.org/drawingml/2006/main" xmlns:r="http://schemas.openxmlformats.org/officeDocument/2006/relationships" xmlns:p="http://schemas.openxmlformats.org/presentationml/2006/main">
+  <p:cSld>
+    <p:spTree>
+      <p:nvGrpSpPr>
+        <p:cNvPr id="1" name=""/>
+        <p:cNvGrpSpPr/>
+        <p:nvPr/>
+      </p:nvGrpSpPr>
+      <p:grpSpPr>
+        <a:xfrm>
+          <a:off x="0" y="0"/>
+          <a:ext cx="0" cy="0"/>
+          <a:chOff x="0" y="0"/>
+          <a:chExt cx="0" cy="0"/>
+        </a:xfrm>
+      </p:grpSpPr>
+      <p:sp>
+        <p:nvSpPr>
+          <p:cNvPr id="2" name="Title 1">
+            <a:extLst>
+              <a:ext uri="{FF2B5EF4-FFF2-40B4-BE49-F238E27FC236}">
+                <a16:creationId xmlns:a16="http://schemas.microsoft.com/office/drawing/2014/main" id="{F0290276-6A0C-8BC2-4573-37BA09F67528}"/>
+              </a:ext>
+            </a:extLst>
+          </p:cNvPr>
+          <p:cNvSpPr>
+            <a:spLocks noGrp="1"/>
+          </p:cNvSpPr>
+          <p:nvPr>
+            <p:ph type="title"/>
+          </p:nvPr>
+        </p:nvSpPr>
+        <p:spPr/>
+        <p:txBody>
+          <a:bodyPr/>
+          <a:lstStyle/>
+          <a:p>
+            <a:r>
+              <a:rPr lang="es-CL" dirty="0"/>
+              <a:t>Modelamiento</a:t>
+            </a:r>
+            <a:endParaRPr lang="en-US" dirty="0"/>
+          </a:p>
+        </p:txBody>
+      </p:sp>
+      <p:sp>
+        <p:nvSpPr>
+          <p:cNvPr id="4" name="Slide Number Placeholder 3">
+            <a:extLst>
+              <a:ext uri="{FF2B5EF4-FFF2-40B4-BE49-F238E27FC236}">
+                <a16:creationId xmlns:a16="http://schemas.microsoft.com/office/drawing/2014/main" id="{8FE1512B-A252-70F2-5597-8EA6E34E9BC3}"/>
+              </a:ext>
+            </a:extLst>
+          </p:cNvPr>
+          <p:cNvSpPr>
+            <a:spLocks noGrp="1"/>
+          </p:cNvSpPr>
+          <p:nvPr>
+            <p:ph type="sldNum" sz="quarter" idx="12"/>
+          </p:nvPr>
+        </p:nvSpPr>
+        <p:spPr/>
+        <p:txBody>
+          <a:bodyPr/>
+          <a:lstStyle/>
+          <a:p>
+            <a:fld id="{BE1F6BF0-3C6A-4A47-A592-211A5094F777}" type="slidenum">
+              <a:rPr lang="en-US" smtClean="0"/>
+              <a:t>6</a:t>
+            </a:fld>
+            <a:endParaRPr lang="en-US"/>
+          </a:p>
+        </p:txBody>
+      </p:sp>
+      <p:sp>
+        <p:nvSpPr>
+          <p:cNvPr id="35" name="Arrow: Right 34">
+            <a:extLst>
+              <a:ext uri="{FF2B5EF4-FFF2-40B4-BE49-F238E27FC236}">
+                <a16:creationId xmlns:a16="http://schemas.microsoft.com/office/drawing/2014/main" id="{23C8EFCA-808D-B853-0522-8E8381BA9144}"/>
+              </a:ext>
+            </a:extLst>
+          </p:cNvPr>
+          <p:cNvSpPr/>
+          <p:nvPr/>
+        </p:nvSpPr>
+        <p:spPr>
+          <a:xfrm>
+            <a:off x="11267556" y="3727096"/>
+            <a:ext cx="753546" cy="526215"/>
+          </a:xfrm>
+          <a:prstGeom prst="rightArrow">
+            <a:avLst/>
+          </a:prstGeom>
+        </p:spPr>
+        <p:style>
+          <a:lnRef idx="2">
+            <a:schemeClr val="accent1">
+              <a:shade val="50000"/>
+            </a:schemeClr>
+          </a:lnRef>
+          <a:fillRef idx="1">
+            <a:schemeClr val="accent1"/>
+          </a:fillRef>
+          <a:effectRef idx="0">
+            <a:schemeClr val="accent1"/>
+          </a:effectRef>
+          <a:fontRef idx="minor">
+            <a:schemeClr val="lt1"/>
+          </a:fontRef>
+        </p:style>
+        <p:txBody>
+          <a:bodyPr rtlCol="0" anchor="ctr"/>
+          <a:lstStyle/>
+          <a:p>
+            <a:pPr algn="ctr"/>
+            <a:endParaRPr lang="en-US"/>
+          </a:p>
+        </p:txBody>
+      </p:sp>
+      <p:sp>
+        <p:nvSpPr>
+          <p:cNvPr id="5" name="Oval 4">
+            <a:extLst>
+              <a:ext uri="{FF2B5EF4-FFF2-40B4-BE49-F238E27FC236}">
+                <a16:creationId xmlns:a16="http://schemas.microsoft.com/office/drawing/2014/main" id="{C448270A-0E08-D37F-3F7E-4607CF24F5E5}"/>
+              </a:ext>
+            </a:extLst>
+          </p:cNvPr>
+          <p:cNvSpPr/>
+          <p:nvPr/>
+        </p:nvSpPr>
+        <p:spPr>
+          <a:xfrm>
+            <a:off x="117848" y="2622992"/>
+            <a:ext cx="1335742" cy="1380563"/>
+          </a:xfrm>
+          <a:prstGeom prst="ellipse">
+            <a:avLst/>
+          </a:prstGeom>
+          <a:gradFill flip="none" rotWithShape="1">
+            <a:gsLst>
+              <a:gs pos="0">
+                <a:schemeClr val="accent1">
+                  <a:lumMod val="67000"/>
+                </a:schemeClr>
+              </a:gs>
+              <a:gs pos="48000">
+                <a:schemeClr val="accent1">
+                  <a:lumMod val="97000"/>
+                  <a:lumOff val="3000"/>
+                </a:schemeClr>
+              </a:gs>
+              <a:gs pos="100000">
+                <a:schemeClr val="accent1">
+                  <a:lumMod val="60000"/>
+                  <a:lumOff val="40000"/>
+                </a:schemeClr>
+              </a:gs>
+            </a:gsLst>
+            <a:lin ang="16200000" scaled="1"/>
+            <a:tileRect/>
+          </a:gradFill>
+          <a:ln>
+            <a:noFill/>
+          </a:ln>
+        </p:spPr>
+        <p:style>
+          <a:lnRef idx="0">
+            <a:scrgbClr r="0" g="0" b="0"/>
+          </a:lnRef>
+          <a:fillRef idx="0">
+            <a:scrgbClr r="0" g="0" b="0"/>
+          </a:fillRef>
+          <a:effectRef idx="0">
+            <a:scrgbClr r="0" g="0" b="0"/>
+          </a:effectRef>
+          <a:fontRef idx="minor">
+            <a:schemeClr val="lt1"/>
+          </a:fontRef>
+        </p:style>
+        <p:txBody>
+          <a:bodyPr rtlCol="0" anchor="ctr"/>
+          <a:lstStyle/>
+          <a:p>
+            <a:pPr algn="ctr"/>
+            <a:r>
+              <a:rPr lang="es-CL" sz="900" b="1" dirty="0"/>
+              <a:t>Estado de molino SAG 5 min antes</a:t>
+            </a:r>
+            <a:endParaRPr lang="en-US" sz="900" b="1" dirty="0"/>
+          </a:p>
+        </p:txBody>
+      </p:sp>
+      <p:sp>
+        <p:nvSpPr>
+          <p:cNvPr id="6" name="Oval 5">
+            <a:extLst>
+              <a:ext uri="{FF2B5EF4-FFF2-40B4-BE49-F238E27FC236}">
+                <a16:creationId xmlns:a16="http://schemas.microsoft.com/office/drawing/2014/main" id="{044CAF6D-6D18-3EF6-620C-262EFA2B65CC}"/>
+              </a:ext>
+            </a:extLst>
+          </p:cNvPr>
+          <p:cNvSpPr/>
+          <p:nvPr/>
+        </p:nvSpPr>
+        <p:spPr>
+          <a:xfrm>
+            <a:off x="2004919" y="3120407"/>
+            <a:ext cx="1335742" cy="1380564"/>
+          </a:xfrm>
+          <a:prstGeom prst="ellipse">
+            <a:avLst/>
+          </a:prstGeom>
+          <a:gradFill flip="none" rotWithShape="1">
+            <a:gsLst>
+              <a:gs pos="0">
+                <a:schemeClr val="accent1">
+                  <a:lumMod val="67000"/>
+                </a:schemeClr>
+              </a:gs>
+              <a:gs pos="48000">
+                <a:schemeClr val="accent1">
+                  <a:lumMod val="97000"/>
+                  <a:lumOff val="3000"/>
+                </a:schemeClr>
+              </a:gs>
+              <a:gs pos="100000">
+                <a:schemeClr val="accent1">
+                  <a:lumMod val="60000"/>
+                  <a:lumOff val="40000"/>
+                </a:schemeClr>
+              </a:gs>
+            </a:gsLst>
+            <a:lin ang="16200000" scaled="1"/>
+            <a:tileRect/>
+          </a:gradFill>
+          <a:ln>
+            <a:noFill/>
+          </a:ln>
+        </p:spPr>
+        <p:style>
+          <a:lnRef idx="0">
+            <a:scrgbClr r="0" g="0" b="0"/>
+          </a:lnRef>
+          <a:fillRef idx="0">
+            <a:scrgbClr r="0" g="0" b="0"/>
+          </a:fillRef>
+          <a:effectRef idx="0">
+            <a:scrgbClr r="0" g="0" b="0"/>
+          </a:effectRef>
+          <a:fontRef idx="minor">
+            <a:schemeClr val="lt1"/>
+          </a:fontRef>
+        </p:style>
+        <p:txBody>
+          <a:bodyPr rtlCol="0" anchor="ctr"/>
+          <a:lstStyle/>
+          <a:p>
+            <a:pPr algn="ctr"/>
+            <a:r>
+              <a:rPr lang="es-CL" sz="900" b="1" dirty="0"/>
+              <a:t>Acción que recomienda HH celda de carga</a:t>
+            </a:r>
+            <a:endParaRPr lang="en-US" sz="900" b="1" dirty="0"/>
+          </a:p>
+        </p:txBody>
+      </p:sp>
+      <p:sp>
+        <p:nvSpPr>
+          <p:cNvPr id="7" name="Oval 6">
+            <a:extLst>
+              <a:ext uri="{FF2B5EF4-FFF2-40B4-BE49-F238E27FC236}">
+                <a16:creationId xmlns:a16="http://schemas.microsoft.com/office/drawing/2014/main" id="{F5A2064E-E9F7-3ACB-BCDE-4022A5BCBEF6}"/>
+              </a:ext>
+            </a:extLst>
+          </p:cNvPr>
+          <p:cNvSpPr/>
+          <p:nvPr/>
+        </p:nvSpPr>
+        <p:spPr>
+          <a:xfrm>
+            <a:off x="3730624" y="2430125"/>
+            <a:ext cx="1335742" cy="1380564"/>
+          </a:xfrm>
+          <a:prstGeom prst="ellipse">
+            <a:avLst/>
+          </a:prstGeom>
+          <a:gradFill flip="none" rotWithShape="1">
+            <a:gsLst>
+              <a:gs pos="0">
+                <a:schemeClr val="accent1">
+                  <a:lumMod val="67000"/>
+                </a:schemeClr>
+              </a:gs>
+              <a:gs pos="48000">
+                <a:schemeClr val="accent1">
+                  <a:lumMod val="97000"/>
+                  <a:lumOff val="3000"/>
+                </a:schemeClr>
+              </a:gs>
+              <a:gs pos="100000">
+                <a:schemeClr val="accent1">
+                  <a:lumMod val="60000"/>
+                  <a:lumOff val="40000"/>
+                </a:schemeClr>
+              </a:gs>
+            </a:gsLst>
+            <a:lin ang="16200000" scaled="1"/>
+            <a:tileRect/>
+          </a:gradFill>
+          <a:ln>
+            <a:noFill/>
+          </a:ln>
+        </p:spPr>
+        <p:style>
+          <a:lnRef idx="0">
+            <a:scrgbClr r="0" g="0" b="0"/>
+          </a:lnRef>
+          <a:fillRef idx="0">
+            <a:scrgbClr r="0" g="0" b="0"/>
+          </a:fillRef>
+          <a:effectRef idx="0">
+            <a:scrgbClr r="0" g="0" b="0"/>
+          </a:effectRef>
+          <a:fontRef idx="minor">
+            <a:schemeClr val="lt1"/>
+          </a:fontRef>
+        </p:style>
+        <p:txBody>
+          <a:bodyPr rtlCol="0" anchor="ctr"/>
+          <a:lstStyle/>
+          <a:p>
+            <a:r>
+              <a:rPr lang="es-CL" sz="900" b="1" dirty="0"/>
+              <a:t>Recompensa:</a:t>
+            </a:r>
+          </a:p>
+          <a:p>
+            <a:r>
+              <a:rPr lang="es-CL" sz="900" dirty="0"/>
+              <a:t> </a:t>
+            </a:r>
+          </a:p>
+          <a:p>
+            <a:pPr marL="171450" indent="-171450">
+              <a:buFont typeface="Arial" panose="020B0604020202020204" pitchFamily="34" charset="0"/>
+              <a:buChar char="•"/>
+            </a:pPr>
+            <a:r>
+              <a:rPr lang="es-CL" sz="900" dirty="0"/>
+              <a:t>-1 si hay pérdidas.</a:t>
+            </a:r>
+          </a:p>
+          <a:p>
+            <a:endParaRPr lang="es-CL" sz="900" dirty="0"/>
+          </a:p>
+          <a:p>
+            <a:pPr marL="171450" indent="-171450">
+              <a:buFont typeface="Arial" panose="020B0604020202020204" pitchFamily="34" charset="0"/>
+              <a:buChar char="•"/>
+            </a:pPr>
+            <a:r>
+              <a:rPr lang="es-CL" sz="900" dirty="0"/>
+              <a:t>1 si no hay pérdidas.</a:t>
+            </a:r>
+            <a:endParaRPr lang="en-US" sz="900" dirty="0"/>
+          </a:p>
+        </p:txBody>
+      </p:sp>
+      <p:cxnSp>
+        <p:nvCxnSpPr>
+          <p:cNvPr id="9" name="Connector: Curved 8">
+            <a:extLst>
+              <a:ext uri="{FF2B5EF4-FFF2-40B4-BE49-F238E27FC236}">
+                <a16:creationId xmlns:a16="http://schemas.microsoft.com/office/drawing/2014/main" id="{416A21D9-A9EF-EFA5-DE90-1861132DFEBB}"/>
+              </a:ext>
+            </a:extLst>
+          </p:cNvPr>
+          <p:cNvCxnSpPr>
+            <a:cxnSpLocks/>
+            <a:stCxn id="5" idx="6"/>
+            <a:endCxn id="6" idx="2"/>
+          </p:cNvCxnSpPr>
+          <p:nvPr/>
+        </p:nvCxnSpPr>
+        <p:spPr>
+          <a:xfrm>
+            <a:off x="1453590" y="3313274"/>
+            <a:ext cx="551329" cy="497415"/>
+          </a:xfrm>
+          <a:prstGeom prst="curvedConnector3">
+            <a:avLst/>
+          </a:prstGeom>
+          <a:ln w="15875">
+            <a:tailEnd type="triangle"/>
+          </a:ln>
+        </p:spPr>
+        <p:style>
+          <a:lnRef idx="1">
+            <a:schemeClr val="accent1"/>
+          </a:lnRef>
+          <a:fillRef idx="0">
+            <a:schemeClr val="accent1"/>
+          </a:fillRef>
+          <a:effectRef idx="0">
+            <a:schemeClr val="accent1"/>
+          </a:effectRef>
+          <a:fontRef idx="minor">
+            <a:schemeClr val="tx1"/>
+          </a:fontRef>
+        </p:style>
+      </p:cxnSp>
+      <p:cxnSp>
+        <p:nvCxnSpPr>
+          <p:cNvPr id="18" name="Connector: Curved 17">
+            <a:extLst>
+              <a:ext uri="{FF2B5EF4-FFF2-40B4-BE49-F238E27FC236}">
+                <a16:creationId xmlns:a16="http://schemas.microsoft.com/office/drawing/2014/main" id="{0D58B980-E4DB-06C8-D1A1-67142E8CCE85}"/>
+              </a:ext>
+            </a:extLst>
+          </p:cNvPr>
+          <p:cNvCxnSpPr>
+            <a:cxnSpLocks/>
+            <a:stCxn id="6" idx="6"/>
+            <a:endCxn id="7" idx="2"/>
+          </p:cNvCxnSpPr>
+          <p:nvPr/>
+        </p:nvCxnSpPr>
+        <p:spPr>
+          <a:xfrm flipV="1">
+            <a:off x="3340661" y="3120407"/>
+            <a:ext cx="389963" cy="690282"/>
+          </a:xfrm>
+          <a:prstGeom prst="curvedConnector3">
+            <a:avLst/>
+          </a:prstGeom>
+          <a:ln w="15875">
+            <a:tailEnd type="triangle"/>
+          </a:ln>
+        </p:spPr>
+        <p:style>
+          <a:lnRef idx="1">
+            <a:schemeClr val="accent1"/>
+          </a:lnRef>
+          <a:fillRef idx="0">
+            <a:schemeClr val="accent1"/>
+          </a:fillRef>
+          <a:effectRef idx="0">
+            <a:schemeClr val="accent1"/>
+          </a:effectRef>
+          <a:fontRef idx="minor">
+            <a:schemeClr val="tx1"/>
+          </a:fontRef>
+        </p:style>
+      </p:cxnSp>
+      <p:sp>
+        <p:nvSpPr>
+          <p:cNvPr id="22" name="Oval 21">
+            <a:extLst>
+              <a:ext uri="{FF2B5EF4-FFF2-40B4-BE49-F238E27FC236}">
+                <a16:creationId xmlns:a16="http://schemas.microsoft.com/office/drawing/2014/main" id="{28934B8D-5A06-77E8-1D51-4B90CC8F9B2D}"/>
+              </a:ext>
+            </a:extLst>
+          </p:cNvPr>
+          <p:cNvSpPr/>
+          <p:nvPr/>
+        </p:nvSpPr>
+        <p:spPr>
+          <a:xfrm>
+            <a:off x="3730624" y="4005651"/>
+            <a:ext cx="1335742" cy="1380563"/>
+          </a:xfrm>
+          <a:prstGeom prst="ellipse">
+            <a:avLst/>
+          </a:prstGeom>
+          <a:gradFill flip="none" rotWithShape="1">
+            <a:gsLst>
+              <a:gs pos="0">
+                <a:schemeClr val="accent1">
+                  <a:lumMod val="67000"/>
+                </a:schemeClr>
+              </a:gs>
+              <a:gs pos="48000">
+                <a:schemeClr val="accent1">
+                  <a:lumMod val="97000"/>
+                  <a:lumOff val="3000"/>
+                </a:schemeClr>
+              </a:gs>
+              <a:gs pos="100000">
+                <a:schemeClr val="accent1">
+                  <a:lumMod val="60000"/>
+                  <a:lumOff val="40000"/>
+                </a:schemeClr>
+              </a:gs>
+            </a:gsLst>
+            <a:lin ang="16200000" scaled="1"/>
+            <a:tileRect/>
+          </a:gradFill>
+          <a:ln>
+            <a:noFill/>
+          </a:ln>
+        </p:spPr>
+        <p:style>
+          <a:lnRef idx="0">
+            <a:scrgbClr r="0" g="0" b="0"/>
+          </a:lnRef>
+          <a:fillRef idx="0">
+            <a:scrgbClr r="0" g="0" b="0"/>
+          </a:fillRef>
+          <a:effectRef idx="0">
+            <a:scrgbClr r="0" g="0" b="0"/>
+          </a:effectRef>
+          <a:fontRef idx="minor">
+            <a:schemeClr val="lt1"/>
+          </a:fontRef>
+        </p:style>
+        <p:txBody>
+          <a:bodyPr rtlCol="0" anchor="ctr"/>
+          <a:lstStyle/>
+          <a:p>
+            <a:pPr algn="ctr"/>
+            <a:r>
+              <a:rPr lang="es-CL" sz="900" b="1" dirty="0"/>
+              <a:t>Nuevo estado del molino dada la acción tomada</a:t>
+            </a:r>
+            <a:endParaRPr lang="en-US" sz="900" b="1" dirty="0"/>
+          </a:p>
+        </p:txBody>
+      </p:sp>
+      <p:cxnSp>
+        <p:nvCxnSpPr>
+          <p:cNvPr id="23" name="Connector: Curved 22">
+            <a:extLst>
+              <a:ext uri="{FF2B5EF4-FFF2-40B4-BE49-F238E27FC236}">
+                <a16:creationId xmlns:a16="http://schemas.microsoft.com/office/drawing/2014/main" id="{C6D9D5CE-64B1-E4E8-A50F-EE3923A41478}"/>
+              </a:ext>
+            </a:extLst>
+          </p:cNvPr>
+          <p:cNvCxnSpPr>
+            <a:cxnSpLocks/>
+            <a:stCxn id="6" idx="6"/>
+            <a:endCxn id="22" idx="2"/>
+          </p:cNvCxnSpPr>
+          <p:nvPr/>
+        </p:nvCxnSpPr>
+        <p:spPr>
+          <a:xfrm>
+            <a:off x="3340661" y="3810689"/>
+            <a:ext cx="389963" cy="885244"/>
+          </a:xfrm>
+          <a:prstGeom prst="curvedConnector3">
+            <a:avLst/>
+          </a:prstGeom>
+          <a:ln w="15875">
+            <a:tailEnd type="triangle"/>
+          </a:ln>
+        </p:spPr>
+        <p:style>
+          <a:lnRef idx="1">
+            <a:schemeClr val="accent1"/>
+          </a:lnRef>
+          <a:fillRef idx="0">
+            <a:schemeClr val="accent1"/>
+          </a:fillRef>
+          <a:effectRef idx="0">
+            <a:schemeClr val="accent1"/>
+          </a:effectRef>
+          <a:fontRef idx="minor">
+            <a:schemeClr val="tx1"/>
+          </a:fontRef>
+        </p:style>
+      </p:cxnSp>
+      <p:sp>
+        <p:nvSpPr>
+          <p:cNvPr id="26" name="Oval 25">
+            <a:extLst>
+              <a:ext uri="{FF2B5EF4-FFF2-40B4-BE49-F238E27FC236}">
+                <a16:creationId xmlns:a16="http://schemas.microsoft.com/office/drawing/2014/main" id="{B23AC348-7531-AE99-884A-49AA27CDE72E}"/>
+              </a:ext>
+            </a:extLst>
+          </p:cNvPr>
+          <p:cNvSpPr/>
+          <p:nvPr/>
+        </p:nvSpPr>
+        <p:spPr>
+          <a:xfrm>
+            <a:off x="6230470" y="2622992"/>
+            <a:ext cx="1335742" cy="1380563"/>
+          </a:xfrm>
+          <a:prstGeom prst="ellipse">
+            <a:avLst/>
+          </a:prstGeom>
+          <a:gradFill flip="none" rotWithShape="1">
+            <a:gsLst>
+              <a:gs pos="0">
+                <a:schemeClr val="accent1">
+                  <a:lumMod val="67000"/>
+                </a:schemeClr>
+              </a:gs>
+              <a:gs pos="48000">
+                <a:schemeClr val="accent1">
+                  <a:lumMod val="97000"/>
+                  <a:lumOff val="3000"/>
+                </a:schemeClr>
+              </a:gs>
+              <a:gs pos="100000">
+                <a:schemeClr val="accent1">
+                  <a:lumMod val="60000"/>
+                  <a:lumOff val="40000"/>
+                </a:schemeClr>
+              </a:gs>
+            </a:gsLst>
+            <a:lin ang="16200000" scaled="1"/>
+            <a:tileRect/>
+          </a:gradFill>
+          <a:ln>
+            <a:noFill/>
+          </a:ln>
+        </p:spPr>
+        <p:style>
+          <a:lnRef idx="0">
+            <a:scrgbClr r="0" g="0" b="0"/>
+          </a:lnRef>
+          <a:fillRef idx="0">
+            <a:scrgbClr r="0" g="0" b="0"/>
+          </a:fillRef>
+          <a:effectRef idx="0">
+            <a:scrgbClr r="0" g="0" b="0"/>
+          </a:effectRef>
+          <a:fontRef idx="minor">
+            <a:schemeClr val="lt1"/>
+          </a:fontRef>
+        </p:style>
+        <p:txBody>
+          <a:bodyPr rtlCol="0" anchor="ctr"/>
+          <a:lstStyle/>
+          <a:p>
+            <a:pPr algn="ctr"/>
+            <a:r>
+              <a:rPr lang="es-CL" sz="900" b="1" dirty="0"/>
+              <a:t>Estado de molino SAG 5 min antes</a:t>
+            </a:r>
+            <a:endParaRPr lang="en-US" sz="900" b="1" dirty="0"/>
+          </a:p>
+        </p:txBody>
+      </p:sp>
+      <p:sp>
+        <p:nvSpPr>
+          <p:cNvPr id="27" name="Oval 26">
+            <a:extLst>
+              <a:ext uri="{FF2B5EF4-FFF2-40B4-BE49-F238E27FC236}">
+                <a16:creationId xmlns:a16="http://schemas.microsoft.com/office/drawing/2014/main" id="{FAEFDA12-D71B-4849-AA1D-B6FC125F0797}"/>
+              </a:ext>
+            </a:extLst>
+          </p:cNvPr>
+          <p:cNvSpPr/>
+          <p:nvPr/>
+        </p:nvSpPr>
+        <p:spPr>
+          <a:xfrm>
+            <a:off x="8117541" y="3120407"/>
+            <a:ext cx="1335742" cy="1380564"/>
+          </a:xfrm>
+          <a:prstGeom prst="ellipse">
+            <a:avLst/>
+          </a:prstGeom>
+          <a:gradFill flip="none" rotWithShape="1">
+            <a:gsLst>
+              <a:gs pos="0">
+                <a:schemeClr val="accent1">
+                  <a:lumMod val="67000"/>
+                </a:schemeClr>
+              </a:gs>
+              <a:gs pos="48000">
+                <a:schemeClr val="accent1">
+                  <a:lumMod val="97000"/>
+                  <a:lumOff val="3000"/>
+                </a:schemeClr>
+              </a:gs>
+              <a:gs pos="100000">
+                <a:schemeClr val="accent1">
+                  <a:lumMod val="60000"/>
+                  <a:lumOff val="40000"/>
+                </a:schemeClr>
+              </a:gs>
+            </a:gsLst>
+            <a:lin ang="16200000" scaled="1"/>
+            <a:tileRect/>
+          </a:gradFill>
+          <a:ln>
+            <a:noFill/>
+          </a:ln>
+        </p:spPr>
+        <p:style>
+          <a:lnRef idx="0">
+            <a:scrgbClr r="0" g="0" b="0"/>
+          </a:lnRef>
+          <a:fillRef idx="0">
+            <a:scrgbClr r="0" g="0" b="0"/>
+          </a:fillRef>
+          <a:effectRef idx="0">
+            <a:scrgbClr r="0" g="0" b="0"/>
+          </a:effectRef>
+          <a:fontRef idx="minor">
+            <a:schemeClr val="lt1"/>
+          </a:fontRef>
+        </p:style>
+        <p:txBody>
+          <a:bodyPr rtlCol="0" anchor="ctr"/>
+          <a:lstStyle/>
+          <a:p>
+            <a:pPr algn="ctr"/>
+            <a:r>
+              <a:rPr lang="es-CL" sz="900" b="1" dirty="0"/>
+              <a:t>Acción que recomienda HH celda de carga</a:t>
+            </a:r>
+            <a:endParaRPr lang="en-US" sz="900" b="1" dirty="0"/>
+          </a:p>
+        </p:txBody>
+      </p:sp>
+      <p:sp>
+        <p:nvSpPr>
+          <p:cNvPr id="28" name="Oval 27">
+            <a:extLst>
+              <a:ext uri="{FF2B5EF4-FFF2-40B4-BE49-F238E27FC236}">
+                <a16:creationId xmlns:a16="http://schemas.microsoft.com/office/drawing/2014/main" id="{20A6A559-2553-C28E-F820-2E532DAFB001}"/>
+              </a:ext>
+            </a:extLst>
+          </p:cNvPr>
+          <p:cNvSpPr/>
+          <p:nvPr/>
+        </p:nvSpPr>
+        <p:spPr>
+          <a:xfrm>
+            <a:off x="9843246" y="2430125"/>
+            <a:ext cx="1335742" cy="1380564"/>
+          </a:xfrm>
+          <a:prstGeom prst="ellipse">
+            <a:avLst/>
+          </a:prstGeom>
+          <a:gradFill flip="none" rotWithShape="1">
+            <a:gsLst>
+              <a:gs pos="0">
+                <a:schemeClr val="accent1">
+                  <a:lumMod val="67000"/>
+                </a:schemeClr>
+              </a:gs>
+              <a:gs pos="48000">
+                <a:schemeClr val="accent1">
+                  <a:lumMod val="97000"/>
+                  <a:lumOff val="3000"/>
+                </a:schemeClr>
+              </a:gs>
+              <a:gs pos="100000">
+                <a:schemeClr val="accent1">
+                  <a:lumMod val="60000"/>
+                  <a:lumOff val="40000"/>
+                </a:schemeClr>
+              </a:gs>
+            </a:gsLst>
+            <a:lin ang="16200000" scaled="1"/>
+            <a:tileRect/>
+          </a:gradFill>
+          <a:ln>
+            <a:noFill/>
+          </a:ln>
+        </p:spPr>
+        <p:style>
+          <a:lnRef idx="0">
+            <a:scrgbClr r="0" g="0" b="0"/>
+          </a:lnRef>
+          <a:fillRef idx="0">
+            <a:scrgbClr r="0" g="0" b="0"/>
+          </a:fillRef>
+          <a:effectRef idx="0">
+            <a:scrgbClr r="0" g="0" b="0"/>
+          </a:effectRef>
+          <a:fontRef idx="minor">
+            <a:schemeClr val="lt1"/>
+          </a:fontRef>
+        </p:style>
+        <p:txBody>
+          <a:bodyPr rtlCol="0" anchor="ctr"/>
+          <a:lstStyle/>
+          <a:p>
+            <a:r>
+              <a:rPr lang="es-CL" sz="900" b="1" dirty="0"/>
+              <a:t>Recompensa:</a:t>
+            </a:r>
+          </a:p>
+          <a:p>
+            <a:r>
+              <a:rPr lang="es-CL" sz="900" dirty="0"/>
+              <a:t> </a:t>
+            </a:r>
+          </a:p>
+          <a:p>
+            <a:pPr marL="171450" indent="-171450">
+              <a:buFont typeface="Arial" panose="020B0604020202020204" pitchFamily="34" charset="0"/>
+              <a:buChar char="•"/>
+            </a:pPr>
+            <a:r>
+              <a:rPr lang="es-CL" sz="900" dirty="0"/>
+              <a:t>-1 si hay pérdidas.</a:t>
+            </a:r>
+          </a:p>
+          <a:p>
+            <a:endParaRPr lang="es-CL" sz="900" dirty="0"/>
+          </a:p>
+          <a:p>
+            <a:pPr marL="171450" indent="-171450">
+              <a:buFont typeface="Arial" panose="020B0604020202020204" pitchFamily="34" charset="0"/>
+              <a:buChar char="•"/>
+            </a:pPr>
+            <a:r>
+              <a:rPr lang="es-CL" sz="900" dirty="0"/>
+              <a:t>1 si no hay pérdidas.</a:t>
+            </a:r>
+            <a:endParaRPr lang="en-US" sz="900" dirty="0"/>
+          </a:p>
+        </p:txBody>
+      </p:sp>
+      <p:cxnSp>
+        <p:nvCxnSpPr>
+          <p:cNvPr id="29" name="Connector: Curved 28">
+            <a:extLst>
+              <a:ext uri="{FF2B5EF4-FFF2-40B4-BE49-F238E27FC236}">
+                <a16:creationId xmlns:a16="http://schemas.microsoft.com/office/drawing/2014/main" id="{8678D5B7-4201-F52B-9F36-B69A1319C436}"/>
+              </a:ext>
+            </a:extLst>
+          </p:cNvPr>
+          <p:cNvCxnSpPr>
+            <a:cxnSpLocks/>
+            <a:stCxn id="26" idx="6"/>
+            <a:endCxn id="27" idx="2"/>
+          </p:cNvCxnSpPr>
+          <p:nvPr/>
+        </p:nvCxnSpPr>
+        <p:spPr>
+          <a:xfrm>
+            <a:off x="7566212" y="3313274"/>
+            <a:ext cx="551329" cy="497415"/>
+          </a:xfrm>
+          <a:prstGeom prst="curvedConnector3">
+            <a:avLst/>
+          </a:prstGeom>
+          <a:ln w="15875">
+            <a:tailEnd type="triangle"/>
+          </a:ln>
+        </p:spPr>
+        <p:style>
+          <a:lnRef idx="1">
+            <a:schemeClr val="accent1"/>
+          </a:lnRef>
+          <a:fillRef idx="0">
+            <a:schemeClr val="accent1"/>
+          </a:fillRef>
+          <a:effectRef idx="0">
+            <a:schemeClr val="accent1"/>
+          </a:effectRef>
+          <a:fontRef idx="minor">
+            <a:schemeClr val="tx1"/>
+          </a:fontRef>
+        </p:style>
+      </p:cxnSp>
+      <p:cxnSp>
+        <p:nvCxnSpPr>
+          <p:cNvPr id="30" name="Connector: Curved 29">
+            <a:extLst>
+              <a:ext uri="{FF2B5EF4-FFF2-40B4-BE49-F238E27FC236}">
+                <a16:creationId xmlns:a16="http://schemas.microsoft.com/office/drawing/2014/main" id="{A94CFC2A-0102-85D3-935C-5C39081D4803}"/>
+              </a:ext>
+            </a:extLst>
+          </p:cNvPr>
+          <p:cNvCxnSpPr>
+            <a:cxnSpLocks/>
+            <a:stCxn id="27" idx="6"/>
+            <a:endCxn id="28" idx="2"/>
+          </p:cNvCxnSpPr>
+          <p:nvPr/>
+        </p:nvCxnSpPr>
+        <p:spPr>
+          <a:xfrm flipV="1">
+            <a:off x="9453283" y="3120407"/>
+            <a:ext cx="389963" cy="690282"/>
+          </a:xfrm>
+          <a:prstGeom prst="curvedConnector3">
+            <a:avLst/>
+          </a:prstGeom>
+          <a:ln w="15875">
+            <a:tailEnd type="triangle"/>
+          </a:ln>
+        </p:spPr>
+        <p:style>
+          <a:lnRef idx="1">
+            <a:schemeClr val="accent1"/>
+          </a:lnRef>
+          <a:fillRef idx="0">
+            <a:schemeClr val="accent1"/>
+          </a:fillRef>
+          <a:effectRef idx="0">
+            <a:schemeClr val="accent1"/>
+          </a:effectRef>
+          <a:fontRef idx="minor">
+            <a:schemeClr val="tx1"/>
+          </a:fontRef>
+        </p:style>
+      </p:cxnSp>
+      <p:sp>
+        <p:nvSpPr>
+          <p:cNvPr id="31" name="Oval 30">
+            <a:extLst>
+              <a:ext uri="{FF2B5EF4-FFF2-40B4-BE49-F238E27FC236}">
+                <a16:creationId xmlns:a16="http://schemas.microsoft.com/office/drawing/2014/main" id="{C86831CC-D660-833B-557D-247D954A5878}"/>
+              </a:ext>
+            </a:extLst>
+          </p:cNvPr>
+          <p:cNvSpPr/>
+          <p:nvPr/>
+        </p:nvSpPr>
+        <p:spPr>
+          <a:xfrm>
+            <a:off x="9843246" y="4005651"/>
+            <a:ext cx="1335742" cy="1380563"/>
+          </a:xfrm>
+          <a:prstGeom prst="ellipse">
+            <a:avLst/>
+          </a:prstGeom>
+          <a:gradFill flip="none" rotWithShape="1">
+            <a:gsLst>
+              <a:gs pos="0">
+                <a:schemeClr val="accent1">
+                  <a:lumMod val="67000"/>
+                </a:schemeClr>
+              </a:gs>
+              <a:gs pos="48000">
+                <a:schemeClr val="accent1">
+                  <a:lumMod val="97000"/>
+                  <a:lumOff val="3000"/>
+                </a:schemeClr>
+              </a:gs>
+              <a:gs pos="100000">
+                <a:schemeClr val="accent1">
+                  <a:lumMod val="60000"/>
+                  <a:lumOff val="40000"/>
+                </a:schemeClr>
+              </a:gs>
+            </a:gsLst>
+            <a:lin ang="16200000" scaled="1"/>
+            <a:tileRect/>
+          </a:gradFill>
+          <a:ln>
+            <a:noFill/>
+          </a:ln>
+        </p:spPr>
+        <p:style>
+          <a:lnRef idx="0">
+            <a:scrgbClr r="0" g="0" b="0"/>
+          </a:lnRef>
+          <a:fillRef idx="0">
+            <a:scrgbClr r="0" g="0" b="0"/>
+          </a:fillRef>
+          <a:effectRef idx="0">
+            <a:scrgbClr r="0" g="0" b="0"/>
+          </a:effectRef>
+          <a:fontRef idx="minor">
+            <a:schemeClr val="lt1"/>
+          </a:fontRef>
+        </p:style>
+        <p:txBody>
+          <a:bodyPr rtlCol="0" anchor="ctr"/>
+          <a:lstStyle/>
+          <a:p>
+            <a:pPr algn="ctr"/>
+            <a:r>
+              <a:rPr lang="es-CL" sz="900" b="1" dirty="0"/>
+              <a:t>Nuevo estado del molino dada la acción tomada</a:t>
+            </a:r>
+            <a:endParaRPr lang="en-US" sz="900" b="1" dirty="0"/>
+          </a:p>
+        </p:txBody>
+      </p:sp>
+      <p:cxnSp>
+        <p:nvCxnSpPr>
+          <p:cNvPr id="32" name="Connector: Curved 31">
+            <a:extLst>
+              <a:ext uri="{FF2B5EF4-FFF2-40B4-BE49-F238E27FC236}">
+                <a16:creationId xmlns:a16="http://schemas.microsoft.com/office/drawing/2014/main" id="{E47A0875-9515-9B63-9B50-C43488E62C44}"/>
+              </a:ext>
+            </a:extLst>
+          </p:cNvPr>
+          <p:cNvCxnSpPr>
+            <a:cxnSpLocks/>
+            <a:stCxn id="27" idx="6"/>
+            <a:endCxn id="31" idx="2"/>
+          </p:cNvCxnSpPr>
+          <p:nvPr/>
+        </p:nvCxnSpPr>
+        <p:spPr>
+          <a:xfrm>
+            <a:off x="9453283" y="3810689"/>
+            <a:ext cx="389963" cy="885244"/>
+          </a:xfrm>
+          <a:prstGeom prst="curvedConnector3">
+            <a:avLst/>
+          </a:prstGeom>
+          <a:ln w="15875">
+            <a:tailEnd type="triangle"/>
+          </a:ln>
+        </p:spPr>
+        <p:style>
+          <a:lnRef idx="1">
+            <a:schemeClr val="accent1"/>
+          </a:lnRef>
+          <a:fillRef idx="0">
+            <a:schemeClr val="accent1"/>
+          </a:fillRef>
+          <a:effectRef idx="0">
+            <a:schemeClr val="accent1"/>
+          </a:effectRef>
+          <a:fontRef idx="minor">
+            <a:schemeClr val="tx1"/>
+          </a:fontRef>
+        </p:style>
+      </p:cxnSp>
+      <p:cxnSp>
+        <p:nvCxnSpPr>
+          <p:cNvPr id="36" name="Connector: Curved 35">
+            <a:extLst>
+              <a:ext uri="{FF2B5EF4-FFF2-40B4-BE49-F238E27FC236}">
+                <a16:creationId xmlns:a16="http://schemas.microsoft.com/office/drawing/2014/main" id="{5AF578C2-698F-3BEB-F0B7-7D19BA58A9FB}"/>
+              </a:ext>
+            </a:extLst>
+          </p:cNvPr>
+          <p:cNvCxnSpPr>
+            <a:cxnSpLocks/>
+            <a:stCxn id="22" idx="6"/>
+            <a:endCxn id="26" idx="2"/>
+          </p:cNvCxnSpPr>
+          <p:nvPr/>
+        </p:nvCxnSpPr>
+        <p:spPr>
+          <a:xfrm flipV="1">
+            <a:off x="5066366" y="3313274"/>
+            <a:ext cx="1164104" cy="1382659"/>
+          </a:xfrm>
+          <a:prstGeom prst="curvedConnector3">
+            <a:avLst/>
+          </a:prstGeom>
+          <a:ln w="15875">
+            <a:tailEnd type="triangle"/>
+          </a:ln>
+        </p:spPr>
+        <p:style>
+          <a:lnRef idx="1">
+            <a:schemeClr val="accent1"/>
+          </a:lnRef>
+          <a:fillRef idx="0">
+            <a:schemeClr val="accent1"/>
+          </a:fillRef>
+          <a:effectRef idx="0">
+            <a:schemeClr val="accent1"/>
+          </a:effectRef>
+          <a:fontRef idx="minor">
+            <a:schemeClr val="tx1"/>
+          </a:fontRef>
+        </p:style>
+      </p:cxnSp>
+      <p:pic>
+        <p:nvPicPr>
+          <p:cNvPr id="46" name="Picture 45" descr="A picture containing logo&#10;&#10;Description automatically generated">
+            <a:extLst>
+              <a:ext uri="{FF2B5EF4-FFF2-40B4-BE49-F238E27FC236}">
+                <a16:creationId xmlns:a16="http://schemas.microsoft.com/office/drawing/2014/main" id="{8EE30D0B-F50E-FE24-6674-F04AB3B039E4}"/>
+              </a:ext>
+            </a:extLst>
+          </p:cNvPr>
+          <p:cNvPicPr>
+            <a:picLocks noChangeAspect="1"/>
+          </p:cNvPicPr>
+          <p:nvPr/>
+        </p:nvPicPr>
+        <p:blipFill rotWithShape="1">
+          <a:blip r:embed="rId2">
+            <a:extLst>
+              <a:ext uri="{28A0092B-C50C-407E-A947-70E740481C1C}">
+                <a14:useLocalDpi xmlns:a14="http://schemas.microsoft.com/office/drawing/2010/main" val="0"/>
+              </a:ext>
+            </a:extLst>
+          </a:blip>
+          <a:srcRect t="42199"/>
+          <a:stretch/>
+        </p:blipFill>
+        <p:spPr>
+          <a:xfrm>
+            <a:off x="10022430" y="-11"/>
+            <a:ext cx="2169570" cy="548640"/>
+          </a:xfrm>
+          <a:prstGeom prst="rect">
+            <a:avLst/>
+          </a:prstGeom>
+        </p:spPr>
+      </p:pic>
+    </p:spTree>
+    <p:extLst>
+      <p:ext uri="{BB962C8B-B14F-4D97-AF65-F5344CB8AC3E}">
+        <p14:creationId xmlns:p14="http://schemas.microsoft.com/office/powerpoint/2010/main" val="2071341823"/>
+      </p:ext>
+    </p:extLst>
+  </p:cSld>
+  <p:clrMapOvr>
+    <a:masterClrMapping/>
+  </p:clrMapOvr>
+  <p:timing>
+    <p:tnLst>
+      <p:par>
+        <p:cTn id="1" dur="indefinite" restart="never" nodeType="tmRoot">
+          <p:childTnLst>
+            <p:seq concurrent="1" nextAc="seek">
+              <p:cTn id="2" dur="indefinite" nodeType="mainSeq">
+                <p:childTnLst>
+                  <p:par>
+                    <p:cTn id="3" fill="hold">
+                      <p:stCondLst>
+                        <p:cond delay="indefinite"/>
+                      </p:stCondLst>
+                      <p:childTnLst>
+                        <p:par>
+                          <p:cTn id="4" fill="hold">
+                            <p:stCondLst>
+                              <p:cond delay="0"/>
+                            </p:stCondLst>
+                            <p:childTnLst>
+                              <p:par>
+                                <p:cTn id="5" presetID="1" presetClass="entr" presetSubtype="0" fill="hold" grpId="0" nodeType="clickEffect">
+                                  <p:stCondLst>
+                                    <p:cond delay="0"/>
+                                  </p:stCondLst>
+                                  <p:childTnLst>
+                                    <p:set>
+                                      <p:cBhvr>
+                                        <p:cTn id="6" dur="1" fill="hold">
+                                          <p:stCondLst>
+                                            <p:cond delay="0"/>
+                                          </p:stCondLst>
+                                        </p:cTn>
+                                        <p:tgtEl>
+                                          <p:spTgt spid="5"/>
+                                        </p:tgtEl>
+                                        <p:attrNameLst>
+                                          <p:attrName>style.visibility</p:attrName>
+                                        </p:attrNameLst>
+                                      </p:cBhvr>
+                                      <p:to>
+                                        <p:strVal val="visible"/>
+                                      </p:to>
+                                    </p:set>
+                                  </p:childTnLst>
+                                </p:cTn>
+                              </p:par>
+                            </p:childTnLst>
+                          </p:cTn>
+                        </p:par>
+                      </p:childTnLst>
+                    </p:cTn>
+                  </p:par>
+                  <p:par>
+                    <p:cTn id="7" fill="hold">
+                      <p:stCondLst>
+                        <p:cond delay="indefinite"/>
+                      </p:stCondLst>
+                      <p:childTnLst>
+                        <p:par>
+                          <p:cTn id="8" fill="hold">
+                            <p:stCondLst>
+                              <p:cond delay="0"/>
+                            </p:stCondLst>
+                            <p:childTnLst>
+                              <p:par>
+                                <p:cTn id="9" presetID="1" presetClass="entr" presetSubtype="0" fill="hold" nodeType="clickEffect">
+                                  <p:stCondLst>
+                                    <p:cond delay="0"/>
+                                  </p:stCondLst>
+                                  <p:childTnLst>
+                                    <p:set>
+                                      <p:cBhvr>
+                                        <p:cTn id="10" dur="1" fill="hold">
+                                          <p:stCondLst>
+                                            <p:cond delay="0"/>
+                                          </p:stCondLst>
+                                        </p:cTn>
+                                        <p:tgtEl>
+                                          <p:spTgt spid="9"/>
+                                        </p:tgtEl>
+                                        <p:attrNameLst>
+                                          <p:attrName>style.visibility</p:attrName>
+                                        </p:attrNameLst>
+                                      </p:cBhvr>
+                                      <p:to>
+                                        <p:strVal val="visible"/>
+                                      </p:to>
+                                    </p:set>
+                                  </p:childTnLst>
+                                </p:cTn>
+                              </p:par>
+                            </p:childTnLst>
+                          </p:cTn>
+                        </p:par>
+                      </p:childTnLst>
+                    </p:cTn>
+                  </p:par>
+                  <p:par>
+                    <p:cTn id="11" fill="hold">
+                      <p:stCondLst>
+                        <p:cond delay="indefinite"/>
+                      </p:stCondLst>
+                      <p:childTnLst>
+                        <p:par>
+                          <p:cTn id="12" fill="hold">
+                            <p:stCondLst>
+                              <p:cond delay="0"/>
+                            </p:stCondLst>
+                            <p:childTnLst>
+                              <p:par>
+                                <p:cTn id="13" presetID="1" presetClass="entr" presetSubtype="0" fill="hold" grpId="0" nodeType="clickEffect">
+                                  <p:stCondLst>
+                                    <p:cond delay="0"/>
+                                  </p:stCondLst>
+                                  <p:childTnLst>
+                                    <p:set>
+                                      <p:cBhvr>
+                                        <p:cTn id="14" dur="1" fill="hold">
+                                          <p:stCondLst>
+                                            <p:cond delay="0"/>
+                                          </p:stCondLst>
+                                        </p:cTn>
+                                        <p:tgtEl>
+                                          <p:spTgt spid="6"/>
+                                        </p:tgtEl>
+                                        <p:attrNameLst>
+                                          <p:attrName>style.visibility</p:attrName>
+                                        </p:attrNameLst>
+                                      </p:cBhvr>
+                                      <p:to>
+                                        <p:strVal val="visible"/>
+                                      </p:to>
+                                    </p:set>
+                                  </p:childTnLst>
+                                </p:cTn>
+                              </p:par>
+                            </p:childTnLst>
+                          </p:cTn>
+                        </p:par>
+                      </p:childTnLst>
+                    </p:cTn>
+                  </p:par>
+                  <p:par>
+                    <p:cTn id="15" fill="hold">
+                      <p:stCondLst>
+                        <p:cond delay="indefinite"/>
+                      </p:stCondLst>
+                      <p:childTnLst>
+                        <p:par>
+                          <p:cTn id="16" fill="hold">
+                            <p:stCondLst>
+                              <p:cond delay="0"/>
+                            </p:stCondLst>
+                            <p:childTnLst>
+                              <p:par>
+                                <p:cTn id="17" presetID="1" presetClass="entr" presetSubtype="0" fill="hold" nodeType="clickEffect">
+                                  <p:stCondLst>
+                                    <p:cond delay="0"/>
+                                  </p:stCondLst>
+                                  <p:childTnLst>
+                                    <p:set>
+                                      <p:cBhvr>
+                                        <p:cTn id="18" dur="1" fill="hold">
+                                          <p:stCondLst>
+                                            <p:cond delay="0"/>
+                                          </p:stCondLst>
+                                        </p:cTn>
+                                        <p:tgtEl>
+                                          <p:spTgt spid="18"/>
+                                        </p:tgtEl>
+                                        <p:attrNameLst>
+                                          <p:attrName>style.visibility</p:attrName>
+                                        </p:attrNameLst>
+                                      </p:cBhvr>
+                                      <p:to>
+                                        <p:strVal val="visible"/>
+                                      </p:to>
+                                    </p:set>
+                                  </p:childTnLst>
+                                </p:cTn>
+                              </p:par>
+                            </p:childTnLst>
+                          </p:cTn>
+                        </p:par>
+                      </p:childTnLst>
+                    </p:cTn>
+                  </p:par>
+                  <p:par>
+                    <p:cTn id="19" fill="hold">
+                      <p:stCondLst>
+                        <p:cond delay="indefinite"/>
+                      </p:stCondLst>
+                      <p:childTnLst>
+                        <p:par>
+                          <p:cTn id="20" fill="hold">
+                            <p:stCondLst>
+                              <p:cond delay="0"/>
+                            </p:stCondLst>
+                            <p:childTnLst>
+                              <p:par>
+                                <p:cTn id="21" presetID="1" presetClass="entr" presetSubtype="0" fill="hold" grpId="0" nodeType="clickEffect">
+                                  <p:stCondLst>
+                                    <p:cond delay="0"/>
+                                  </p:stCondLst>
+                                  <p:childTnLst>
+                                    <p:set>
+                                      <p:cBhvr>
+                                        <p:cTn id="22" dur="1" fill="hold">
+                                          <p:stCondLst>
+                                            <p:cond delay="0"/>
+                                          </p:stCondLst>
+                                        </p:cTn>
+                                        <p:tgtEl>
+                                          <p:spTgt spid="7"/>
+                                        </p:tgtEl>
+                                        <p:attrNameLst>
+                                          <p:attrName>style.visibility</p:attrName>
+                                        </p:attrNameLst>
+                                      </p:cBhvr>
+                                      <p:to>
+                                        <p:strVal val="visible"/>
+                                      </p:to>
+                                    </p:set>
+                                  </p:childTnLst>
+                                </p:cTn>
+                              </p:par>
+                            </p:childTnLst>
+                          </p:cTn>
+                        </p:par>
+                      </p:childTnLst>
+                    </p:cTn>
+                  </p:par>
+                  <p:par>
+                    <p:cTn id="23" fill="hold">
+                      <p:stCondLst>
+                        <p:cond delay="indefinite"/>
+                      </p:stCondLst>
+                      <p:childTnLst>
+                        <p:par>
+                          <p:cTn id="24" fill="hold">
+                            <p:stCondLst>
+                              <p:cond delay="0"/>
+                            </p:stCondLst>
+                            <p:childTnLst>
+                              <p:par>
+                                <p:cTn id="25" presetID="1" presetClass="entr" presetSubtype="0" fill="hold" nodeType="clickEffect">
+                                  <p:stCondLst>
+                                    <p:cond delay="0"/>
+                                  </p:stCondLst>
+                                  <p:childTnLst>
+                                    <p:set>
+                                      <p:cBhvr>
+                                        <p:cTn id="26" dur="1" fill="hold">
+                                          <p:stCondLst>
+                                            <p:cond delay="0"/>
+                                          </p:stCondLst>
+                                        </p:cTn>
+                                        <p:tgtEl>
+                                          <p:spTgt spid="23"/>
+                                        </p:tgtEl>
+                                        <p:attrNameLst>
+                                          <p:attrName>style.visibility</p:attrName>
+                                        </p:attrNameLst>
+                                      </p:cBhvr>
+                                      <p:to>
+                                        <p:strVal val="visible"/>
+                                      </p:to>
+                                    </p:set>
+                                  </p:childTnLst>
+                                </p:cTn>
+                              </p:par>
+                            </p:childTnLst>
+                          </p:cTn>
+                        </p:par>
+                      </p:childTnLst>
+                    </p:cTn>
+                  </p:par>
+                  <p:par>
+                    <p:cTn id="27" fill="hold">
+                      <p:stCondLst>
+                        <p:cond delay="indefinite"/>
+                      </p:stCondLst>
+                      <p:childTnLst>
+                        <p:par>
+                          <p:cTn id="28" fill="hold">
+                            <p:stCondLst>
+                              <p:cond delay="0"/>
+                            </p:stCondLst>
+                            <p:childTnLst>
+                              <p:par>
+                                <p:cTn id="29" presetID="1" presetClass="entr" presetSubtype="0" fill="hold" grpId="0" nodeType="clickEffect">
+                                  <p:stCondLst>
+                                    <p:cond delay="0"/>
+                                  </p:stCondLst>
+                                  <p:childTnLst>
+                                    <p:set>
+                                      <p:cBhvr>
+                                        <p:cTn id="30" dur="1" fill="hold">
+                                          <p:stCondLst>
+                                            <p:cond delay="0"/>
+                                          </p:stCondLst>
+                                        </p:cTn>
+                                        <p:tgtEl>
+                                          <p:spTgt spid="22"/>
+                                        </p:tgtEl>
+                                        <p:attrNameLst>
+                                          <p:attrName>style.visibility</p:attrName>
+                                        </p:attrNameLst>
+                                      </p:cBhvr>
+                                      <p:to>
+                                        <p:strVal val="visible"/>
+                                      </p:to>
+                                    </p:set>
+                                  </p:childTnLst>
+                                </p:cTn>
+                              </p:par>
+                            </p:childTnLst>
+                          </p:cTn>
+                        </p:par>
+                      </p:childTnLst>
+                    </p:cTn>
+                  </p:par>
+                  <p:par>
+                    <p:cTn id="31" fill="hold">
+                      <p:stCondLst>
+                        <p:cond delay="indefinite"/>
+                      </p:stCondLst>
+                      <p:childTnLst>
+                        <p:par>
+                          <p:cTn id="32" fill="hold">
+                            <p:stCondLst>
+                              <p:cond delay="0"/>
+                            </p:stCondLst>
+                            <p:childTnLst>
+                              <p:par>
+                                <p:cTn id="33" presetID="1" presetClass="entr" presetSubtype="0" fill="hold" nodeType="clickEffect">
+                                  <p:stCondLst>
+                                    <p:cond delay="0"/>
+                                  </p:stCondLst>
+                                  <p:childTnLst>
+                                    <p:set>
+                                      <p:cBhvr>
+                                        <p:cTn id="34" dur="1" fill="hold">
+                                          <p:stCondLst>
+                                            <p:cond delay="0"/>
+                                          </p:stCondLst>
+                                        </p:cTn>
+                                        <p:tgtEl>
+                                          <p:spTgt spid="36"/>
+                                        </p:tgtEl>
+                                        <p:attrNameLst>
+                                          <p:attrName>style.visibility</p:attrName>
+                                        </p:attrNameLst>
+                                      </p:cBhvr>
+                                      <p:to>
+                                        <p:strVal val="visible"/>
+                                      </p:to>
+                                    </p:set>
+                                  </p:childTnLst>
+                                </p:cTn>
+                              </p:par>
+                            </p:childTnLst>
+                          </p:cTn>
+                        </p:par>
+                      </p:childTnLst>
+                    </p:cTn>
+                  </p:par>
+                  <p:par>
+                    <p:cTn id="35" fill="hold">
+                      <p:stCondLst>
+                        <p:cond delay="indefinite"/>
+                      </p:stCondLst>
+                      <p:childTnLst>
+                        <p:par>
+                          <p:cTn id="36" fill="hold">
+                            <p:stCondLst>
+                              <p:cond delay="0"/>
+                            </p:stCondLst>
+                            <p:childTnLst>
+                              <p:par>
+                                <p:cTn id="37" presetID="1" presetClass="entr" presetSubtype="0" fill="hold" grpId="0" nodeType="clickEffect">
+                                  <p:stCondLst>
+                                    <p:cond delay="0"/>
+                                  </p:stCondLst>
+                                  <p:childTnLst>
+                                    <p:set>
+                                      <p:cBhvr>
+                                        <p:cTn id="38" dur="1" fill="hold">
+                                          <p:stCondLst>
+                                            <p:cond delay="0"/>
+                                          </p:stCondLst>
+                                        </p:cTn>
+                                        <p:tgtEl>
+                                          <p:spTgt spid="26"/>
+                                        </p:tgtEl>
+                                        <p:attrNameLst>
+                                          <p:attrName>style.visibility</p:attrName>
+                                        </p:attrNameLst>
+                                      </p:cBhvr>
+                                      <p:to>
+                                        <p:strVal val="visible"/>
+                                      </p:to>
+                                    </p:set>
+                                  </p:childTnLst>
+                                </p:cTn>
+                              </p:par>
+                            </p:childTnLst>
+                          </p:cTn>
+                        </p:par>
+                      </p:childTnLst>
+                    </p:cTn>
+                  </p:par>
+                  <p:par>
+                    <p:cTn id="39" fill="hold">
+                      <p:stCondLst>
+                        <p:cond delay="indefinite"/>
+                      </p:stCondLst>
+                      <p:childTnLst>
+                        <p:par>
+                          <p:cTn id="40" fill="hold">
+                            <p:stCondLst>
+                              <p:cond delay="0"/>
+                            </p:stCondLst>
+                            <p:childTnLst>
+                              <p:par>
+                                <p:cTn id="41" presetID="1" presetClass="entr" presetSubtype="0" fill="hold" nodeType="clickEffect">
+                                  <p:stCondLst>
+                                    <p:cond delay="0"/>
+                                  </p:stCondLst>
+                                  <p:childTnLst>
+                                    <p:set>
+                                      <p:cBhvr>
+                                        <p:cTn id="42" dur="1" fill="hold">
+                                          <p:stCondLst>
+                                            <p:cond delay="0"/>
+                                          </p:stCondLst>
+                                        </p:cTn>
+                                        <p:tgtEl>
+                                          <p:spTgt spid="29"/>
+                                        </p:tgtEl>
+                                        <p:attrNameLst>
+                                          <p:attrName>style.visibility</p:attrName>
+                                        </p:attrNameLst>
+                                      </p:cBhvr>
+                                      <p:to>
+                                        <p:strVal val="visible"/>
+                                      </p:to>
+                                    </p:set>
+                                  </p:childTnLst>
+                                </p:cTn>
+                              </p:par>
+                            </p:childTnLst>
+                          </p:cTn>
+                        </p:par>
+                      </p:childTnLst>
+                    </p:cTn>
+                  </p:par>
+                  <p:par>
+                    <p:cTn id="43" fill="hold">
+                      <p:stCondLst>
+                        <p:cond delay="indefinite"/>
+                      </p:stCondLst>
+                      <p:childTnLst>
+                        <p:par>
+                          <p:cTn id="44" fill="hold">
+                            <p:stCondLst>
+                              <p:cond delay="0"/>
+                            </p:stCondLst>
+                            <p:childTnLst>
+                              <p:par>
+                                <p:cTn id="45" presetID="1" presetClass="entr" presetSubtype="0" fill="hold" grpId="0" nodeType="clickEffect">
+                                  <p:stCondLst>
+                                    <p:cond delay="0"/>
+                                  </p:stCondLst>
+                                  <p:childTnLst>
+                                    <p:set>
+                                      <p:cBhvr>
+                                        <p:cTn id="46" dur="1" fill="hold">
+                                          <p:stCondLst>
+                                            <p:cond delay="0"/>
+                                          </p:stCondLst>
+                                        </p:cTn>
+                                        <p:tgtEl>
+                                          <p:spTgt spid="27"/>
+                                        </p:tgtEl>
+                                        <p:attrNameLst>
+                                          <p:attrName>style.visibility</p:attrName>
+                                        </p:attrNameLst>
+                                      </p:cBhvr>
+                                      <p:to>
+                                        <p:strVal val="visible"/>
+                                      </p:to>
+                                    </p:set>
+                                  </p:childTnLst>
+                                </p:cTn>
+                              </p:par>
+                            </p:childTnLst>
+                          </p:cTn>
+                        </p:par>
+                      </p:childTnLst>
+                    </p:cTn>
+                  </p:par>
+                  <p:par>
+                    <p:cTn id="47" fill="hold">
+                      <p:stCondLst>
+                        <p:cond delay="indefinite"/>
+                      </p:stCondLst>
+                      <p:childTnLst>
+                        <p:par>
+                          <p:cTn id="48" fill="hold">
+                            <p:stCondLst>
+                              <p:cond delay="0"/>
+                            </p:stCondLst>
+                            <p:childTnLst>
+                              <p:par>
+                                <p:cTn id="49" presetID="1" presetClass="entr" presetSubtype="0" fill="hold" nodeType="clickEffect">
+                                  <p:stCondLst>
+                                    <p:cond delay="0"/>
+                                  </p:stCondLst>
+                                  <p:childTnLst>
+                                    <p:set>
+                                      <p:cBhvr>
+                                        <p:cTn id="50" dur="1" fill="hold">
+                                          <p:stCondLst>
+                                            <p:cond delay="0"/>
+                                          </p:stCondLst>
+                                        </p:cTn>
+                                        <p:tgtEl>
+                                          <p:spTgt spid="30"/>
+                                        </p:tgtEl>
+                                        <p:attrNameLst>
+                                          <p:attrName>style.visibility</p:attrName>
+                                        </p:attrNameLst>
+                                      </p:cBhvr>
+                                      <p:to>
+                                        <p:strVal val="visible"/>
+                                      </p:to>
+                                    </p:set>
+                                  </p:childTnLst>
+                                </p:cTn>
+                              </p:par>
+                            </p:childTnLst>
+                          </p:cTn>
+                        </p:par>
+                      </p:childTnLst>
+                    </p:cTn>
+                  </p:par>
+                  <p:par>
+                    <p:cTn id="51" fill="hold">
+                      <p:stCondLst>
+                        <p:cond delay="indefinite"/>
+                      </p:stCondLst>
+                      <p:childTnLst>
+                        <p:par>
+                          <p:cTn id="52" fill="hold">
+                            <p:stCondLst>
+                              <p:cond delay="0"/>
+                            </p:stCondLst>
+                            <p:childTnLst>
+                              <p:par>
+                                <p:cTn id="53" presetID="1" presetClass="entr" presetSubtype="0" fill="hold" grpId="0" nodeType="clickEffect">
+                                  <p:stCondLst>
+                                    <p:cond delay="0"/>
+                                  </p:stCondLst>
+                                  <p:childTnLst>
+                                    <p:set>
+                                      <p:cBhvr>
+                                        <p:cTn id="54" dur="1" fill="hold">
+                                          <p:stCondLst>
+                                            <p:cond delay="0"/>
+                                          </p:stCondLst>
+                                        </p:cTn>
+                                        <p:tgtEl>
+                                          <p:spTgt spid="28"/>
+                                        </p:tgtEl>
+                                        <p:attrNameLst>
+                                          <p:attrName>style.visibility</p:attrName>
+                                        </p:attrNameLst>
+                                      </p:cBhvr>
+                                      <p:to>
+                                        <p:strVal val="visible"/>
+                                      </p:to>
+                                    </p:set>
+                                  </p:childTnLst>
+                                </p:cTn>
+                              </p:par>
+                            </p:childTnLst>
+                          </p:cTn>
+                        </p:par>
+                      </p:childTnLst>
+                    </p:cTn>
+                  </p:par>
+                  <p:par>
+                    <p:cTn id="55" fill="hold">
+                      <p:stCondLst>
+                        <p:cond delay="indefinite"/>
+                      </p:stCondLst>
+                      <p:childTnLst>
+                        <p:par>
+                          <p:cTn id="56" fill="hold">
+                            <p:stCondLst>
+                              <p:cond delay="0"/>
+                            </p:stCondLst>
+                            <p:childTnLst>
+                              <p:par>
+                                <p:cTn id="57" presetID="1" presetClass="entr" presetSubtype="0" fill="hold" nodeType="clickEffect">
+                                  <p:stCondLst>
+                                    <p:cond delay="0"/>
+                                  </p:stCondLst>
+                                  <p:childTnLst>
+                                    <p:set>
+                                      <p:cBhvr>
+                                        <p:cTn id="58" dur="1" fill="hold">
+                                          <p:stCondLst>
+                                            <p:cond delay="0"/>
+                                          </p:stCondLst>
+                                        </p:cTn>
+                                        <p:tgtEl>
+                                          <p:spTgt spid="32"/>
+                                        </p:tgtEl>
+                                        <p:attrNameLst>
+                                          <p:attrName>style.visibility</p:attrName>
+                                        </p:attrNameLst>
+                                      </p:cBhvr>
+                                      <p:to>
+                                        <p:strVal val="visible"/>
+                                      </p:to>
+                                    </p:set>
+                                  </p:childTnLst>
+                                </p:cTn>
+                              </p:par>
+                            </p:childTnLst>
+                          </p:cTn>
+                        </p:par>
+                      </p:childTnLst>
+                    </p:cTn>
+                  </p:par>
+                  <p:par>
+                    <p:cTn id="59" fill="hold">
+                      <p:stCondLst>
+                        <p:cond delay="indefinite"/>
+                      </p:stCondLst>
+                      <p:childTnLst>
+                        <p:par>
+                          <p:cTn id="60" fill="hold">
+                            <p:stCondLst>
+                              <p:cond delay="0"/>
+                            </p:stCondLst>
+                            <p:childTnLst>
+                              <p:par>
+                                <p:cTn id="61" presetID="1" presetClass="entr" presetSubtype="0" fill="hold" grpId="0" nodeType="clickEffect">
+                                  <p:stCondLst>
+                                    <p:cond delay="0"/>
+                                  </p:stCondLst>
+                                  <p:childTnLst>
+                                    <p:set>
+                                      <p:cBhvr>
+                                        <p:cTn id="62" dur="1" fill="hold">
+                                          <p:stCondLst>
+                                            <p:cond delay="0"/>
+                                          </p:stCondLst>
+                                        </p:cTn>
+                                        <p:tgtEl>
+                                          <p:spTgt spid="31"/>
+                                        </p:tgtEl>
+                                        <p:attrNameLst>
+                                          <p:attrName>style.visibility</p:attrName>
+                                        </p:attrNameLst>
+                                      </p:cBhvr>
+                                      <p:to>
+                                        <p:strVal val="visible"/>
+                                      </p:to>
+                                    </p:set>
+                                  </p:childTnLst>
+                                </p:cTn>
+                              </p:par>
+                            </p:childTnLst>
+                          </p:cTn>
+                        </p:par>
+                      </p:childTnLst>
+                    </p:cTn>
+                  </p:par>
+                  <p:par>
+                    <p:cTn id="63" fill="hold">
+                      <p:stCondLst>
+                        <p:cond delay="indefinite"/>
+                      </p:stCondLst>
+                      <p:childTnLst>
+                        <p:par>
+                          <p:cTn id="64" fill="hold">
+                            <p:stCondLst>
+                              <p:cond delay="0"/>
+                            </p:stCondLst>
+                            <p:childTnLst>
+                              <p:par>
+                                <p:cTn id="65" presetID="1" presetClass="entr" presetSubtype="0" fill="hold" grpId="0" nodeType="clickEffect">
+                                  <p:stCondLst>
+                                    <p:cond delay="0"/>
+                                  </p:stCondLst>
+                                  <p:childTnLst>
+                                    <p:set>
+                                      <p:cBhvr>
+                                        <p:cTn id="66" dur="1" fill="hold">
+                                          <p:stCondLst>
+                                            <p:cond delay="0"/>
+                                          </p:stCondLst>
+                                        </p:cTn>
+                                        <p:tgtEl>
+                                          <p:spTgt spid="35"/>
+                                        </p:tgtEl>
+                                        <p:attrNameLst>
+                                          <p:attrName>style.visibility</p:attrName>
+                                        </p:attrNameLst>
+                                      </p:cBhvr>
+                                      <p:to>
+                                        <p:strVal val="visible"/>
+                                      </p:to>
+                                    </p:set>
+                                  </p:childTnLst>
+                                </p:cTn>
+                              </p:par>
+                            </p:childTnLst>
+                          </p:cTn>
+                        </p:par>
+                      </p:childTnLst>
+                    </p:cTn>
+                  </p:par>
+                </p:childTnLst>
+              </p:cTn>
+              <p:prevCondLst>
+                <p:cond evt="onPrev" delay="0">
+                  <p:tgtEl>
+                    <p:sldTgt/>
+                  </p:tgtEl>
+                </p:cond>
+              </p:prevCondLst>
+              <p:nextCondLst>
+                <p:cond evt="onNext" delay="0">
+                  <p:tgtEl>
+                    <p:sldTgt/>
+                  </p:tgtEl>
+                </p:cond>
+              </p:nextCondLst>
+            </p:seq>
+          </p:childTnLst>
+        </p:cTn>
+      </p:par>
+    </p:tnLst>
+    <p:bldLst>
+      <p:bldP spid="35" grpId="0" animBg="1"/>
+      <p:bldP spid="5" grpId="0" animBg="1"/>
+      <p:bldP spid="6" grpId="0" animBg="1"/>
+      <p:bldP spid="7" grpId="0" animBg="1"/>
+      <p:bldP spid="22" grpId="0" animBg="1"/>
+      <p:bldP spid="26" grpId="0" animBg="1"/>
+      <p:bldP spid="27" grpId="0" animBg="1"/>
+      <p:bldP spid="28" grpId="0" animBg="1"/>
+      <p:bldP spid="31" grpId="0" animBg="1"/>
+    </p:bldLst>
+  </p:timing>
+</p:sld>
+</file>
+
+<file path=ppt/slides/slide7.xml><?xml version="1.0" encoding="utf-8"?>
 <p:sld xmlns:a="http://schemas.openxmlformats.org/drawingml/2006/main" xmlns:r="http://schemas.openxmlformats.org/officeDocument/2006/relationships" xmlns:p="http://schemas.openxmlformats.org/presentationml/2006/main">
   <p:cSld>
     <p:spTree>
@@ -8631,7 +12905,7 @@
           <a:p>
             <a:fld id="{BE1F6BF0-3C6A-4A47-A592-211A5094F777}" type="slidenum">
               <a:rPr lang="en-US" smtClean="0"/>
-              <a:t>5</a:t>
+              <a:t>7</a:t>
             </a:fld>
             <a:endParaRPr lang="en-US"/>
           </a:p>
@@ -8690,7 +12964,7 @@
         <p:spPr>
           <a:xfrm>
             <a:off x="2178652" y="4328970"/>
-            <a:ext cx="3404568" cy="2329576"/>
+            <a:ext cx="3404568" cy="2272526"/>
           </a:xfrm>
           <a:prstGeom prst="rect">
             <a:avLst/>
@@ -8699,10 +12973,10 @@
       </p:pic>
       <p:pic>
         <p:nvPicPr>
-          <p:cNvPr id="22" name="Picture 21">
+          <p:cNvPr id="4" name="Picture 3">
             <a:extLst>
               <a:ext uri="{FF2B5EF4-FFF2-40B4-BE49-F238E27FC236}">
-                <a16:creationId xmlns:a16="http://schemas.microsoft.com/office/drawing/2014/main" id="{8C7CD3B0-0BAF-030D-D8F1-C988562F73E7}"/>
+                <a16:creationId xmlns:a16="http://schemas.microsoft.com/office/drawing/2014/main" id="{C2C1E0D2-4F1C-E8C2-4995-0D06A2F24A7F}"/>
               </a:ext>
             </a:extLst>
           </p:cNvPr>
@@ -8719,8 +12993,8 @@
         </p:blipFill>
         <p:spPr>
           <a:xfrm>
-            <a:off x="5919217" y="1787014"/>
-            <a:ext cx="4083483" cy="2272526"/>
+            <a:off x="5899485" y="1787014"/>
+            <a:ext cx="4103214" cy="2272526"/>
           </a:xfrm>
           <a:prstGeom prst="rect">
             <a:avLst/>
@@ -8729,10 +13003,10 @@
       </p:pic>
       <p:pic>
         <p:nvPicPr>
-          <p:cNvPr id="24" name="Picture 23">
+          <p:cNvPr id="7" name="Picture 6">
             <a:extLst>
               <a:ext uri="{FF2B5EF4-FFF2-40B4-BE49-F238E27FC236}">
-                <a16:creationId xmlns:a16="http://schemas.microsoft.com/office/drawing/2014/main" id="{65A1CABF-5049-05CF-0247-DA9948651716}"/>
+                <a16:creationId xmlns:a16="http://schemas.microsoft.com/office/drawing/2014/main" id="{584057A1-D141-E8D8-C1BC-D81ED18265E8}"/>
               </a:ext>
             </a:extLst>
           </p:cNvPr>
@@ -8749,8 +13023,8 @@
         </p:blipFill>
         <p:spPr>
           <a:xfrm>
-            <a:off x="5919216" y="4328970"/>
-            <a:ext cx="4083483" cy="2329576"/>
+            <a:off x="5899485" y="4328970"/>
+            <a:ext cx="4103214" cy="2272526"/>
           </a:xfrm>
           <a:prstGeom prst="rect">
             <a:avLst/>
@@ -8891,7 +13165,7 @@
                                           </p:stCondLst>
                                         </p:cTn>
                                         <p:tgtEl>
-                                          <p:spTgt spid="22"/>
+                                          <p:spTgt spid="4"/>
                                         </p:tgtEl>
                                         <p:attrNameLst>
                                           <p:attrName>style.visibility</p:attrName>
@@ -8936,7 +13210,7 @@
                                           </p:stCondLst>
                                         </p:cTn>
                                         <p:tgtEl>
-                                          <p:spTgt spid="24"/>
+                                          <p:spTgt spid="7"/>
                                         </p:tgtEl>
                                         <p:attrNameLst>
                                           <p:attrName>style.visibility</p:attrName>
@@ -8980,7 +13254,7 @@
 </p:sld>
 </file>
 
-<file path=ppt/slides/slide6.xml><?xml version="1.0" encoding="utf-8"?>
+<file path=ppt/slides/slide8.xml><?xml version="1.0" encoding="utf-8"?>
 <p:sld xmlns:a="http://schemas.openxmlformats.org/drawingml/2006/main" xmlns:r="http://schemas.openxmlformats.org/officeDocument/2006/relationships" xmlns:p="http://schemas.openxmlformats.org/presentationml/2006/main">
   <p:cSld>
     <p:spTree>
@@ -9051,7 +13325,7 @@
           <a:p>
             <a:fld id="{BE1F6BF0-3C6A-4A47-A592-211A5094F777}" type="slidenum">
               <a:rPr lang="en-US" smtClean="0"/>
-              <a:t>6</a:t>
+              <a:t>8</a:t>
             </a:fld>
             <a:endParaRPr lang="en-US"/>
           </a:p>
@@ -9094,10 +13368,10 @@
       </p:pic>
       <p:pic>
         <p:nvPicPr>
-          <p:cNvPr id="7" name="Picture 6" descr="A graph of different colored lines&#10;&#10;Description automatically generated">
+          <p:cNvPr id="5" name="Picture 4">
             <a:extLst>
               <a:ext uri="{FF2B5EF4-FFF2-40B4-BE49-F238E27FC236}">
-                <a16:creationId xmlns:a16="http://schemas.microsoft.com/office/drawing/2014/main" id="{D611F624-3F39-9762-FAAD-BFC8CAEF710D}"/>
+                <a16:creationId xmlns:a16="http://schemas.microsoft.com/office/drawing/2014/main" id="{7122133F-2DFF-4968-58AC-21CD8BC84D00}"/>
               </a:ext>
             </a:extLst>
           </p:cNvPr>
@@ -9107,7 +13381,37 @@
           <p:nvPr/>
         </p:nvPicPr>
         <p:blipFill>
-          <a:blip r:embed="rId3">
+          <a:blip r:embed="rId3"/>
+          <a:stretch>
+            <a:fillRect/>
+          </a:stretch>
+        </p:blipFill>
+        <p:spPr>
+          <a:xfrm>
+            <a:off x="7758780" y="1926824"/>
+            <a:ext cx="3510998" cy="1910479"/>
+          </a:xfrm>
+          <a:prstGeom prst="rect">
+            <a:avLst/>
+          </a:prstGeom>
+        </p:spPr>
+      </p:pic>
+      <p:pic>
+        <p:nvPicPr>
+          <p:cNvPr id="19" name="Picture 18" descr="A graph of different colored lines&#10;&#10;Description automatically generated">
+            <a:extLst>
+              <a:ext uri="{FF2B5EF4-FFF2-40B4-BE49-F238E27FC236}">
+                <a16:creationId xmlns:a16="http://schemas.microsoft.com/office/drawing/2014/main" id="{BD7BFCF7-EADC-FDD3-820F-57178AFBC596}"/>
+              </a:ext>
+            </a:extLst>
+          </p:cNvPr>
+          <p:cNvPicPr>
+            <a:picLocks noChangeAspect="1"/>
+          </p:cNvPicPr>
+          <p:nvPr/>
+        </p:nvPicPr>
+        <p:blipFill>
+          <a:blip r:embed="rId4">
             <a:extLst>
               <a:ext uri="{28A0092B-C50C-407E-A947-70E740481C1C}">
                 <a14:useLocalDpi xmlns:a14="http://schemas.microsoft.com/office/drawing/2010/main" val="0"/>
@@ -9120,50 +13424,320 @@
         </p:blipFill>
         <p:spPr>
           <a:xfrm>
-            <a:off x="492415" y="1641021"/>
-            <a:ext cx="6922564" cy="4845795"/>
+            <a:off x="913795" y="1926824"/>
+            <a:ext cx="6569901" cy="4584235"/>
           </a:xfrm>
           <a:prstGeom prst="rect">
             <a:avLst/>
           </a:prstGeom>
         </p:spPr>
       </p:pic>
-      <p:pic>
-        <p:nvPicPr>
-          <p:cNvPr id="9" name="Picture 8">
+      <p:cxnSp>
+        <p:nvCxnSpPr>
+          <p:cNvPr id="12" name="Straight Connector 11">
             <a:extLst>
               <a:ext uri="{FF2B5EF4-FFF2-40B4-BE49-F238E27FC236}">
-                <a16:creationId xmlns:a16="http://schemas.microsoft.com/office/drawing/2014/main" id="{5FD1797F-43A2-673A-8050-1CBA2553E32D}"/>
+                <a16:creationId xmlns:a16="http://schemas.microsoft.com/office/drawing/2014/main" id="{D56DA87E-A1A4-6BA5-24DF-BC3BE22E1F0C}"/>
               </a:ext>
             </a:extLst>
           </p:cNvPr>
-          <p:cNvPicPr>
-            <a:picLocks noChangeAspect="1"/>
-          </p:cNvPicPr>
+          <p:cNvCxnSpPr>
+            <a:cxnSpLocks/>
+          </p:cNvCxnSpPr>
           <p:nvPr/>
-        </p:nvPicPr>
-        <p:blipFill>
-          <a:blip r:embed="rId4"/>
-          <a:stretch>
-            <a:fillRect/>
-          </a:stretch>
-        </p:blipFill>
+        </p:nvCxnSpPr>
         <p:spPr>
           <a:xfrm>
-            <a:off x="7504626" y="1641021"/>
-            <a:ext cx="4184310" cy="2276856"/>
+            <a:off x="1975681" y="2592904"/>
+            <a:ext cx="0" cy="1248714"/>
           </a:xfrm>
-          <a:prstGeom prst="rect">
+          <a:prstGeom prst="line">
             <a:avLst/>
           </a:prstGeom>
+          <a:ln w="15875">
+            <a:solidFill>
+              <a:schemeClr val="bg1"/>
+            </a:solidFill>
+            <a:prstDash val="dash"/>
+          </a:ln>
         </p:spPr>
-      </p:pic>
-      <p:sp>
-        <p:nvSpPr>
-          <p:cNvPr id="10" name="TextBox 9">
+        <p:style>
+          <a:lnRef idx="1">
+            <a:schemeClr val="accent1"/>
+          </a:lnRef>
+          <a:fillRef idx="0">
+            <a:schemeClr val="accent1"/>
+          </a:fillRef>
+          <a:effectRef idx="0">
+            <a:schemeClr val="accent1"/>
+          </a:effectRef>
+          <a:fontRef idx="minor">
+            <a:schemeClr val="tx1"/>
+          </a:fontRef>
+        </p:style>
+      </p:cxnSp>
+      <p:sp>
+        <p:nvSpPr>
+          <p:cNvPr id="13" name="Oval 12">
             <a:extLst>
               <a:ext uri="{FF2B5EF4-FFF2-40B4-BE49-F238E27FC236}">
-                <a16:creationId xmlns:a16="http://schemas.microsoft.com/office/drawing/2014/main" id="{9879EB9F-F0FB-8729-008B-34EF944A720B}"/>
+                <a16:creationId xmlns:a16="http://schemas.microsoft.com/office/drawing/2014/main" id="{01C44A94-608C-0BB5-F3AF-9E79ECADF2FA}"/>
+              </a:ext>
+            </a:extLst>
+          </p:cNvPr>
+          <p:cNvSpPr/>
+          <p:nvPr/>
+        </p:nvSpPr>
+        <p:spPr>
+          <a:xfrm>
+            <a:off x="1766167" y="3286680"/>
+            <a:ext cx="393168" cy="350272"/>
+          </a:xfrm>
+          <a:prstGeom prst="ellipse">
+            <a:avLst/>
+          </a:prstGeom>
+          <a:noFill/>
+          <a:ln>
+            <a:solidFill>
+              <a:schemeClr val="bg1"/>
+            </a:solidFill>
+            <a:prstDash val="dash"/>
+          </a:ln>
+        </p:spPr>
+        <p:style>
+          <a:lnRef idx="2">
+            <a:schemeClr val="accent1">
+              <a:shade val="50000"/>
+            </a:schemeClr>
+          </a:lnRef>
+          <a:fillRef idx="1">
+            <a:schemeClr val="accent1"/>
+          </a:fillRef>
+          <a:effectRef idx="0">
+            <a:schemeClr val="accent1"/>
+          </a:effectRef>
+          <a:fontRef idx="minor">
+            <a:schemeClr val="lt1"/>
+          </a:fontRef>
+        </p:style>
+        <p:txBody>
+          <a:bodyPr rtlCol="0" anchor="ctr"/>
+          <a:lstStyle/>
+          <a:p>
+            <a:pPr algn="ctr"/>
+            <a:endParaRPr lang="en-US"/>
+          </a:p>
+        </p:txBody>
+      </p:sp>
+      <p:sp>
+        <p:nvSpPr>
+          <p:cNvPr id="14" name="Oval 13">
+            <a:extLst>
+              <a:ext uri="{FF2B5EF4-FFF2-40B4-BE49-F238E27FC236}">
+                <a16:creationId xmlns:a16="http://schemas.microsoft.com/office/drawing/2014/main" id="{11A81CA2-8F1A-4E35-56E0-58904AD735AD}"/>
+              </a:ext>
+            </a:extLst>
+          </p:cNvPr>
+          <p:cNvSpPr/>
+          <p:nvPr/>
+        </p:nvSpPr>
+        <p:spPr>
+          <a:xfrm>
+            <a:off x="1830111" y="2657017"/>
+            <a:ext cx="1127976" cy="350272"/>
+          </a:xfrm>
+          <a:prstGeom prst="ellipse">
+            <a:avLst/>
+          </a:prstGeom>
+          <a:noFill/>
+          <a:ln>
+            <a:solidFill>
+              <a:schemeClr val="bg1"/>
+            </a:solidFill>
+            <a:prstDash val="dash"/>
+          </a:ln>
+        </p:spPr>
+        <p:style>
+          <a:lnRef idx="2">
+            <a:schemeClr val="accent1">
+              <a:shade val="50000"/>
+            </a:schemeClr>
+          </a:lnRef>
+          <a:fillRef idx="1">
+            <a:schemeClr val="accent1"/>
+          </a:fillRef>
+          <a:effectRef idx="0">
+            <a:schemeClr val="accent1"/>
+          </a:effectRef>
+          <a:fontRef idx="minor">
+            <a:schemeClr val="lt1"/>
+          </a:fontRef>
+        </p:style>
+        <p:txBody>
+          <a:bodyPr rtlCol="0" anchor="ctr"/>
+          <a:lstStyle/>
+          <a:p>
+            <a:pPr algn="ctr"/>
+            <a:endParaRPr lang="en-US" dirty="0"/>
+          </a:p>
+        </p:txBody>
+      </p:sp>
+      <p:cxnSp>
+        <p:nvCxnSpPr>
+          <p:cNvPr id="15" name="Straight Connector 14">
+            <a:extLst>
+              <a:ext uri="{FF2B5EF4-FFF2-40B4-BE49-F238E27FC236}">
+                <a16:creationId xmlns:a16="http://schemas.microsoft.com/office/drawing/2014/main" id="{627EFD3E-FB57-4E5D-EB01-B784F5B30D16}"/>
+              </a:ext>
+            </a:extLst>
+          </p:cNvPr>
+          <p:cNvCxnSpPr>
+            <a:cxnSpLocks/>
+          </p:cNvCxnSpPr>
+          <p:nvPr/>
+        </p:nvCxnSpPr>
+        <p:spPr>
+          <a:xfrm>
+            <a:off x="4042034" y="2578775"/>
+            <a:ext cx="0" cy="1248714"/>
+          </a:xfrm>
+          <a:prstGeom prst="line">
+            <a:avLst/>
+          </a:prstGeom>
+          <a:ln w="15875">
+            <a:solidFill>
+              <a:schemeClr val="bg1"/>
+            </a:solidFill>
+            <a:prstDash val="dash"/>
+          </a:ln>
+        </p:spPr>
+        <p:style>
+          <a:lnRef idx="1">
+            <a:schemeClr val="accent1"/>
+          </a:lnRef>
+          <a:fillRef idx="0">
+            <a:schemeClr val="accent1"/>
+          </a:fillRef>
+          <a:effectRef idx="0">
+            <a:schemeClr val="accent1"/>
+          </a:effectRef>
+          <a:fontRef idx="minor">
+            <a:schemeClr val="tx1"/>
+          </a:fontRef>
+        </p:style>
+      </p:cxnSp>
+      <p:sp>
+        <p:nvSpPr>
+          <p:cNvPr id="16" name="Oval 15">
+            <a:extLst>
+              <a:ext uri="{FF2B5EF4-FFF2-40B4-BE49-F238E27FC236}">
+                <a16:creationId xmlns:a16="http://schemas.microsoft.com/office/drawing/2014/main" id="{8378116F-250A-F37F-3802-9510FA672FB8}"/>
+              </a:ext>
+            </a:extLst>
+          </p:cNvPr>
+          <p:cNvSpPr/>
+          <p:nvPr/>
+        </p:nvSpPr>
+        <p:spPr>
+          <a:xfrm flipH="1">
+            <a:off x="3814010" y="3286680"/>
+            <a:ext cx="437265" cy="350272"/>
+          </a:xfrm>
+          <a:prstGeom prst="ellipse">
+            <a:avLst/>
+          </a:prstGeom>
+          <a:noFill/>
+          <a:ln>
+            <a:solidFill>
+              <a:schemeClr val="bg1"/>
+            </a:solidFill>
+            <a:prstDash val="dash"/>
+          </a:ln>
+        </p:spPr>
+        <p:style>
+          <a:lnRef idx="2">
+            <a:schemeClr val="accent1">
+              <a:shade val="50000"/>
+            </a:schemeClr>
+          </a:lnRef>
+          <a:fillRef idx="1">
+            <a:schemeClr val="accent1"/>
+          </a:fillRef>
+          <a:effectRef idx="0">
+            <a:schemeClr val="accent1"/>
+          </a:effectRef>
+          <a:fontRef idx="minor">
+            <a:schemeClr val="lt1"/>
+          </a:fontRef>
+        </p:style>
+        <p:txBody>
+          <a:bodyPr rtlCol="0" anchor="ctr"/>
+          <a:lstStyle/>
+          <a:p>
+            <a:pPr algn="ctr"/>
+            <a:endParaRPr lang="en-US"/>
+          </a:p>
+        </p:txBody>
+      </p:sp>
+      <p:sp>
+        <p:nvSpPr>
+          <p:cNvPr id="17" name="Oval 16">
+            <a:extLst>
+              <a:ext uri="{FF2B5EF4-FFF2-40B4-BE49-F238E27FC236}">
+                <a16:creationId xmlns:a16="http://schemas.microsoft.com/office/drawing/2014/main" id="{AF6A2DBF-1E27-F9C4-19D4-6607094F9C29}"/>
+              </a:ext>
+            </a:extLst>
+          </p:cNvPr>
+          <p:cNvSpPr/>
+          <p:nvPr/>
+        </p:nvSpPr>
+        <p:spPr>
+          <a:xfrm>
+            <a:off x="3814010" y="2592904"/>
+            <a:ext cx="1685787" cy="513808"/>
+          </a:xfrm>
+          <a:prstGeom prst="ellipse">
+            <a:avLst/>
+          </a:prstGeom>
+          <a:noFill/>
+          <a:ln>
+            <a:solidFill>
+              <a:schemeClr val="bg1"/>
+            </a:solidFill>
+            <a:prstDash val="dash"/>
+          </a:ln>
+        </p:spPr>
+        <p:style>
+          <a:lnRef idx="2">
+            <a:schemeClr val="accent1">
+              <a:shade val="50000"/>
+            </a:schemeClr>
+          </a:lnRef>
+          <a:fillRef idx="1">
+            <a:schemeClr val="accent1"/>
+          </a:fillRef>
+          <a:effectRef idx="0">
+            <a:schemeClr val="accent1"/>
+          </a:effectRef>
+          <a:fontRef idx="minor">
+            <a:schemeClr val="lt1"/>
+          </a:fontRef>
+        </p:style>
+        <p:txBody>
+          <a:bodyPr rtlCol="0" anchor="ctr"/>
+          <a:lstStyle/>
+          <a:p>
+            <a:pPr algn="ctr"/>
+            <a:endParaRPr lang="en-US"/>
+          </a:p>
+        </p:txBody>
+      </p:sp>
+      <p:sp>
+        <p:nvSpPr>
+          <p:cNvPr id="20" name="TextBox 19">
+            <a:extLst>
+              <a:ext uri="{FF2B5EF4-FFF2-40B4-BE49-F238E27FC236}">
+                <a16:creationId xmlns:a16="http://schemas.microsoft.com/office/drawing/2014/main" id="{F21BDC1B-16E1-1C22-DDFF-0D9B9474AC27}"/>
               </a:ext>
             </a:extLst>
           </p:cNvPr>
@@ -9172,8 +13746,8 @@
         </p:nvSpPr>
         <p:spPr>
           <a:xfrm>
-            <a:off x="5656111" y="3862481"/>
-            <a:ext cx="1683458" cy="938719"/>
+            <a:off x="5884534" y="3817677"/>
+            <a:ext cx="1512804" cy="2354491"/>
           </a:xfrm>
           <a:prstGeom prst="rect">
             <a:avLst/>
@@ -9192,29 +13766,897 @@
           <a:lstStyle/>
           <a:p>
             <a:r>
-              <a:rPr lang="es-CL" sz="1100" b="1" dirty="0">
+              <a:rPr lang="es-CL" sz="1050" b="1" dirty="0">
                 <a:solidFill>
                   <a:schemeClr val="bg1"/>
                 </a:solidFill>
               </a:rPr>
-              <a:t>Escenario estable con buena recomendación: </a:t>
-            </a:r>
-            <a:r>
-              <a:rPr lang="es-CL" sz="1100" dirty="0">
+              <a:t>Escenario inestable con buena recomendación: </a:t>
+            </a:r>
+            <a:r>
+              <a:rPr lang="es-CL" sz="1050" dirty="0">
                 <a:solidFill>
                   <a:schemeClr val="bg1"/>
                 </a:solidFill>
               </a:rPr>
-              <a:t>Recomendación esta en torno a la decisión real que tomo la operación.</a:t>
-            </a:r>
-            <a:endParaRPr lang="en-US" sz="1100" dirty="0"/>
+              <a:t>TPH cae debido a que su celda de carga</a:t>
+            </a:r>
+            <a:r>
+              <a:rPr lang="es-CL" sz="1050" b="1" dirty="0">
+                <a:solidFill>
+                  <a:schemeClr val="bg1"/>
+                </a:solidFill>
+              </a:rPr>
+              <a:t> </a:t>
+            </a:r>
+            <a:r>
+              <a:rPr lang="es-CL" sz="1050" dirty="0">
+                <a:solidFill>
+                  <a:schemeClr val="bg1"/>
+                </a:solidFill>
+              </a:rPr>
+              <a:t>supera su setpoint y en consecuencia sistema de control actúa. La recomendación indica que se le de más espacio al molino para cargar, de este modo sistema de control no hubiese actuado.</a:t>
+            </a:r>
+            <a:endParaRPr lang="en-US" sz="1050" dirty="0"/>
           </a:p>
         </p:txBody>
       </p:sp>
     </p:spTree>
     <p:extLst>
       <p:ext uri="{BB962C8B-B14F-4D97-AF65-F5344CB8AC3E}">
-        <p14:creationId xmlns:p14="http://schemas.microsoft.com/office/powerpoint/2010/main" val="441110854"/>
+        <p14:creationId xmlns:p14="http://schemas.microsoft.com/office/powerpoint/2010/main" val="2768437789"/>
+      </p:ext>
+    </p:extLst>
+  </p:cSld>
+  <p:clrMapOvr>
+    <a:masterClrMapping/>
+  </p:clrMapOvr>
+  <p:timing>
+    <p:tnLst>
+      <p:par>
+        <p:cTn id="1" dur="indefinite" restart="never" nodeType="tmRoot">
+          <p:childTnLst>
+            <p:seq concurrent="1" nextAc="seek">
+              <p:cTn id="2" dur="indefinite" nodeType="mainSeq">
+                <p:childTnLst>
+                  <p:par>
+                    <p:cTn id="3" fill="hold">
+                      <p:stCondLst>
+                        <p:cond delay="indefinite"/>
+                      </p:stCondLst>
+                      <p:childTnLst>
+                        <p:par>
+                          <p:cTn id="4" fill="hold">
+                            <p:stCondLst>
+                              <p:cond delay="0"/>
+                            </p:stCondLst>
+                            <p:childTnLst>
+                              <p:par>
+                                <p:cTn id="5" presetID="1" presetClass="entr" presetSubtype="0" fill="hold" nodeType="clickEffect">
+                                  <p:stCondLst>
+                                    <p:cond delay="0"/>
+                                  </p:stCondLst>
+                                  <p:childTnLst>
+                                    <p:set>
+                                      <p:cBhvr>
+                                        <p:cTn id="6" dur="1" fill="hold">
+                                          <p:stCondLst>
+                                            <p:cond delay="0"/>
+                                          </p:stCondLst>
+                                        </p:cTn>
+                                        <p:tgtEl>
+                                          <p:spTgt spid="19"/>
+                                        </p:tgtEl>
+                                        <p:attrNameLst>
+                                          <p:attrName>style.visibility</p:attrName>
+                                        </p:attrNameLst>
+                                      </p:cBhvr>
+                                      <p:to>
+                                        <p:strVal val="visible"/>
+                                      </p:to>
+                                    </p:set>
+                                  </p:childTnLst>
+                                </p:cTn>
+                              </p:par>
+                            </p:childTnLst>
+                          </p:cTn>
+                        </p:par>
+                      </p:childTnLst>
+                    </p:cTn>
+                  </p:par>
+                  <p:par>
+                    <p:cTn id="7" fill="hold">
+                      <p:stCondLst>
+                        <p:cond delay="indefinite"/>
+                      </p:stCondLst>
+                      <p:childTnLst>
+                        <p:par>
+                          <p:cTn id="8" fill="hold">
+                            <p:stCondLst>
+                              <p:cond delay="0"/>
+                            </p:stCondLst>
+                            <p:childTnLst>
+                              <p:par>
+                                <p:cTn id="9" presetID="1" presetClass="entr" presetSubtype="0" fill="hold" nodeType="clickEffect">
+                                  <p:stCondLst>
+                                    <p:cond delay="0"/>
+                                  </p:stCondLst>
+                                  <p:childTnLst>
+                                    <p:set>
+                                      <p:cBhvr>
+                                        <p:cTn id="10" dur="1" fill="hold">
+                                          <p:stCondLst>
+                                            <p:cond delay="0"/>
+                                          </p:stCondLst>
+                                        </p:cTn>
+                                        <p:tgtEl>
+                                          <p:spTgt spid="5"/>
+                                        </p:tgtEl>
+                                        <p:attrNameLst>
+                                          <p:attrName>style.visibility</p:attrName>
+                                        </p:attrNameLst>
+                                      </p:cBhvr>
+                                      <p:to>
+                                        <p:strVal val="visible"/>
+                                      </p:to>
+                                    </p:set>
+                                  </p:childTnLst>
+                                </p:cTn>
+                              </p:par>
+                            </p:childTnLst>
+                          </p:cTn>
+                        </p:par>
+                      </p:childTnLst>
+                    </p:cTn>
+                  </p:par>
+                  <p:par>
+                    <p:cTn id="11" fill="hold">
+                      <p:stCondLst>
+                        <p:cond delay="indefinite"/>
+                      </p:stCondLst>
+                      <p:childTnLst>
+                        <p:par>
+                          <p:cTn id="12" fill="hold">
+                            <p:stCondLst>
+                              <p:cond delay="0"/>
+                            </p:stCondLst>
+                            <p:childTnLst>
+                              <p:par>
+                                <p:cTn id="13" presetID="1" presetClass="entr" presetSubtype="0" fill="hold" grpId="0" nodeType="clickEffect">
+                                  <p:stCondLst>
+                                    <p:cond delay="0"/>
+                                  </p:stCondLst>
+                                  <p:childTnLst>
+                                    <p:set>
+                                      <p:cBhvr>
+                                        <p:cTn id="14" dur="1" fill="hold">
+                                          <p:stCondLst>
+                                            <p:cond delay="0"/>
+                                          </p:stCondLst>
+                                        </p:cTn>
+                                        <p:tgtEl>
+                                          <p:spTgt spid="20"/>
+                                        </p:tgtEl>
+                                        <p:attrNameLst>
+                                          <p:attrName>style.visibility</p:attrName>
+                                        </p:attrNameLst>
+                                      </p:cBhvr>
+                                      <p:to>
+                                        <p:strVal val="visible"/>
+                                      </p:to>
+                                    </p:set>
+                                  </p:childTnLst>
+                                </p:cTn>
+                              </p:par>
+                            </p:childTnLst>
+                          </p:cTn>
+                        </p:par>
+                      </p:childTnLst>
+                    </p:cTn>
+                  </p:par>
+                  <p:par>
+                    <p:cTn id="15" fill="hold">
+                      <p:stCondLst>
+                        <p:cond delay="indefinite"/>
+                      </p:stCondLst>
+                      <p:childTnLst>
+                        <p:par>
+                          <p:cTn id="16" fill="hold">
+                            <p:stCondLst>
+                              <p:cond delay="0"/>
+                            </p:stCondLst>
+                            <p:childTnLst>
+                              <p:par>
+                                <p:cTn id="17" presetID="1" presetClass="entr" presetSubtype="0" fill="hold" nodeType="clickEffect">
+                                  <p:stCondLst>
+                                    <p:cond delay="0"/>
+                                  </p:stCondLst>
+                                  <p:childTnLst>
+                                    <p:set>
+                                      <p:cBhvr>
+                                        <p:cTn id="18" dur="1" fill="hold">
+                                          <p:stCondLst>
+                                            <p:cond delay="0"/>
+                                          </p:stCondLst>
+                                        </p:cTn>
+                                        <p:tgtEl>
+                                          <p:spTgt spid="12"/>
+                                        </p:tgtEl>
+                                        <p:attrNameLst>
+                                          <p:attrName>style.visibility</p:attrName>
+                                        </p:attrNameLst>
+                                      </p:cBhvr>
+                                      <p:to>
+                                        <p:strVal val="visible"/>
+                                      </p:to>
+                                    </p:set>
+                                  </p:childTnLst>
+                                </p:cTn>
+                              </p:par>
+                            </p:childTnLst>
+                          </p:cTn>
+                        </p:par>
+                      </p:childTnLst>
+                    </p:cTn>
+                  </p:par>
+                  <p:par>
+                    <p:cTn id="19" fill="hold">
+                      <p:stCondLst>
+                        <p:cond delay="indefinite"/>
+                      </p:stCondLst>
+                      <p:childTnLst>
+                        <p:par>
+                          <p:cTn id="20" fill="hold">
+                            <p:stCondLst>
+                              <p:cond delay="0"/>
+                            </p:stCondLst>
+                            <p:childTnLst>
+                              <p:par>
+                                <p:cTn id="21" presetID="1" presetClass="entr" presetSubtype="0" fill="hold" grpId="0" nodeType="clickEffect">
+                                  <p:stCondLst>
+                                    <p:cond delay="0"/>
+                                  </p:stCondLst>
+                                  <p:childTnLst>
+                                    <p:set>
+                                      <p:cBhvr>
+                                        <p:cTn id="22" dur="1" fill="hold">
+                                          <p:stCondLst>
+                                            <p:cond delay="0"/>
+                                          </p:stCondLst>
+                                        </p:cTn>
+                                        <p:tgtEl>
+                                          <p:spTgt spid="13"/>
+                                        </p:tgtEl>
+                                        <p:attrNameLst>
+                                          <p:attrName>style.visibility</p:attrName>
+                                        </p:attrNameLst>
+                                      </p:cBhvr>
+                                      <p:to>
+                                        <p:strVal val="visible"/>
+                                      </p:to>
+                                    </p:set>
+                                  </p:childTnLst>
+                                </p:cTn>
+                              </p:par>
+                            </p:childTnLst>
+                          </p:cTn>
+                        </p:par>
+                      </p:childTnLst>
+                    </p:cTn>
+                  </p:par>
+                  <p:par>
+                    <p:cTn id="23" fill="hold">
+                      <p:stCondLst>
+                        <p:cond delay="indefinite"/>
+                      </p:stCondLst>
+                      <p:childTnLst>
+                        <p:par>
+                          <p:cTn id="24" fill="hold">
+                            <p:stCondLst>
+                              <p:cond delay="0"/>
+                            </p:stCondLst>
+                            <p:childTnLst>
+                              <p:par>
+                                <p:cTn id="25" presetID="1" presetClass="entr" presetSubtype="0" fill="hold" grpId="0" nodeType="clickEffect">
+                                  <p:stCondLst>
+                                    <p:cond delay="0"/>
+                                  </p:stCondLst>
+                                  <p:childTnLst>
+                                    <p:set>
+                                      <p:cBhvr>
+                                        <p:cTn id="26" dur="1" fill="hold">
+                                          <p:stCondLst>
+                                            <p:cond delay="0"/>
+                                          </p:stCondLst>
+                                        </p:cTn>
+                                        <p:tgtEl>
+                                          <p:spTgt spid="14"/>
+                                        </p:tgtEl>
+                                        <p:attrNameLst>
+                                          <p:attrName>style.visibility</p:attrName>
+                                        </p:attrNameLst>
+                                      </p:cBhvr>
+                                      <p:to>
+                                        <p:strVal val="visible"/>
+                                      </p:to>
+                                    </p:set>
+                                  </p:childTnLst>
+                                </p:cTn>
+                              </p:par>
+                            </p:childTnLst>
+                          </p:cTn>
+                        </p:par>
+                      </p:childTnLst>
+                    </p:cTn>
+                  </p:par>
+                  <p:par>
+                    <p:cTn id="27" fill="hold">
+                      <p:stCondLst>
+                        <p:cond delay="indefinite"/>
+                      </p:stCondLst>
+                      <p:childTnLst>
+                        <p:par>
+                          <p:cTn id="28" fill="hold">
+                            <p:stCondLst>
+                              <p:cond delay="0"/>
+                            </p:stCondLst>
+                            <p:childTnLst>
+                              <p:par>
+                                <p:cTn id="29" presetID="1" presetClass="entr" presetSubtype="0" fill="hold" nodeType="clickEffect">
+                                  <p:stCondLst>
+                                    <p:cond delay="0"/>
+                                  </p:stCondLst>
+                                  <p:childTnLst>
+                                    <p:set>
+                                      <p:cBhvr>
+                                        <p:cTn id="30" dur="1" fill="hold">
+                                          <p:stCondLst>
+                                            <p:cond delay="0"/>
+                                          </p:stCondLst>
+                                        </p:cTn>
+                                        <p:tgtEl>
+                                          <p:spTgt spid="15"/>
+                                        </p:tgtEl>
+                                        <p:attrNameLst>
+                                          <p:attrName>style.visibility</p:attrName>
+                                        </p:attrNameLst>
+                                      </p:cBhvr>
+                                      <p:to>
+                                        <p:strVal val="visible"/>
+                                      </p:to>
+                                    </p:set>
+                                  </p:childTnLst>
+                                </p:cTn>
+                              </p:par>
+                            </p:childTnLst>
+                          </p:cTn>
+                        </p:par>
+                      </p:childTnLst>
+                    </p:cTn>
+                  </p:par>
+                  <p:par>
+                    <p:cTn id="31" fill="hold">
+                      <p:stCondLst>
+                        <p:cond delay="indefinite"/>
+                      </p:stCondLst>
+                      <p:childTnLst>
+                        <p:par>
+                          <p:cTn id="32" fill="hold">
+                            <p:stCondLst>
+                              <p:cond delay="0"/>
+                            </p:stCondLst>
+                            <p:childTnLst>
+                              <p:par>
+                                <p:cTn id="33" presetID="1" presetClass="entr" presetSubtype="0" fill="hold" grpId="0" nodeType="clickEffect">
+                                  <p:stCondLst>
+                                    <p:cond delay="0"/>
+                                  </p:stCondLst>
+                                  <p:childTnLst>
+                                    <p:set>
+                                      <p:cBhvr>
+                                        <p:cTn id="34" dur="1" fill="hold">
+                                          <p:stCondLst>
+                                            <p:cond delay="0"/>
+                                          </p:stCondLst>
+                                        </p:cTn>
+                                        <p:tgtEl>
+                                          <p:spTgt spid="16"/>
+                                        </p:tgtEl>
+                                        <p:attrNameLst>
+                                          <p:attrName>style.visibility</p:attrName>
+                                        </p:attrNameLst>
+                                      </p:cBhvr>
+                                      <p:to>
+                                        <p:strVal val="visible"/>
+                                      </p:to>
+                                    </p:set>
+                                  </p:childTnLst>
+                                </p:cTn>
+                              </p:par>
+                            </p:childTnLst>
+                          </p:cTn>
+                        </p:par>
+                      </p:childTnLst>
+                    </p:cTn>
+                  </p:par>
+                  <p:par>
+                    <p:cTn id="35" fill="hold">
+                      <p:stCondLst>
+                        <p:cond delay="indefinite"/>
+                      </p:stCondLst>
+                      <p:childTnLst>
+                        <p:par>
+                          <p:cTn id="36" fill="hold">
+                            <p:stCondLst>
+                              <p:cond delay="0"/>
+                            </p:stCondLst>
+                            <p:childTnLst>
+                              <p:par>
+                                <p:cTn id="37" presetID="1" presetClass="entr" presetSubtype="0" fill="hold" grpId="0" nodeType="clickEffect">
+                                  <p:stCondLst>
+                                    <p:cond delay="0"/>
+                                  </p:stCondLst>
+                                  <p:childTnLst>
+                                    <p:set>
+                                      <p:cBhvr>
+                                        <p:cTn id="38" dur="1" fill="hold">
+                                          <p:stCondLst>
+                                            <p:cond delay="0"/>
+                                          </p:stCondLst>
+                                        </p:cTn>
+                                        <p:tgtEl>
+                                          <p:spTgt spid="17"/>
+                                        </p:tgtEl>
+                                        <p:attrNameLst>
+                                          <p:attrName>style.visibility</p:attrName>
+                                        </p:attrNameLst>
+                                      </p:cBhvr>
+                                      <p:to>
+                                        <p:strVal val="visible"/>
+                                      </p:to>
+                                    </p:set>
+                                  </p:childTnLst>
+                                </p:cTn>
+                              </p:par>
+                            </p:childTnLst>
+                          </p:cTn>
+                        </p:par>
+                      </p:childTnLst>
+                    </p:cTn>
+                  </p:par>
+                </p:childTnLst>
+              </p:cTn>
+              <p:prevCondLst>
+                <p:cond evt="onPrev" delay="0">
+                  <p:tgtEl>
+                    <p:sldTgt/>
+                  </p:tgtEl>
+                </p:cond>
+              </p:prevCondLst>
+              <p:nextCondLst>
+                <p:cond evt="onNext" delay="0">
+                  <p:tgtEl>
+                    <p:sldTgt/>
+                  </p:tgtEl>
+                </p:cond>
+              </p:nextCondLst>
+            </p:seq>
+          </p:childTnLst>
+        </p:cTn>
+      </p:par>
+    </p:tnLst>
+    <p:bldLst>
+      <p:bldP spid="13" grpId="0" animBg="1"/>
+      <p:bldP spid="14" grpId="0" animBg="1"/>
+      <p:bldP spid="16" grpId="0" animBg="1"/>
+      <p:bldP spid="17" grpId="0" animBg="1"/>
+      <p:bldP spid="20" grpId="0" animBg="1"/>
+    </p:bldLst>
+  </p:timing>
+</p:sld>
+</file>
+
+<file path=ppt/slides/slide9.xml><?xml version="1.0" encoding="utf-8"?>
+<p:sld xmlns:a="http://schemas.openxmlformats.org/drawingml/2006/main" xmlns:r="http://schemas.openxmlformats.org/officeDocument/2006/relationships" xmlns:p="http://schemas.openxmlformats.org/presentationml/2006/main">
+  <p:cSld>
+    <p:spTree>
+      <p:nvGrpSpPr>
+        <p:cNvPr id="1" name=""/>
+        <p:cNvGrpSpPr/>
+        <p:nvPr/>
+      </p:nvGrpSpPr>
+      <p:grpSpPr>
+        <a:xfrm>
+          <a:off x="0" y="0"/>
+          <a:ext cx="0" cy="0"/>
+          <a:chOff x="0" y="0"/>
+          <a:chExt cx="0" cy="0"/>
+        </a:xfrm>
+      </p:grpSpPr>
+      <p:sp>
+        <p:nvSpPr>
+          <p:cNvPr id="2" name="Title 1">
+            <a:extLst>
+              <a:ext uri="{FF2B5EF4-FFF2-40B4-BE49-F238E27FC236}">
+                <a16:creationId xmlns:a16="http://schemas.microsoft.com/office/drawing/2014/main" id="{013F6081-C83A-239E-28BC-8C851836D7BE}"/>
+              </a:ext>
+            </a:extLst>
+          </p:cNvPr>
+          <p:cNvSpPr>
+            <a:spLocks noGrp="1"/>
+          </p:cNvSpPr>
+          <p:nvPr>
+            <p:ph type="title"/>
+          </p:nvPr>
+        </p:nvSpPr>
+        <p:spPr/>
+        <p:txBody>
+          <a:bodyPr>
+            <a:normAutofit fontScale="90000"/>
+          </a:bodyPr>
+          <a:lstStyle/>
+          <a:p>
+            <a:r>
+              <a:rPr lang="es-ES" dirty="0"/>
+              <a:t>“Estabilización de TPH mediante recomendación de su nivel de carga” </a:t>
+            </a:r>
+            <a:endParaRPr lang="en-US" dirty="0"/>
+          </a:p>
+        </p:txBody>
+      </p:sp>
+      <p:sp>
+        <p:nvSpPr>
+          <p:cNvPr id="4" name="Slide Number Placeholder 3">
+            <a:extLst>
+              <a:ext uri="{FF2B5EF4-FFF2-40B4-BE49-F238E27FC236}">
+                <a16:creationId xmlns:a16="http://schemas.microsoft.com/office/drawing/2014/main" id="{9E34ED41-BA2A-A5B3-3114-8B1877DE832A}"/>
+              </a:ext>
+            </a:extLst>
+          </p:cNvPr>
+          <p:cNvSpPr>
+            <a:spLocks noGrp="1"/>
+          </p:cNvSpPr>
+          <p:nvPr>
+            <p:ph type="sldNum" sz="quarter" idx="12"/>
+          </p:nvPr>
+        </p:nvSpPr>
+        <p:spPr/>
+        <p:txBody>
+          <a:bodyPr/>
+          <a:lstStyle/>
+          <a:p>
+            <a:fld id="{BE1F6BF0-3C6A-4A47-A592-211A5094F777}" type="slidenum">
+              <a:rPr lang="en-US" smtClean="0"/>
+              <a:t>9</a:t>
+            </a:fld>
+            <a:endParaRPr lang="en-US"/>
+          </a:p>
+        </p:txBody>
+      </p:sp>
+      <p:pic>
+        <p:nvPicPr>
+          <p:cNvPr id="6" name="Picture 5" descr="A picture containing logo&#10;&#10;Description automatically generated">
+            <a:extLst>
+              <a:ext uri="{FF2B5EF4-FFF2-40B4-BE49-F238E27FC236}">
+                <a16:creationId xmlns:a16="http://schemas.microsoft.com/office/drawing/2014/main" id="{F00D6809-6AB1-81DB-4463-546F967918A1}"/>
+              </a:ext>
+            </a:extLst>
+          </p:cNvPr>
+          <p:cNvPicPr>
+            <a:picLocks noChangeAspect="1"/>
+          </p:cNvPicPr>
+          <p:nvPr/>
+        </p:nvPicPr>
+        <p:blipFill rotWithShape="1">
+          <a:blip r:embed="rId2">
+            <a:extLst>
+              <a:ext uri="{28A0092B-C50C-407E-A947-70E740481C1C}">
+                <a14:useLocalDpi xmlns:a14="http://schemas.microsoft.com/office/drawing/2010/main" val="0"/>
+              </a:ext>
+            </a:extLst>
+          </a:blip>
+          <a:srcRect t="42199"/>
+          <a:stretch/>
+        </p:blipFill>
+        <p:spPr>
+          <a:xfrm>
+            <a:off x="10022430" y="-11"/>
+            <a:ext cx="2169570" cy="548640"/>
+          </a:xfrm>
+          <a:prstGeom prst="rect">
+            <a:avLst/>
+          </a:prstGeom>
+        </p:spPr>
+      </p:pic>
+      <p:pic>
+        <p:nvPicPr>
+          <p:cNvPr id="5" name="Picture 4">
+            <a:extLst>
+              <a:ext uri="{FF2B5EF4-FFF2-40B4-BE49-F238E27FC236}">
+                <a16:creationId xmlns:a16="http://schemas.microsoft.com/office/drawing/2014/main" id="{7122133F-2DFF-4968-58AC-21CD8BC84D00}"/>
+              </a:ext>
+            </a:extLst>
+          </p:cNvPr>
+          <p:cNvPicPr>
+            <a:picLocks noChangeAspect="1"/>
+          </p:cNvPicPr>
+          <p:nvPr/>
+        </p:nvPicPr>
+        <p:blipFill>
+          <a:blip r:embed="rId3"/>
+          <a:stretch>
+            <a:fillRect/>
+          </a:stretch>
+        </p:blipFill>
+        <p:spPr>
+          <a:xfrm>
+            <a:off x="7758780" y="1926824"/>
+            <a:ext cx="3510998" cy="1910479"/>
+          </a:xfrm>
+          <a:prstGeom prst="rect">
+            <a:avLst/>
+          </a:prstGeom>
+        </p:spPr>
+      </p:pic>
+      <p:pic>
+        <p:nvPicPr>
+          <p:cNvPr id="7" name="Picture 6" descr="A graph of different colored lines&#10;&#10;Description automatically generated">
+            <a:extLst>
+              <a:ext uri="{FF2B5EF4-FFF2-40B4-BE49-F238E27FC236}">
+                <a16:creationId xmlns:a16="http://schemas.microsoft.com/office/drawing/2014/main" id="{DFA7CFBD-A91F-3AAA-493F-1FDE1803398F}"/>
+              </a:ext>
+            </a:extLst>
+          </p:cNvPr>
+          <p:cNvPicPr>
+            <a:picLocks noChangeAspect="1"/>
+          </p:cNvPicPr>
+          <p:nvPr/>
+        </p:nvPicPr>
+        <p:blipFill>
+          <a:blip r:embed="rId4">
+            <a:extLst>
+              <a:ext uri="{28A0092B-C50C-407E-A947-70E740481C1C}">
+                <a14:useLocalDpi xmlns:a14="http://schemas.microsoft.com/office/drawing/2010/main" val="0"/>
+              </a:ext>
+            </a:extLst>
+          </a:blip>
+          <a:stretch>
+            <a:fillRect/>
+          </a:stretch>
+        </p:blipFill>
+        <p:spPr>
+          <a:xfrm>
+            <a:off x="922222" y="1926824"/>
+            <a:ext cx="6544491" cy="4581144"/>
+          </a:xfrm>
+          <a:prstGeom prst="rect">
+            <a:avLst/>
+          </a:prstGeom>
+        </p:spPr>
+      </p:pic>
+      <p:sp>
+        <p:nvSpPr>
+          <p:cNvPr id="20" name="TextBox 19">
+            <a:extLst>
+              <a:ext uri="{FF2B5EF4-FFF2-40B4-BE49-F238E27FC236}">
+                <a16:creationId xmlns:a16="http://schemas.microsoft.com/office/drawing/2014/main" id="{F21BDC1B-16E1-1C22-DDFF-0D9B9474AC27}"/>
+              </a:ext>
+            </a:extLst>
+          </p:cNvPr>
+          <p:cNvSpPr txBox="1"/>
+          <p:nvPr/>
+        </p:nvSpPr>
+        <p:spPr>
+          <a:xfrm>
+            <a:off x="5834011" y="3837303"/>
+            <a:ext cx="1512804" cy="2354491"/>
+          </a:xfrm>
+          <a:prstGeom prst="rect">
+            <a:avLst/>
+          </a:prstGeom>
+          <a:noFill/>
+          <a:ln>
+            <a:solidFill>
+              <a:schemeClr val="bg1"/>
+            </a:solidFill>
+          </a:ln>
+        </p:spPr>
+        <p:txBody>
+          <a:bodyPr wrap="square" rtlCol="0">
+            <a:spAutoFit/>
+          </a:bodyPr>
+          <a:lstStyle/>
+          <a:p>
+            <a:r>
+              <a:rPr lang="es-CL" sz="1050" b="1" dirty="0">
+                <a:solidFill>
+                  <a:schemeClr val="bg1"/>
+                </a:solidFill>
+              </a:rPr>
+              <a:t>Escenario inestable con buena recomendación: </a:t>
+            </a:r>
+            <a:r>
+              <a:rPr lang="es-CL" sz="1050" dirty="0">
+                <a:solidFill>
+                  <a:schemeClr val="bg1"/>
+                </a:solidFill>
+              </a:rPr>
+              <a:t>TPH cae debido a que su celda de carga</a:t>
+            </a:r>
+            <a:r>
+              <a:rPr lang="es-CL" sz="1050" b="1" dirty="0">
+                <a:solidFill>
+                  <a:schemeClr val="bg1"/>
+                </a:solidFill>
+              </a:rPr>
+              <a:t> </a:t>
+            </a:r>
+            <a:r>
+              <a:rPr lang="es-CL" sz="1050" dirty="0">
+                <a:solidFill>
+                  <a:schemeClr val="bg1"/>
+                </a:solidFill>
+              </a:rPr>
+              <a:t>supera su setpoint y en consecuencia sistema de control actúa. La recomendación indica que se le de más espacio al molino para cargar, de este modo sistema de control no hubiese actuado.</a:t>
+            </a:r>
+            <a:endParaRPr lang="en-US" sz="1050" dirty="0"/>
+          </a:p>
+        </p:txBody>
+      </p:sp>
+      <p:cxnSp>
+        <p:nvCxnSpPr>
+          <p:cNvPr id="8" name="Straight Connector 7">
+            <a:extLst>
+              <a:ext uri="{FF2B5EF4-FFF2-40B4-BE49-F238E27FC236}">
+                <a16:creationId xmlns:a16="http://schemas.microsoft.com/office/drawing/2014/main" id="{E5ABB035-2B39-A178-55FF-85F15B332AF9}"/>
+              </a:ext>
+            </a:extLst>
+          </p:cNvPr>
+          <p:cNvCxnSpPr>
+            <a:cxnSpLocks/>
+          </p:cNvCxnSpPr>
+          <p:nvPr/>
+        </p:nvCxnSpPr>
+        <p:spPr>
+          <a:xfrm>
+            <a:off x="1984108" y="2592904"/>
+            <a:ext cx="0" cy="1248714"/>
+          </a:xfrm>
+          <a:prstGeom prst="line">
+            <a:avLst/>
+          </a:prstGeom>
+          <a:ln w="15875">
+            <a:solidFill>
+              <a:schemeClr val="bg1"/>
+            </a:solidFill>
+            <a:prstDash val="dash"/>
+          </a:ln>
+        </p:spPr>
+        <p:style>
+          <a:lnRef idx="1">
+            <a:schemeClr val="accent1"/>
+          </a:lnRef>
+          <a:fillRef idx="0">
+            <a:schemeClr val="accent1"/>
+          </a:fillRef>
+          <a:effectRef idx="0">
+            <a:schemeClr val="accent1"/>
+          </a:effectRef>
+          <a:fontRef idx="minor">
+            <a:schemeClr val="tx1"/>
+          </a:fontRef>
+        </p:style>
+      </p:cxnSp>
+      <p:sp>
+        <p:nvSpPr>
+          <p:cNvPr id="9" name="Oval 8">
+            <a:extLst>
+              <a:ext uri="{FF2B5EF4-FFF2-40B4-BE49-F238E27FC236}">
+                <a16:creationId xmlns:a16="http://schemas.microsoft.com/office/drawing/2014/main" id="{CE8AD52A-A6A9-2E14-D7DE-4AD1FA88438F}"/>
+              </a:ext>
+            </a:extLst>
+          </p:cNvPr>
+          <p:cNvSpPr/>
+          <p:nvPr/>
+        </p:nvSpPr>
+        <p:spPr>
+          <a:xfrm>
+            <a:off x="1787524" y="3286680"/>
+            <a:ext cx="393168" cy="350272"/>
+          </a:xfrm>
+          <a:prstGeom prst="ellipse">
+            <a:avLst/>
+          </a:prstGeom>
+          <a:noFill/>
+          <a:ln>
+            <a:solidFill>
+              <a:schemeClr val="bg1"/>
+            </a:solidFill>
+            <a:prstDash val="dash"/>
+          </a:ln>
+        </p:spPr>
+        <p:style>
+          <a:lnRef idx="2">
+            <a:schemeClr val="accent1">
+              <a:shade val="50000"/>
+            </a:schemeClr>
+          </a:lnRef>
+          <a:fillRef idx="1">
+            <a:schemeClr val="accent1"/>
+          </a:fillRef>
+          <a:effectRef idx="0">
+            <a:schemeClr val="accent1"/>
+          </a:effectRef>
+          <a:fontRef idx="minor">
+            <a:schemeClr val="lt1"/>
+          </a:fontRef>
+        </p:style>
+        <p:txBody>
+          <a:bodyPr rtlCol="0" anchor="ctr"/>
+          <a:lstStyle/>
+          <a:p>
+            <a:pPr algn="ctr"/>
+            <a:endParaRPr lang="en-US"/>
+          </a:p>
+        </p:txBody>
+      </p:sp>
+      <p:sp>
+        <p:nvSpPr>
+          <p:cNvPr id="10" name="Oval 9">
+            <a:extLst>
+              <a:ext uri="{FF2B5EF4-FFF2-40B4-BE49-F238E27FC236}">
+                <a16:creationId xmlns:a16="http://schemas.microsoft.com/office/drawing/2014/main" id="{F7CA3F3C-1600-1268-04AB-FE2148732407}"/>
+              </a:ext>
+            </a:extLst>
+          </p:cNvPr>
+          <p:cNvSpPr/>
+          <p:nvPr/>
+        </p:nvSpPr>
+        <p:spPr>
+          <a:xfrm>
+            <a:off x="1904503" y="2595009"/>
+            <a:ext cx="2866424" cy="487006"/>
+          </a:xfrm>
+          <a:prstGeom prst="ellipse">
+            <a:avLst/>
+          </a:prstGeom>
+          <a:noFill/>
+          <a:ln>
+            <a:solidFill>
+              <a:schemeClr val="bg1"/>
+            </a:solidFill>
+            <a:prstDash val="dash"/>
+          </a:ln>
+        </p:spPr>
+        <p:style>
+          <a:lnRef idx="2">
+            <a:schemeClr val="accent1">
+              <a:shade val="50000"/>
+            </a:schemeClr>
+          </a:lnRef>
+          <a:fillRef idx="1">
+            <a:schemeClr val="accent1"/>
+          </a:fillRef>
+          <a:effectRef idx="0">
+            <a:schemeClr val="accent1"/>
+          </a:effectRef>
+          <a:fontRef idx="minor">
+            <a:schemeClr val="lt1"/>
+          </a:fontRef>
+        </p:style>
+        <p:txBody>
+          <a:bodyPr rtlCol="0" anchor="ctr"/>
+          <a:lstStyle/>
+          <a:p>
+            <a:pPr algn="ctr"/>
+            <a:endParaRPr lang="en-US" dirty="0"/>
+          </a:p>
+        </p:txBody>
+      </p:sp>
+    </p:spTree>
+    <p:extLst>
+      <p:ext uri="{BB962C8B-B14F-4D97-AF65-F5344CB8AC3E}">
+        <p14:creationId xmlns:p14="http://schemas.microsoft.com/office/powerpoint/2010/main" val="273205726"/>
       </p:ext>
     </p:extLst>
   </p:cSld>
@@ -9300,7 +14742,7 @@
                                           </p:stCondLst>
                                         </p:cTn>
                                         <p:tgtEl>
-                                          <p:spTgt spid="9"/>
+                                          <p:spTgt spid="5"/>
                                         </p:tgtEl>
                                         <p:attrNameLst>
                                           <p:attrName>style.visibility</p:attrName>
@@ -9340,6 +14782,141 @@
                                     <p:set>
                                       <p:cBhvr>
                                         <p:cTn id="14" dur="1" fill="hold">
+                                          <p:stCondLst>
+                                            <p:cond delay="0"/>
+                                          </p:stCondLst>
+                                        </p:cTn>
+                                        <p:tgtEl>
+                                          <p:spTgt spid="20"/>
+                                        </p:tgtEl>
+                                        <p:attrNameLst>
+                                          <p:attrName>style.visibility</p:attrName>
+                                        </p:attrNameLst>
+                                      </p:cBhvr>
+                                      <p:to>
+                                        <p:strVal val="visible"/>
+                                      </p:to>
+                                    </p:set>
+                                  </p:childTnLst>
+                                </p:cTn>
+                              </p:par>
+                            </p:childTnLst>
+                          </p:cTn>
+                        </p:par>
+                      </p:childTnLst>
+                    </p:cTn>
+                  </p:par>
+                  <p:par>
+                    <p:cTn id="15" fill="hold">
+                      <p:stCondLst>
+                        <p:cond delay="indefinite"/>
+                      </p:stCondLst>
+                      <p:childTnLst>
+                        <p:par>
+                          <p:cTn id="16" fill="hold">
+                            <p:stCondLst>
+                              <p:cond delay="0"/>
+                            </p:stCondLst>
+                            <p:childTnLst>
+                              <p:par>
+                                <p:cTn id="17" presetID="1" presetClass="entr" presetSubtype="0" fill="hold" nodeType="clickEffect">
+                                  <p:stCondLst>
+                                    <p:cond delay="0"/>
+                                  </p:stCondLst>
+                                  <p:childTnLst>
+                                    <p:set>
+                                      <p:cBhvr>
+                                        <p:cTn id="18" dur="1" fill="hold">
+                                          <p:stCondLst>
+                                            <p:cond delay="0"/>
+                                          </p:stCondLst>
+                                        </p:cTn>
+                                        <p:tgtEl>
+                                          <p:spTgt spid="8"/>
+                                        </p:tgtEl>
+                                        <p:attrNameLst>
+                                          <p:attrName>style.visibility</p:attrName>
+                                        </p:attrNameLst>
+                                      </p:cBhvr>
+                                      <p:to>
+                                        <p:strVal val="visible"/>
+                                      </p:to>
+                                    </p:set>
+                                  </p:childTnLst>
+                                </p:cTn>
+                              </p:par>
+                            </p:childTnLst>
+                          </p:cTn>
+                        </p:par>
+                      </p:childTnLst>
+                    </p:cTn>
+                  </p:par>
+                  <p:par>
+                    <p:cTn id="19" fill="hold">
+                      <p:stCondLst>
+                        <p:cond delay="indefinite"/>
+                      </p:stCondLst>
+                      <p:childTnLst>
+                        <p:par>
+                          <p:cTn id="20" fill="hold">
+                            <p:stCondLst>
+                              <p:cond delay="0"/>
+                            </p:stCondLst>
+                            <p:childTnLst>
+                              <p:par>
+                                <p:cTn id="21" presetID="1" presetClass="entr" presetSubtype="0" fill="hold" grpId="0" nodeType="clickEffect">
+                                  <p:stCondLst>
+                                    <p:cond delay="0"/>
+                                  </p:stCondLst>
+                                  <p:childTnLst>
+                                    <p:set>
+                                      <p:cBhvr>
+                                        <p:cTn id="22" dur="1" fill="hold">
+                                          <p:stCondLst>
+                                            <p:cond delay="0"/>
+                                          </p:stCondLst>
+                                        </p:cTn>
+                                        <p:tgtEl>
+                                          <p:spTgt spid="9"/>
+                                        </p:tgtEl>
+                                        <p:attrNameLst>
+                                          <p:attrName>style.visibility</p:attrName>
+                                        </p:attrNameLst>
+                                      </p:cBhvr>
+                                      <p:to>
+                                        <p:strVal val="visible"/>
+                                      </p:to>
+                                    </p:set>
+                                  </p:childTnLst>
+                                </p:cTn>
+                              </p:par>
+                            </p:childTnLst>
+                          </p:cTn>
+                        </p:par>
+                      </p:childTnLst>
+                    </p:cTn>
+                  </p:par>
+                  <p:par>
+                    <p:cTn id="23" fill="hold">
+                      <p:stCondLst>
+                        <p:cond delay="indefinite"/>
+                      </p:stCondLst>
+                      <p:childTnLst>
+                        <p:par>
+                          <p:cTn id="24" fill="hold">
+                            <p:stCondLst>
+                              <p:cond delay="0"/>
+                            </p:stCondLst>
+                            <p:childTnLst>
+                              <p:par>
+                                <p:cTn id="25" presetID="1" presetClass="entr" presetSubtype="0" fill="hold" grpId="0" nodeType="clickEffect">
+                                  <p:stCondLst>
+                                    <p:cond delay="0"/>
+                                  </p:stCondLst>
+                                  <p:childTnLst>
+                                    <p:set>
+                                      <p:cBhvr>
+                                        <p:cTn id="26" dur="1" fill="hold">
                                           <p:stCondLst>
                                             <p:cond delay="0"/>
                                           </p:stCondLst>
@@ -9386,1503 +14963,10 @@
       </p:par>
     </p:tnLst>
     <p:bldLst>
+      <p:bldP spid="20" grpId="0" animBg="1"/>
+      <p:bldP spid="9" grpId="0" animBg="1"/>
       <p:bldP spid="10" grpId="0" animBg="1"/>
     </p:bldLst>
-  </p:timing>
-</p:sld>
-</file>
-
-<file path=ppt/slides/slide7.xml><?xml version="1.0" encoding="utf-8"?>
-<p:sld xmlns:a="http://schemas.openxmlformats.org/drawingml/2006/main" xmlns:r="http://schemas.openxmlformats.org/officeDocument/2006/relationships" xmlns:p="http://schemas.openxmlformats.org/presentationml/2006/main">
-  <p:cSld>
-    <p:spTree>
-      <p:nvGrpSpPr>
-        <p:cNvPr id="1" name=""/>
-        <p:cNvGrpSpPr/>
-        <p:nvPr/>
-      </p:nvGrpSpPr>
-      <p:grpSpPr>
-        <a:xfrm>
-          <a:off x="0" y="0"/>
-          <a:ext cx="0" cy="0"/>
-          <a:chOff x="0" y="0"/>
-          <a:chExt cx="0" cy="0"/>
-        </a:xfrm>
-      </p:grpSpPr>
-      <p:sp>
-        <p:nvSpPr>
-          <p:cNvPr id="2" name="Title 1">
-            <a:extLst>
-              <a:ext uri="{FF2B5EF4-FFF2-40B4-BE49-F238E27FC236}">
-                <a16:creationId xmlns:a16="http://schemas.microsoft.com/office/drawing/2014/main" id="{013F6081-C83A-239E-28BC-8C851836D7BE}"/>
-              </a:ext>
-            </a:extLst>
-          </p:cNvPr>
-          <p:cNvSpPr>
-            <a:spLocks noGrp="1"/>
-          </p:cNvSpPr>
-          <p:nvPr>
-            <p:ph type="title"/>
-          </p:nvPr>
-        </p:nvSpPr>
-        <p:spPr/>
-        <p:txBody>
-          <a:bodyPr>
-            <a:normAutofit fontScale="90000"/>
-          </a:bodyPr>
-          <a:lstStyle/>
-          <a:p>
-            <a:r>
-              <a:rPr lang="es-ES" dirty="0"/>
-              <a:t>“Estabilización de TPH mediante recomendación de su nivel de carga” </a:t>
-            </a:r>
-            <a:endParaRPr lang="en-US" dirty="0"/>
-          </a:p>
-        </p:txBody>
-      </p:sp>
-      <p:sp>
-        <p:nvSpPr>
-          <p:cNvPr id="4" name="Slide Number Placeholder 3">
-            <a:extLst>
-              <a:ext uri="{FF2B5EF4-FFF2-40B4-BE49-F238E27FC236}">
-                <a16:creationId xmlns:a16="http://schemas.microsoft.com/office/drawing/2014/main" id="{9E34ED41-BA2A-A5B3-3114-8B1877DE832A}"/>
-              </a:ext>
-            </a:extLst>
-          </p:cNvPr>
-          <p:cNvSpPr>
-            <a:spLocks noGrp="1"/>
-          </p:cNvSpPr>
-          <p:nvPr>
-            <p:ph type="sldNum" sz="quarter" idx="12"/>
-          </p:nvPr>
-        </p:nvSpPr>
-        <p:spPr/>
-        <p:txBody>
-          <a:bodyPr/>
-          <a:lstStyle/>
-          <a:p>
-            <a:fld id="{BE1F6BF0-3C6A-4A47-A592-211A5094F777}" type="slidenum">
-              <a:rPr lang="en-US" smtClean="0"/>
-              <a:t>7</a:t>
-            </a:fld>
-            <a:endParaRPr lang="en-US"/>
-          </a:p>
-        </p:txBody>
-      </p:sp>
-      <p:pic>
-        <p:nvPicPr>
-          <p:cNvPr id="6" name="Picture 5" descr="A picture containing logo&#10;&#10;Description automatically generated">
-            <a:extLst>
-              <a:ext uri="{FF2B5EF4-FFF2-40B4-BE49-F238E27FC236}">
-                <a16:creationId xmlns:a16="http://schemas.microsoft.com/office/drawing/2014/main" id="{F00D6809-6AB1-81DB-4463-546F967918A1}"/>
-              </a:ext>
-            </a:extLst>
-          </p:cNvPr>
-          <p:cNvPicPr>
-            <a:picLocks noChangeAspect="1"/>
-          </p:cNvPicPr>
-          <p:nvPr/>
-        </p:nvPicPr>
-        <p:blipFill rotWithShape="1">
-          <a:blip r:embed="rId2">
-            <a:extLst>
-              <a:ext uri="{28A0092B-C50C-407E-A947-70E740481C1C}">
-                <a14:useLocalDpi xmlns:a14="http://schemas.microsoft.com/office/drawing/2010/main" val="0"/>
-              </a:ext>
-            </a:extLst>
-          </a:blip>
-          <a:srcRect t="42199"/>
-          <a:stretch/>
-        </p:blipFill>
-        <p:spPr>
-          <a:xfrm>
-            <a:off x="10022430" y="-11"/>
-            <a:ext cx="2169570" cy="548640"/>
-          </a:xfrm>
-          <a:prstGeom prst="rect">
-            <a:avLst/>
-          </a:prstGeom>
-        </p:spPr>
-      </p:pic>
-      <p:pic>
-        <p:nvPicPr>
-          <p:cNvPr id="11" name="Picture 10">
-            <a:extLst>
-              <a:ext uri="{FF2B5EF4-FFF2-40B4-BE49-F238E27FC236}">
-                <a16:creationId xmlns:a16="http://schemas.microsoft.com/office/drawing/2014/main" id="{DC1E95A0-E2DF-BB61-CA02-B6C6E996E6AC}"/>
-              </a:ext>
-            </a:extLst>
-          </p:cNvPr>
-          <p:cNvPicPr>
-            <a:picLocks noChangeAspect="1"/>
-          </p:cNvPicPr>
-          <p:nvPr/>
-        </p:nvPicPr>
-        <p:blipFill>
-          <a:blip r:embed="rId3"/>
-          <a:stretch>
-            <a:fillRect/>
-          </a:stretch>
-        </p:blipFill>
-        <p:spPr>
-          <a:xfrm>
-            <a:off x="7480370" y="1641021"/>
-            <a:ext cx="4224609" cy="2276856"/>
-          </a:xfrm>
-          <a:prstGeom prst="rect">
-            <a:avLst/>
-          </a:prstGeom>
-        </p:spPr>
-      </p:pic>
-      <p:pic>
-        <p:nvPicPr>
-          <p:cNvPr id="5" name="Picture 4" descr="A graph of different colored lines&#10;&#10;Description automatically generated">
-            <a:extLst>
-              <a:ext uri="{FF2B5EF4-FFF2-40B4-BE49-F238E27FC236}">
-                <a16:creationId xmlns:a16="http://schemas.microsoft.com/office/drawing/2014/main" id="{AA76A496-3F60-1694-1978-4372FC143110}"/>
-              </a:ext>
-            </a:extLst>
-          </p:cNvPr>
-          <p:cNvPicPr>
-            <a:picLocks noChangeAspect="1"/>
-          </p:cNvPicPr>
-          <p:nvPr/>
-        </p:nvPicPr>
-        <p:blipFill>
-          <a:blip r:embed="rId4">
-            <a:extLst>
-              <a:ext uri="{28A0092B-C50C-407E-A947-70E740481C1C}">
-                <a14:useLocalDpi xmlns:a14="http://schemas.microsoft.com/office/drawing/2010/main" val="0"/>
-              </a:ext>
-            </a:extLst>
-          </a:blip>
-          <a:stretch>
-            <a:fillRect/>
-          </a:stretch>
-        </p:blipFill>
-        <p:spPr>
-          <a:xfrm>
-            <a:off x="476373" y="1641021"/>
-            <a:ext cx="6923314" cy="4846320"/>
-          </a:xfrm>
-          <a:prstGeom prst="rect">
-            <a:avLst/>
-          </a:prstGeom>
-        </p:spPr>
-      </p:pic>
-      <p:sp>
-        <p:nvSpPr>
-          <p:cNvPr id="14" name="TextBox 13">
-            <a:extLst>
-              <a:ext uri="{FF2B5EF4-FFF2-40B4-BE49-F238E27FC236}">
-                <a16:creationId xmlns:a16="http://schemas.microsoft.com/office/drawing/2014/main" id="{9DFC16BB-6F57-2EC5-B43E-3076EA561B01}"/>
-              </a:ext>
-            </a:extLst>
-          </p:cNvPr>
-          <p:cNvSpPr txBox="1"/>
-          <p:nvPr/>
-        </p:nvSpPr>
-        <p:spPr>
-          <a:xfrm>
-            <a:off x="5653255" y="3835074"/>
-            <a:ext cx="1645745" cy="2462213"/>
-          </a:xfrm>
-          <a:prstGeom prst="rect">
-            <a:avLst/>
-          </a:prstGeom>
-          <a:noFill/>
-          <a:ln>
-            <a:solidFill>
-              <a:schemeClr val="bg1"/>
-            </a:solidFill>
-          </a:ln>
-        </p:spPr>
-        <p:txBody>
-          <a:bodyPr wrap="square" rtlCol="0">
-            <a:spAutoFit/>
-          </a:bodyPr>
-          <a:lstStyle/>
-          <a:p>
-            <a:r>
-              <a:rPr lang="es-CL" sz="1100" b="1" dirty="0">
-                <a:solidFill>
-                  <a:schemeClr val="bg1"/>
-                </a:solidFill>
-              </a:rPr>
-              <a:t>Escenario inestable con buena recomendación: </a:t>
-            </a:r>
-            <a:r>
-              <a:rPr lang="es-CL" sz="1100" dirty="0">
-                <a:solidFill>
-                  <a:schemeClr val="bg1"/>
-                </a:solidFill>
-              </a:rPr>
-              <a:t>En este escenario, TPH cae debido a que su celda de carga</a:t>
-            </a:r>
-            <a:r>
-              <a:rPr lang="es-CL" sz="1100" b="1" dirty="0">
-                <a:solidFill>
-                  <a:schemeClr val="bg1"/>
-                </a:solidFill>
-              </a:rPr>
-              <a:t> </a:t>
-            </a:r>
-            <a:r>
-              <a:rPr lang="es-CL" sz="1100" dirty="0">
-                <a:solidFill>
-                  <a:schemeClr val="bg1"/>
-                </a:solidFill>
-              </a:rPr>
-              <a:t>supera su setpoint y en consecuencia sistema de control actúa. La recomendación indica que se le de más espacio al molino para cargar, de este modo sistema de control no hubiese actuado.</a:t>
-            </a:r>
-            <a:endParaRPr lang="en-US" sz="1100" dirty="0"/>
-          </a:p>
-        </p:txBody>
-      </p:sp>
-      <p:cxnSp>
-        <p:nvCxnSpPr>
-          <p:cNvPr id="15" name="Straight Connector 14">
-            <a:extLst>
-              <a:ext uri="{FF2B5EF4-FFF2-40B4-BE49-F238E27FC236}">
-                <a16:creationId xmlns:a16="http://schemas.microsoft.com/office/drawing/2014/main" id="{77E67038-1FAE-7CD3-DE0E-09B5C1F6C1CB}"/>
-              </a:ext>
-            </a:extLst>
-          </p:cNvPr>
-          <p:cNvCxnSpPr>
-            <a:cxnSpLocks/>
-          </p:cNvCxnSpPr>
-          <p:nvPr/>
-        </p:nvCxnSpPr>
-        <p:spPr>
-          <a:xfrm>
-            <a:off x="1700990" y="2456917"/>
-            <a:ext cx="0" cy="1174494"/>
-          </a:xfrm>
-          <a:prstGeom prst="line">
-            <a:avLst/>
-          </a:prstGeom>
-          <a:ln w="15875">
-            <a:solidFill>
-              <a:schemeClr val="bg1"/>
-            </a:solidFill>
-            <a:prstDash val="dash"/>
-          </a:ln>
-        </p:spPr>
-        <p:style>
-          <a:lnRef idx="1">
-            <a:schemeClr val="accent1"/>
-          </a:lnRef>
-          <a:fillRef idx="0">
-            <a:schemeClr val="accent1"/>
-          </a:fillRef>
-          <a:effectRef idx="0">
-            <a:schemeClr val="accent1"/>
-          </a:effectRef>
-          <a:fontRef idx="minor">
-            <a:schemeClr val="tx1"/>
-          </a:fontRef>
-        </p:style>
-      </p:cxnSp>
-      <p:sp>
-        <p:nvSpPr>
-          <p:cNvPr id="23" name="Oval 22">
-            <a:extLst>
-              <a:ext uri="{FF2B5EF4-FFF2-40B4-BE49-F238E27FC236}">
-                <a16:creationId xmlns:a16="http://schemas.microsoft.com/office/drawing/2014/main" id="{67981550-4421-0224-44D7-294F6C70960D}"/>
-              </a:ext>
-            </a:extLst>
-          </p:cNvPr>
-          <p:cNvSpPr/>
-          <p:nvPr/>
-        </p:nvSpPr>
-        <p:spPr>
-          <a:xfrm>
-            <a:off x="1496007" y="3017367"/>
-            <a:ext cx="409965" cy="329453"/>
-          </a:xfrm>
-          <a:prstGeom prst="ellipse">
-            <a:avLst/>
-          </a:prstGeom>
-          <a:noFill/>
-          <a:ln>
-            <a:solidFill>
-              <a:schemeClr val="bg1"/>
-            </a:solidFill>
-            <a:prstDash val="dash"/>
-          </a:ln>
-        </p:spPr>
-        <p:style>
-          <a:lnRef idx="2">
-            <a:schemeClr val="accent1">
-              <a:shade val="50000"/>
-            </a:schemeClr>
-          </a:lnRef>
-          <a:fillRef idx="1">
-            <a:schemeClr val="accent1"/>
-          </a:fillRef>
-          <a:effectRef idx="0">
-            <a:schemeClr val="accent1"/>
-          </a:effectRef>
-          <a:fontRef idx="minor">
-            <a:schemeClr val="lt1"/>
-          </a:fontRef>
-        </p:style>
-        <p:txBody>
-          <a:bodyPr rtlCol="0" anchor="ctr"/>
-          <a:lstStyle/>
-          <a:p>
-            <a:pPr algn="ctr"/>
-            <a:endParaRPr lang="en-US"/>
-          </a:p>
-        </p:txBody>
-      </p:sp>
-      <p:sp>
-        <p:nvSpPr>
-          <p:cNvPr id="25" name="Oval 24">
-            <a:extLst>
-              <a:ext uri="{FF2B5EF4-FFF2-40B4-BE49-F238E27FC236}">
-                <a16:creationId xmlns:a16="http://schemas.microsoft.com/office/drawing/2014/main" id="{16469EEC-7757-C18F-BD3B-625515C6F778}"/>
-              </a:ext>
-            </a:extLst>
-          </p:cNvPr>
-          <p:cNvSpPr/>
-          <p:nvPr/>
-        </p:nvSpPr>
-        <p:spPr>
-          <a:xfrm>
-            <a:off x="1620307" y="2375280"/>
-            <a:ext cx="3368847" cy="370069"/>
-          </a:xfrm>
-          <a:prstGeom prst="ellipse">
-            <a:avLst/>
-          </a:prstGeom>
-          <a:noFill/>
-          <a:ln>
-            <a:solidFill>
-              <a:schemeClr val="bg1"/>
-            </a:solidFill>
-            <a:prstDash val="dash"/>
-          </a:ln>
-        </p:spPr>
-        <p:style>
-          <a:lnRef idx="2">
-            <a:schemeClr val="accent1">
-              <a:shade val="50000"/>
-            </a:schemeClr>
-          </a:lnRef>
-          <a:fillRef idx="1">
-            <a:schemeClr val="accent1"/>
-          </a:fillRef>
-          <a:effectRef idx="0">
-            <a:schemeClr val="accent1"/>
-          </a:effectRef>
-          <a:fontRef idx="minor">
-            <a:schemeClr val="lt1"/>
-          </a:fontRef>
-        </p:style>
-        <p:txBody>
-          <a:bodyPr rtlCol="0" anchor="ctr"/>
-          <a:lstStyle/>
-          <a:p>
-            <a:pPr algn="ctr"/>
-            <a:endParaRPr lang="en-US"/>
-          </a:p>
-        </p:txBody>
-      </p:sp>
-    </p:spTree>
-    <p:extLst>
-      <p:ext uri="{BB962C8B-B14F-4D97-AF65-F5344CB8AC3E}">
-        <p14:creationId xmlns:p14="http://schemas.microsoft.com/office/powerpoint/2010/main" val="2588192318"/>
-      </p:ext>
-    </p:extLst>
-  </p:cSld>
-  <p:clrMapOvr>
-    <a:masterClrMapping/>
-  </p:clrMapOvr>
-  <p:timing>
-    <p:tnLst>
-      <p:par>
-        <p:cTn id="1" dur="indefinite" restart="never" nodeType="tmRoot">
-          <p:childTnLst>
-            <p:seq concurrent="1" nextAc="seek">
-              <p:cTn id="2" dur="indefinite" nodeType="mainSeq">
-                <p:childTnLst>
-                  <p:par>
-                    <p:cTn id="3" fill="hold">
-                      <p:stCondLst>
-                        <p:cond delay="indefinite"/>
-                      </p:stCondLst>
-                      <p:childTnLst>
-                        <p:par>
-                          <p:cTn id="4" fill="hold">
-                            <p:stCondLst>
-                              <p:cond delay="0"/>
-                            </p:stCondLst>
-                            <p:childTnLst>
-                              <p:par>
-                                <p:cTn id="5" presetID="1" presetClass="entr" presetSubtype="0" fill="hold" nodeType="clickEffect">
-                                  <p:stCondLst>
-                                    <p:cond delay="0"/>
-                                  </p:stCondLst>
-                                  <p:childTnLst>
-                                    <p:set>
-                                      <p:cBhvr>
-                                        <p:cTn id="6" dur="1" fill="hold">
-                                          <p:stCondLst>
-                                            <p:cond delay="0"/>
-                                          </p:stCondLst>
-                                        </p:cTn>
-                                        <p:tgtEl>
-                                          <p:spTgt spid="11"/>
-                                        </p:tgtEl>
-                                        <p:attrNameLst>
-                                          <p:attrName>style.visibility</p:attrName>
-                                        </p:attrNameLst>
-                                      </p:cBhvr>
-                                      <p:to>
-                                        <p:strVal val="visible"/>
-                                      </p:to>
-                                    </p:set>
-                                  </p:childTnLst>
-                                </p:cTn>
-                              </p:par>
-                            </p:childTnLst>
-                          </p:cTn>
-                        </p:par>
-                      </p:childTnLst>
-                    </p:cTn>
-                  </p:par>
-                  <p:par>
-                    <p:cTn id="7" fill="hold">
-                      <p:stCondLst>
-                        <p:cond delay="indefinite"/>
-                      </p:stCondLst>
-                      <p:childTnLst>
-                        <p:par>
-                          <p:cTn id="8" fill="hold">
-                            <p:stCondLst>
-                              <p:cond delay="0"/>
-                            </p:stCondLst>
-                            <p:childTnLst>
-                              <p:par>
-                                <p:cTn id="9" presetID="1" presetClass="entr" presetSubtype="0" fill="hold" grpId="0" nodeType="clickEffect">
-                                  <p:stCondLst>
-                                    <p:cond delay="0"/>
-                                  </p:stCondLst>
-                                  <p:childTnLst>
-                                    <p:set>
-                                      <p:cBhvr>
-                                        <p:cTn id="10" dur="1" fill="hold">
-                                          <p:stCondLst>
-                                            <p:cond delay="0"/>
-                                          </p:stCondLst>
-                                        </p:cTn>
-                                        <p:tgtEl>
-                                          <p:spTgt spid="14"/>
-                                        </p:tgtEl>
-                                        <p:attrNameLst>
-                                          <p:attrName>style.visibility</p:attrName>
-                                        </p:attrNameLst>
-                                      </p:cBhvr>
-                                      <p:to>
-                                        <p:strVal val="visible"/>
-                                      </p:to>
-                                    </p:set>
-                                  </p:childTnLst>
-                                </p:cTn>
-                              </p:par>
-                            </p:childTnLst>
-                          </p:cTn>
-                        </p:par>
-                      </p:childTnLst>
-                    </p:cTn>
-                  </p:par>
-                  <p:par>
-                    <p:cTn id="11" fill="hold">
-                      <p:stCondLst>
-                        <p:cond delay="indefinite"/>
-                      </p:stCondLst>
-                      <p:childTnLst>
-                        <p:par>
-                          <p:cTn id="12" fill="hold">
-                            <p:stCondLst>
-                              <p:cond delay="0"/>
-                            </p:stCondLst>
-                            <p:childTnLst>
-                              <p:par>
-                                <p:cTn id="13" presetID="1" presetClass="entr" presetSubtype="0" fill="hold" nodeType="clickEffect">
-                                  <p:stCondLst>
-                                    <p:cond delay="0"/>
-                                  </p:stCondLst>
-                                  <p:childTnLst>
-                                    <p:set>
-                                      <p:cBhvr>
-                                        <p:cTn id="14" dur="1" fill="hold">
-                                          <p:stCondLst>
-                                            <p:cond delay="0"/>
-                                          </p:stCondLst>
-                                        </p:cTn>
-                                        <p:tgtEl>
-                                          <p:spTgt spid="15"/>
-                                        </p:tgtEl>
-                                        <p:attrNameLst>
-                                          <p:attrName>style.visibility</p:attrName>
-                                        </p:attrNameLst>
-                                      </p:cBhvr>
-                                      <p:to>
-                                        <p:strVal val="visible"/>
-                                      </p:to>
-                                    </p:set>
-                                  </p:childTnLst>
-                                </p:cTn>
-                              </p:par>
-                            </p:childTnLst>
-                          </p:cTn>
-                        </p:par>
-                      </p:childTnLst>
-                    </p:cTn>
-                  </p:par>
-                  <p:par>
-                    <p:cTn id="15" fill="hold">
-                      <p:stCondLst>
-                        <p:cond delay="indefinite"/>
-                      </p:stCondLst>
-                      <p:childTnLst>
-                        <p:par>
-                          <p:cTn id="16" fill="hold">
-                            <p:stCondLst>
-                              <p:cond delay="0"/>
-                            </p:stCondLst>
-                            <p:childTnLst>
-                              <p:par>
-                                <p:cTn id="17" presetID="1" presetClass="entr" presetSubtype="0" fill="hold" grpId="0" nodeType="clickEffect">
-                                  <p:stCondLst>
-                                    <p:cond delay="0"/>
-                                  </p:stCondLst>
-                                  <p:childTnLst>
-                                    <p:set>
-                                      <p:cBhvr>
-                                        <p:cTn id="18" dur="1" fill="hold">
-                                          <p:stCondLst>
-                                            <p:cond delay="0"/>
-                                          </p:stCondLst>
-                                        </p:cTn>
-                                        <p:tgtEl>
-                                          <p:spTgt spid="23"/>
-                                        </p:tgtEl>
-                                        <p:attrNameLst>
-                                          <p:attrName>style.visibility</p:attrName>
-                                        </p:attrNameLst>
-                                      </p:cBhvr>
-                                      <p:to>
-                                        <p:strVal val="visible"/>
-                                      </p:to>
-                                    </p:set>
-                                  </p:childTnLst>
-                                </p:cTn>
-                              </p:par>
-                            </p:childTnLst>
-                          </p:cTn>
-                        </p:par>
-                      </p:childTnLst>
-                    </p:cTn>
-                  </p:par>
-                  <p:par>
-                    <p:cTn id="19" fill="hold">
-                      <p:stCondLst>
-                        <p:cond delay="indefinite"/>
-                      </p:stCondLst>
-                      <p:childTnLst>
-                        <p:par>
-                          <p:cTn id="20" fill="hold">
-                            <p:stCondLst>
-                              <p:cond delay="0"/>
-                            </p:stCondLst>
-                            <p:childTnLst>
-                              <p:par>
-                                <p:cTn id="21" presetID="1" presetClass="entr" presetSubtype="0" fill="hold" grpId="0" nodeType="clickEffect">
-                                  <p:stCondLst>
-                                    <p:cond delay="0"/>
-                                  </p:stCondLst>
-                                  <p:childTnLst>
-                                    <p:set>
-                                      <p:cBhvr>
-                                        <p:cTn id="22" dur="1" fill="hold">
-                                          <p:stCondLst>
-                                            <p:cond delay="0"/>
-                                          </p:stCondLst>
-                                        </p:cTn>
-                                        <p:tgtEl>
-                                          <p:spTgt spid="25"/>
-                                        </p:tgtEl>
-                                        <p:attrNameLst>
-                                          <p:attrName>style.visibility</p:attrName>
-                                        </p:attrNameLst>
-                                      </p:cBhvr>
-                                      <p:to>
-                                        <p:strVal val="visible"/>
-                                      </p:to>
-                                    </p:set>
-                                  </p:childTnLst>
-                                </p:cTn>
-                              </p:par>
-                            </p:childTnLst>
-                          </p:cTn>
-                        </p:par>
-                      </p:childTnLst>
-                    </p:cTn>
-                  </p:par>
-                </p:childTnLst>
-              </p:cTn>
-              <p:prevCondLst>
-                <p:cond evt="onPrev" delay="0">
-                  <p:tgtEl>
-                    <p:sldTgt/>
-                  </p:tgtEl>
-                </p:cond>
-              </p:prevCondLst>
-              <p:nextCondLst>
-                <p:cond evt="onNext" delay="0">
-                  <p:tgtEl>
-                    <p:sldTgt/>
-                  </p:tgtEl>
-                </p:cond>
-              </p:nextCondLst>
-            </p:seq>
-          </p:childTnLst>
-        </p:cTn>
-      </p:par>
-    </p:tnLst>
-    <p:bldLst>
-      <p:bldP spid="14" grpId="0" animBg="1"/>
-      <p:bldP spid="23" grpId="0" animBg="1"/>
-      <p:bldP spid="25" grpId="0" animBg="1"/>
-    </p:bldLst>
-  </p:timing>
-</p:sld>
-</file>
-
-<file path=ppt/slides/slide8.xml><?xml version="1.0" encoding="utf-8"?>
-<p:sld xmlns:a="http://schemas.openxmlformats.org/drawingml/2006/main" xmlns:r="http://schemas.openxmlformats.org/officeDocument/2006/relationships" xmlns:p="http://schemas.openxmlformats.org/presentationml/2006/main">
-  <p:cSld>
-    <p:spTree>
-      <p:nvGrpSpPr>
-        <p:cNvPr id="1" name=""/>
-        <p:cNvGrpSpPr/>
-        <p:nvPr/>
-      </p:nvGrpSpPr>
-      <p:grpSpPr>
-        <a:xfrm>
-          <a:off x="0" y="0"/>
-          <a:ext cx="0" cy="0"/>
-          <a:chOff x="0" y="0"/>
-          <a:chExt cx="0" cy="0"/>
-        </a:xfrm>
-      </p:grpSpPr>
-      <p:sp>
-        <p:nvSpPr>
-          <p:cNvPr id="2" name="Title 1">
-            <a:extLst>
-              <a:ext uri="{FF2B5EF4-FFF2-40B4-BE49-F238E27FC236}">
-                <a16:creationId xmlns:a16="http://schemas.microsoft.com/office/drawing/2014/main" id="{013F6081-C83A-239E-28BC-8C851836D7BE}"/>
-              </a:ext>
-            </a:extLst>
-          </p:cNvPr>
-          <p:cNvSpPr>
-            <a:spLocks noGrp="1"/>
-          </p:cNvSpPr>
-          <p:nvPr>
-            <p:ph type="title"/>
-          </p:nvPr>
-        </p:nvSpPr>
-        <p:spPr/>
-        <p:txBody>
-          <a:bodyPr>
-            <a:normAutofit fontScale="90000"/>
-          </a:bodyPr>
-          <a:lstStyle/>
-          <a:p>
-            <a:r>
-              <a:rPr lang="es-ES" dirty="0"/>
-              <a:t>“Estabilización de TPH mediante recomendación de su nivel de carga” </a:t>
-            </a:r>
-            <a:endParaRPr lang="en-US" dirty="0"/>
-          </a:p>
-        </p:txBody>
-      </p:sp>
-      <p:sp>
-        <p:nvSpPr>
-          <p:cNvPr id="4" name="Slide Number Placeholder 3">
-            <a:extLst>
-              <a:ext uri="{FF2B5EF4-FFF2-40B4-BE49-F238E27FC236}">
-                <a16:creationId xmlns:a16="http://schemas.microsoft.com/office/drawing/2014/main" id="{9E34ED41-BA2A-A5B3-3114-8B1877DE832A}"/>
-              </a:ext>
-            </a:extLst>
-          </p:cNvPr>
-          <p:cNvSpPr>
-            <a:spLocks noGrp="1"/>
-          </p:cNvSpPr>
-          <p:nvPr>
-            <p:ph type="sldNum" sz="quarter" idx="12"/>
-          </p:nvPr>
-        </p:nvSpPr>
-        <p:spPr/>
-        <p:txBody>
-          <a:bodyPr/>
-          <a:lstStyle/>
-          <a:p>
-            <a:fld id="{BE1F6BF0-3C6A-4A47-A592-211A5094F777}" type="slidenum">
-              <a:rPr lang="en-US" smtClean="0"/>
-              <a:t>8</a:t>
-            </a:fld>
-            <a:endParaRPr lang="en-US"/>
-          </a:p>
-        </p:txBody>
-      </p:sp>
-      <p:pic>
-        <p:nvPicPr>
-          <p:cNvPr id="6" name="Picture 5" descr="A picture containing logo&#10;&#10;Description automatically generated">
-            <a:extLst>
-              <a:ext uri="{FF2B5EF4-FFF2-40B4-BE49-F238E27FC236}">
-                <a16:creationId xmlns:a16="http://schemas.microsoft.com/office/drawing/2014/main" id="{F00D6809-6AB1-81DB-4463-546F967918A1}"/>
-              </a:ext>
-            </a:extLst>
-          </p:cNvPr>
-          <p:cNvPicPr>
-            <a:picLocks noChangeAspect="1"/>
-          </p:cNvPicPr>
-          <p:nvPr/>
-        </p:nvPicPr>
-        <p:blipFill rotWithShape="1">
-          <a:blip r:embed="rId2">
-            <a:extLst>
-              <a:ext uri="{28A0092B-C50C-407E-A947-70E740481C1C}">
-                <a14:useLocalDpi xmlns:a14="http://schemas.microsoft.com/office/drawing/2010/main" val="0"/>
-              </a:ext>
-            </a:extLst>
-          </a:blip>
-          <a:srcRect t="42199"/>
-          <a:stretch/>
-        </p:blipFill>
-        <p:spPr>
-          <a:xfrm>
-            <a:off x="10022430" y="-11"/>
-            <a:ext cx="2169570" cy="548640"/>
-          </a:xfrm>
-          <a:prstGeom prst="rect">
-            <a:avLst/>
-          </a:prstGeom>
-        </p:spPr>
-      </p:pic>
-      <p:pic>
-        <p:nvPicPr>
-          <p:cNvPr id="7" name="Picture 6" descr="A graph of different colored lines&#10;&#10;Description automatically generated">
-            <a:extLst>
-              <a:ext uri="{FF2B5EF4-FFF2-40B4-BE49-F238E27FC236}">
-                <a16:creationId xmlns:a16="http://schemas.microsoft.com/office/drawing/2014/main" id="{F7476C82-3230-DDFD-E225-C4FCEA384D56}"/>
-              </a:ext>
-            </a:extLst>
-          </p:cNvPr>
-          <p:cNvPicPr>
-            <a:picLocks noChangeAspect="1"/>
-          </p:cNvPicPr>
-          <p:nvPr/>
-        </p:nvPicPr>
-        <p:blipFill>
-          <a:blip r:embed="rId3">
-            <a:extLst>
-              <a:ext uri="{28A0092B-C50C-407E-A947-70E740481C1C}">
-                <a14:useLocalDpi xmlns:a14="http://schemas.microsoft.com/office/drawing/2010/main" val="0"/>
-              </a:ext>
-            </a:extLst>
-          </a:blip>
-          <a:stretch>
-            <a:fillRect/>
-          </a:stretch>
-        </p:blipFill>
-        <p:spPr>
-          <a:xfrm>
-            <a:off x="492279" y="1641021"/>
-            <a:ext cx="6923314" cy="4846320"/>
-          </a:xfrm>
-          <a:prstGeom prst="rect">
-            <a:avLst/>
-          </a:prstGeom>
-        </p:spPr>
-      </p:pic>
-      <p:sp>
-        <p:nvSpPr>
-          <p:cNvPr id="14" name="TextBox 13">
-            <a:extLst>
-              <a:ext uri="{FF2B5EF4-FFF2-40B4-BE49-F238E27FC236}">
-                <a16:creationId xmlns:a16="http://schemas.microsoft.com/office/drawing/2014/main" id="{9DFC16BB-6F57-2EC5-B43E-3076EA561B01}"/>
-              </a:ext>
-            </a:extLst>
-          </p:cNvPr>
-          <p:cNvSpPr txBox="1"/>
-          <p:nvPr/>
-        </p:nvSpPr>
-        <p:spPr>
-          <a:xfrm>
-            <a:off x="5691024" y="3896142"/>
-            <a:ext cx="1600921" cy="1615827"/>
-          </a:xfrm>
-          <a:prstGeom prst="rect">
-            <a:avLst/>
-          </a:prstGeom>
-          <a:noFill/>
-          <a:ln>
-            <a:solidFill>
-              <a:schemeClr val="bg1"/>
-            </a:solidFill>
-          </a:ln>
-        </p:spPr>
-        <p:txBody>
-          <a:bodyPr wrap="square" rtlCol="0">
-            <a:spAutoFit/>
-          </a:bodyPr>
-          <a:lstStyle/>
-          <a:p>
-            <a:r>
-              <a:rPr lang="es-CL" sz="1100" b="1" dirty="0">
-                <a:solidFill>
-                  <a:schemeClr val="bg1"/>
-                </a:solidFill>
-              </a:rPr>
-              <a:t>Escenario inestable con mala recomendación: </a:t>
-            </a:r>
-            <a:r>
-              <a:rPr lang="es-CL" sz="1100" dirty="0">
-                <a:solidFill>
-                  <a:schemeClr val="bg1"/>
-                </a:solidFill>
-              </a:rPr>
-              <a:t>Recomendación indica seguir cargando pero TPH cae pese a estar con una carga inferior (No actúa sistema de control).</a:t>
-            </a:r>
-            <a:endParaRPr lang="en-US" sz="1100" dirty="0"/>
-          </a:p>
-        </p:txBody>
-      </p:sp>
-      <p:pic>
-        <p:nvPicPr>
-          <p:cNvPr id="9" name="Picture 8">
-            <a:extLst>
-              <a:ext uri="{FF2B5EF4-FFF2-40B4-BE49-F238E27FC236}">
-                <a16:creationId xmlns:a16="http://schemas.microsoft.com/office/drawing/2014/main" id="{9A975FFA-5B4B-1BB7-0E93-42AA39D74E60}"/>
-              </a:ext>
-            </a:extLst>
-          </p:cNvPr>
-          <p:cNvPicPr>
-            <a:picLocks noChangeAspect="1"/>
-          </p:cNvPicPr>
-          <p:nvPr/>
-        </p:nvPicPr>
-        <p:blipFill>
-          <a:blip r:embed="rId4"/>
-          <a:stretch>
-            <a:fillRect/>
-          </a:stretch>
-        </p:blipFill>
-        <p:spPr>
-          <a:xfrm>
-            <a:off x="7504762" y="1641021"/>
-            <a:ext cx="4184310" cy="2276856"/>
-          </a:xfrm>
-          <a:prstGeom prst="rect">
-            <a:avLst/>
-          </a:prstGeom>
-        </p:spPr>
-      </p:pic>
-    </p:spTree>
-    <p:extLst>
-      <p:ext uri="{BB962C8B-B14F-4D97-AF65-F5344CB8AC3E}">
-        <p14:creationId xmlns:p14="http://schemas.microsoft.com/office/powerpoint/2010/main" val="2612626118"/>
-      </p:ext>
-    </p:extLst>
-  </p:cSld>
-  <p:clrMapOvr>
-    <a:masterClrMapping/>
-  </p:clrMapOvr>
-  <p:timing>
-    <p:tnLst>
-      <p:par>
-        <p:cTn id="1" dur="indefinite" restart="never" nodeType="tmRoot">
-          <p:childTnLst>
-            <p:seq concurrent="1" nextAc="seek">
-              <p:cTn id="2" dur="indefinite" nodeType="mainSeq">
-                <p:childTnLst>
-                  <p:par>
-                    <p:cTn id="3" fill="hold">
-                      <p:stCondLst>
-                        <p:cond delay="indefinite"/>
-                      </p:stCondLst>
-                      <p:childTnLst>
-                        <p:par>
-                          <p:cTn id="4" fill="hold">
-                            <p:stCondLst>
-                              <p:cond delay="0"/>
-                            </p:stCondLst>
-                            <p:childTnLst>
-                              <p:par>
-                                <p:cTn id="5" presetID="1" presetClass="entr" presetSubtype="0" fill="hold" nodeType="clickEffect">
-                                  <p:stCondLst>
-                                    <p:cond delay="0"/>
-                                  </p:stCondLst>
-                                  <p:childTnLst>
-                                    <p:set>
-                                      <p:cBhvr>
-                                        <p:cTn id="6" dur="1" fill="hold">
-                                          <p:stCondLst>
-                                            <p:cond delay="0"/>
-                                          </p:stCondLst>
-                                        </p:cTn>
-                                        <p:tgtEl>
-                                          <p:spTgt spid="7"/>
-                                        </p:tgtEl>
-                                        <p:attrNameLst>
-                                          <p:attrName>style.visibility</p:attrName>
-                                        </p:attrNameLst>
-                                      </p:cBhvr>
-                                      <p:to>
-                                        <p:strVal val="visible"/>
-                                      </p:to>
-                                    </p:set>
-                                  </p:childTnLst>
-                                </p:cTn>
-                              </p:par>
-                            </p:childTnLst>
-                          </p:cTn>
-                        </p:par>
-                      </p:childTnLst>
-                    </p:cTn>
-                  </p:par>
-                  <p:par>
-                    <p:cTn id="7" fill="hold">
-                      <p:stCondLst>
-                        <p:cond delay="indefinite"/>
-                      </p:stCondLst>
-                      <p:childTnLst>
-                        <p:par>
-                          <p:cTn id="8" fill="hold">
-                            <p:stCondLst>
-                              <p:cond delay="0"/>
-                            </p:stCondLst>
-                            <p:childTnLst>
-                              <p:par>
-                                <p:cTn id="9" presetID="1" presetClass="entr" presetSubtype="0" fill="hold" nodeType="clickEffect">
-                                  <p:stCondLst>
-                                    <p:cond delay="0"/>
-                                  </p:stCondLst>
-                                  <p:childTnLst>
-                                    <p:set>
-                                      <p:cBhvr>
-                                        <p:cTn id="10" dur="1" fill="hold">
-                                          <p:stCondLst>
-                                            <p:cond delay="0"/>
-                                          </p:stCondLst>
-                                        </p:cTn>
-                                        <p:tgtEl>
-                                          <p:spTgt spid="9"/>
-                                        </p:tgtEl>
-                                        <p:attrNameLst>
-                                          <p:attrName>style.visibility</p:attrName>
-                                        </p:attrNameLst>
-                                      </p:cBhvr>
-                                      <p:to>
-                                        <p:strVal val="visible"/>
-                                      </p:to>
-                                    </p:set>
-                                  </p:childTnLst>
-                                </p:cTn>
-                              </p:par>
-                            </p:childTnLst>
-                          </p:cTn>
-                        </p:par>
-                      </p:childTnLst>
-                    </p:cTn>
-                  </p:par>
-                  <p:par>
-                    <p:cTn id="11" fill="hold">
-                      <p:stCondLst>
-                        <p:cond delay="indefinite"/>
-                      </p:stCondLst>
-                      <p:childTnLst>
-                        <p:par>
-                          <p:cTn id="12" fill="hold">
-                            <p:stCondLst>
-                              <p:cond delay="0"/>
-                            </p:stCondLst>
-                            <p:childTnLst>
-                              <p:par>
-                                <p:cTn id="13" presetID="1" presetClass="entr" presetSubtype="0" fill="hold" grpId="0" nodeType="clickEffect">
-                                  <p:stCondLst>
-                                    <p:cond delay="0"/>
-                                  </p:stCondLst>
-                                  <p:childTnLst>
-                                    <p:set>
-                                      <p:cBhvr>
-                                        <p:cTn id="14" dur="1" fill="hold">
-                                          <p:stCondLst>
-                                            <p:cond delay="0"/>
-                                          </p:stCondLst>
-                                        </p:cTn>
-                                        <p:tgtEl>
-                                          <p:spTgt spid="14"/>
-                                        </p:tgtEl>
-                                        <p:attrNameLst>
-                                          <p:attrName>style.visibility</p:attrName>
-                                        </p:attrNameLst>
-                                      </p:cBhvr>
-                                      <p:to>
-                                        <p:strVal val="visible"/>
-                                      </p:to>
-                                    </p:set>
-                                  </p:childTnLst>
-                                </p:cTn>
-                              </p:par>
-                            </p:childTnLst>
-                          </p:cTn>
-                        </p:par>
-                      </p:childTnLst>
-                    </p:cTn>
-                  </p:par>
-                </p:childTnLst>
-              </p:cTn>
-              <p:prevCondLst>
-                <p:cond evt="onPrev" delay="0">
-                  <p:tgtEl>
-                    <p:sldTgt/>
-                  </p:tgtEl>
-                </p:cond>
-              </p:prevCondLst>
-              <p:nextCondLst>
-                <p:cond evt="onNext" delay="0">
-                  <p:tgtEl>
-                    <p:sldTgt/>
-                  </p:tgtEl>
-                </p:cond>
-              </p:nextCondLst>
-            </p:seq>
-          </p:childTnLst>
-        </p:cTn>
-      </p:par>
-    </p:tnLst>
-    <p:bldLst>
-      <p:bldP spid="14" grpId="0" animBg="1"/>
-    </p:bldLst>
-  </p:timing>
-</p:sld>
-</file>
-
-<file path=ppt/slides/slide9.xml><?xml version="1.0" encoding="utf-8"?>
-<p:sld xmlns:a="http://schemas.openxmlformats.org/drawingml/2006/main" xmlns:r="http://schemas.openxmlformats.org/officeDocument/2006/relationships" xmlns:p="http://schemas.openxmlformats.org/presentationml/2006/main">
-  <p:cSld>
-    <p:spTree>
-      <p:nvGrpSpPr>
-        <p:cNvPr id="1" name=""/>
-        <p:cNvGrpSpPr/>
-        <p:nvPr/>
-      </p:nvGrpSpPr>
-      <p:grpSpPr>
-        <a:xfrm>
-          <a:off x="0" y="0"/>
-          <a:ext cx="0" cy="0"/>
-          <a:chOff x="0" y="0"/>
-          <a:chExt cx="0" cy="0"/>
-        </a:xfrm>
-      </p:grpSpPr>
-      <p:sp>
-        <p:nvSpPr>
-          <p:cNvPr id="2" name="Title 1">
-            <a:extLst>
-              <a:ext uri="{FF2B5EF4-FFF2-40B4-BE49-F238E27FC236}">
-                <a16:creationId xmlns:a16="http://schemas.microsoft.com/office/drawing/2014/main" id="{6D99AAC5-C0CB-B6DF-410B-ED4B87665F87}"/>
-              </a:ext>
-            </a:extLst>
-          </p:cNvPr>
-          <p:cNvSpPr>
-            <a:spLocks noGrp="1"/>
-          </p:cNvSpPr>
-          <p:nvPr>
-            <p:ph type="title"/>
-          </p:nvPr>
-        </p:nvSpPr>
-        <p:spPr/>
-        <p:txBody>
-          <a:bodyPr/>
-          <a:lstStyle/>
-          <a:p>
-            <a:r>
-              <a:rPr lang="es-CL" dirty="0"/>
-              <a:t>Conclusiones</a:t>
-            </a:r>
-            <a:endParaRPr lang="en-US" dirty="0"/>
-          </a:p>
-        </p:txBody>
-      </p:sp>
-      <p:sp>
-        <p:nvSpPr>
-          <p:cNvPr id="3" name="Content Placeholder 2">
-            <a:extLst>
-              <a:ext uri="{FF2B5EF4-FFF2-40B4-BE49-F238E27FC236}">
-                <a16:creationId xmlns:a16="http://schemas.microsoft.com/office/drawing/2014/main" id="{46304CB4-1328-9132-CF9D-DFD6A6F63E28}"/>
-              </a:ext>
-            </a:extLst>
-          </p:cNvPr>
-          <p:cNvSpPr>
-            <a:spLocks noGrp="1"/>
-          </p:cNvSpPr>
-          <p:nvPr>
-            <p:ph idx="1"/>
-          </p:nvPr>
-        </p:nvSpPr>
-        <p:spPr/>
-        <p:txBody>
-          <a:bodyPr>
-            <a:normAutofit lnSpcReduction="10000"/>
-          </a:bodyPr>
-          <a:lstStyle/>
-          <a:p>
-            <a:r>
-              <a:rPr lang="es-ES" dirty="0"/>
-              <a:t>Políticas aprendidas son consistentes con los resultados esperados a partir de conocimiento previo.</a:t>
-            </a:r>
-          </a:p>
-          <a:p>
-            <a:endParaRPr lang="es-ES" dirty="0"/>
-          </a:p>
-          <a:p>
-            <a:r>
-              <a:rPr lang="es-ES" dirty="0"/>
-              <a:t>Surge la necesidad de poder testear las políticas aprendidas.</a:t>
-            </a:r>
-          </a:p>
-          <a:p>
-            <a:endParaRPr lang="es-ES" dirty="0"/>
-          </a:p>
-          <a:p>
-            <a:r>
-              <a:rPr lang="es-ES" dirty="0"/>
-              <a:t>No se puede decir de manera categórica que las políticas aprendidas son óptimas o seguras debido a que no es posible la experimentación en la planta.</a:t>
-            </a:r>
-            <a:endParaRPr lang="en-US" dirty="0"/>
-          </a:p>
-          <a:p>
-            <a:pPr marL="36900" indent="0">
-              <a:buNone/>
-            </a:pPr>
-            <a:endParaRPr lang="es-ES" dirty="0"/>
-          </a:p>
-          <a:p>
-            <a:r>
-              <a:rPr lang="es-ES" dirty="0"/>
-              <a:t>Es necesario diseñar nuevas metodologías para poder testear de manera robusta las políticas aprendidas a partir del mismo tipo de estructura de información con la cual se entrena el algoritmo.</a:t>
-            </a:r>
-          </a:p>
-          <a:p>
-            <a:endParaRPr lang="es-ES" dirty="0"/>
-          </a:p>
-        </p:txBody>
-      </p:sp>
-      <p:sp>
-        <p:nvSpPr>
-          <p:cNvPr id="4" name="Slide Number Placeholder 3">
-            <a:extLst>
-              <a:ext uri="{FF2B5EF4-FFF2-40B4-BE49-F238E27FC236}">
-                <a16:creationId xmlns:a16="http://schemas.microsoft.com/office/drawing/2014/main" id="{761E1540-171D-43DB-046D-4C8DD3C2F028}"/>
-              </a:ext>
-            </a:extLst>
-          </p:cNvPr>
-          <p:cNvSpPr>
-            <a:spLocks noGrp="1"/>
-          </p:cNvSpPr>
-          <p:nvPr>
-            <p:ph type="sldNum" sz="quarter" idx="12"/>
-          </p:nvPr>
-        </p:nvSpPr>
-        <p:spPr/>
-        <p:txBody>
-          <a:bodyPr/>
-          <a:lstStyle/>
-          <a:p>
-            <a:fld id="{BE1F6BF0-3C6A-4A47-A592-211A5094F777}" type="slidenum">
-              <a:rPr lang="en-US" smtClean="0"/>
-              <a:t>9</a:t>
-            </a:fld>
-            <a:endParaRPr lang="en-US"/>
-          </a:p>
-        </p:txBody>
-      </p:sp>
-      <p:pic>
-        <p:nvPicPr>
-          <p:cNvPr id="6" name="Picture 5" descr="A picture containing logo&#10;&#10;Description automatically generated">
-            <a:extLst>
-              <a:ext uri="{FF2B5EF4-FFF2-40B4-BE49-F238E27FC236}">
-                <a16:creationId xmlns:a16="http://schemas.microsoft.com/office/drawing/2014/main" id="{439D1F2B-2984-7668-6346-38CB900461E4}"/>
-              </a:ext>
-            </a:extLst>
-          </p:cNvPr>
-          <p:cNvPicPr>
-            <a:picLocks noChangeAspect="1"/>
-          </p:cNvPicPr>
-          <p:nvPr/>
-        </p:nvPicPr>
-        <p:blipFill rotWithShape="1">
-          <a:blip r:embed="rId2">
-            <a:extLst>
-              <a:ext uri="{28A0092B-C50C-407E-A947-70E740481C1C}">
-                <a14:useLocalDpi xmlns:a14="http://schemas.microsoft.com/office/drawing/2010/main" val="0"/>
-              </a:ext>
-            </a:extLst>
-          </a:blip>
-          <a:srcRect t="42199"/>
-          <a:stretch/>
-        </p:blipFill>
-        <p:spPr>
-          <a:xfrm>
-            <a:off x="10022430" y="-11"/>
-            <a:ext cx="2169570" cy="548640"/>
-          </a:xfrm>
-          <a:prstGeom prst="rect">
-            <a:avLst/>
-          </a:prstGeom>
-        </p:spPr>
-      </p:pic>
-    </p:spTree>
-    <p:extLst>
-      <p:ext uri="{BB962C8B-B14F-4D97-AF65-F5344CB8AC3E}">
-        <p14:creationId xmlns:p14="http://schemas.microsoft.com/office/powerpoint/2010/main" val="4157001183"/>
-      </p:ext>
-    </p:extLst>
-  </p:cSld>
-  <p:clrMapOvr>
-    <a:masterClrMapping/>
-  </p:clrMapOvr>
-  <p:timing>
-    <p:tnLst>
-      <p:par>
-        <p:cTn id="1" dur="indefinite" restart="never" nodeType="tmRoot">
-          <p:childTnLst>
-            <p:seq concurrent="1" nextAc="seek">
-              <p:cTn id="2" dur="indefinite" nodeType="mainSeq">
-                <p:childTnLst>
-                  <p:par>
-                    <p:cTn id="3" fill="hold">
-                      <p:stCondLst>
-                        <p:cond delay="indefinite"/>
-                      </p:stCondLst>
-                      <p:childTnLst>
-                        <p:par>
-                          <p:cTn id="4" fill="hold">
-                            <p:stCondLst>
-                              <p:cond delay="0"/>
-                            </p:stCondLst>
-                            <p:childTnLst>
-                              <p:par>
-                                <p:cTn id="5" presetID="1" presetClass="entr" presetSubtype="0" fill="hold" nodeType="clickEffect">
-                                  <p:stCondLst>
-                                    <p:cond delay="0"/>
-                                  </p:stCondLst>
-                                  <p:childTnLst>
-                                    <p:set>
-                                      <p:cBhvr>
-                                        <p:cTn id="6" dur="1" fill="hold">
-                                          <p:stCondLst>
-                                            <p:cond delay="0"/>
-                                          </p:stCondLst>
-                                        </p:cTn>
-                                        <p:tgtEl>
-                                          <p:spTgt spid="3">
-                                            <p:txEl>
-                                              <p:pRg st="0" end="0"/>
-                                            </p:txEl>
-                                          </p:spTgt>
-                                        </p:tgtEl>
-                                        <p:attrNameLst>
-                                          <p:attrName>style.visibility</p:attrName>
-                                        </p:attrNameLst>
-                                      </p:cBhvr>
-                                      <p:to>
-                                        <p:strVal val="visible"/>
-                                      </p:to>
-                                    </p:set>
-                                  </p:childTnLst>
-                                </p:cTn>
-                              </p:par>
-                            </p:childTnLst>
-                          </p:cTn>
-                        </p:par>
-                      </p:childTnLst>
-                    </p:cTn>
-                  </p:par>
-                  <p:par>
-                    <p:cTn id="7" fill="hold">
-                      <p:stCondLst>
-                        <p:cond delay="indefinite"/>
-                      </p:stCondLst>
-                      <p:childTnLst>
-                        <p:par>
-                          <p:cTn id="8" fill="hold">
-                            <p:stCondLst>
-                              <p:cond delay="0"/>
-                            </p:stCondLst>
-                            <p:childTnLst>
-                              <p:par>
-                                <p:cTn id="9" presetID="1" presetClass="entr" presetSubtype="0" fill="hold" nodeType="clickEffect">
-                                  <p:stCondLst>
-                                    <p:cond delay="0"/>
-                                  </p:stCondLst>
-                                  <p:childTnLst>
-                                    <p:set>
-                                      <p:cBhvr>
-                                        <p:cTn id="10" dur="1" fill="hold">
-                                          <p:stCondLst>
-                                            <p:cond delay="0"/>
-                                          </p:stCondLst>
-                                        </p:cTn>
-                                        <p:tgtEl>
-                                          <p:spTgt spid="3">
-                                            <p:txEl>
-                                              <p:pRg st="2" end="2"/>
-                                            </p:txEl>
-                                          </p:spTgt>
-                                        </p:tgtEl>
-                                        <p:attrNameLst>
-                                          <p:attrName>style.visibility</p:attrName>
-                                        </p:attrNameLst>
-                                      </p:cBhvr>
-                                      <p:to>
-                                        <p:strVal val="visible"/>
-                                      </p:to>
-                                    </p:set>
-                                  </p:childTnLst>
-                                </p:cTn>
-                              </p:par>
-                            </p:childTnLst>
-                          </p:cTn>
-                        </p:par>
-                      </p:childTnLst>
-                    </p:cTn>
-                  </p:par>
-                  <p:par>
-                    <p:cTn id="11" fill="hold">
-                      <p:stCondLst>
-                        <p:cond delay="indefinite"/>
-                      </p:stCondLst>
-                      <p:childTnLst>
-                        <p:par>
-                          <p:cTn id="12" fill="hold">
-                            <p:stCondLst>
-                              <p:cond delay="0"/>
-                            </p:stCondLst>
-                            <p:childTnLst>
-                              <p:par>
-                                <p:cTn id="13" presetID="1" presetClass="entr" presetSubtype="0" fill="hold" nodeType="clickEffect">
-                                  <p:stCondLst>
-                                    <p:cond delay="0"/>
-                                  </p:stCondLst>
-                                  <p:childTnLst>
-                                    <p:set>
-                                      <p:cBhvr>
-                                        <p:cTn id="14" dur="1" fill="hold">
-                                          <p:stCondLst>
-                                            <p:cond delay="0"/>
-                                          </p:stCondLst>
-                                        </p:cTn>
-                                        <p:tgtEl>
-                                          <p:spTgt spid="3">
-                                            <p:txEl>
-                                              <p:pRg st="4" end="4"/>
-                                            </p:txEl>
-                                          </p:spTgt>
-                                        </p:tgtEl>
-                                        <p:attrNameLst>
-                                          <p:attrName>style.visibility</p:attrName>
-                                        </p:attrNameLst>
-                                      </p:cBhvr>
-                                      <p:to>
-                                        <p:strVal val="visible"/>
-                                      </p:to>
-                                    </p:set>
-                                  </p:childTnLst>
-                                </p:cTn>
-                              </p:par>
-                            </p:childTnLst>
-                          </p:cTn>
-                        </p:par>
-                      </p:childTnLst>
-                    </p:cTn>
-                  </p:par>
-                  <p:par>
-                    <p:cTn id="15" fill="hold">
-                      <p:stCondLst>
-                        <p:cond delay="indefinite"/>
-                      </p:stCondLst>
-                      <p:childTnLst>
-                        <p:par>
-                          <p:cTn id="16" fill="hold">
-                            <p:stCondLst>
-                              <p:cond delay="0"/>
-                            </p:stCondLst>
-                            <p:childTnLst>
-                              <p:par>
-                                <p:cTn id="17" presetID="1" presetClass="entr" presetSubtype="0" fill="hold" nodeType="clickEffect">
-                                  <p:stCondLst>
-                                    <p:cond delay="0"/>
-                                  </p:stCondLst>
-                                  <p:childTnLst>
-                                    <p:set>
-                                      <p:cBhvr>
-                                        <p:cTn id="18" dur="1" fill="hold">
-                                          <p:stCondLst>
-                                            <p:cond delay="0"/>
-                                          </p:stCondLst>
-                                        </p:cTn>
-                                        <p:tgtEl>
-                                          <p:spTgt spid="3">
-                                            <p:txEl>
-                                              <p:pRg st="6" end="6"/>
-                                            </p:txEl>
-                                          </p:spTgt>
-                                        </p:tgtEl>
-                                        <p:attrNameLst>
-                                          <p:attrName>style.visibility</p:attrName>
-                                        </p:attrNameLst>
-                                      </p:cBhvr>
-                                      <p:to>
-                                        <p:strVal val="visible"/>
-                                      </p:to>
-                                    </p:set>
-                                  </p:childTnLst>
-                                </p:cTn>
-                              </p:par>
-                            </p:childTnLst>
-                          </p:cTn>
-                        </p:par>
-                      </p:childTnLst>
-                    </p:cTn>
-                  </p:par>
-                </p:childTnLst>
-              </p:cTn>
-              <p:prevCondLst>
-                <p:cond evt="onPrev" delay="0">
-                  <p:tgtEl>
-                    <p:sldTgt/>
-                  </p:tgtEl>
-                </p:cond>
-              </p:prevCondLst>
-              <p:nextCondLst>
-                <p:cond evt="onNext" delay="0">
-                  <p:tgtEl>
-                    <p:sldTgt/>
-                  </p:tgtEl>
-                </p:cond>
-              </p:nextCondLst>
-            </p:seq>
-          </p:childTnLst>
-        </p:cTn>
-      </p:par>
-    </p:tnLst>
   </p:timing>
 </p:sld>
 </file>
